--- a/Working with Application Frameworks and ArcGIS API for JavaScript.pptx
+++ b/Working with Application Frameworks and ArcGIS API for JavaScript.pptx
@@ -121,6 +121,32 @@
       </a:defRPr>
     </a:lvl9pPr>
   </p:defaultTextStyle>
+  <p:extLst>
+    <p:ext uri="{EFAFB233-063F-42B5-8137-9DF3F51BA10A}">
+      <p15:sldGuideLst xmlns:p15="http://schemas.microsoft.com/office/powerpoint/2012/main">
+        <p15:guide id="1" orient="horz" pos="430">
+          <p15:clr>
+            <a:srgbClr val="A4A3A4"/>
+          </p15:clr>
+        </p15:guide>
+        <p15:guide id="2" orient="horz" pos="3888">
+          <p15:clr>
+            <a:srgbClr val="A4A3A4"/>
+          </p15:clr>
+        </p15:guide>
+        <p15:guide id="3" pos="432">
+          <p15:clr>
+            <a:srgbClr val="A4A3A4"/>
+          </p15:clr>
+        </p15:guide>
+        <p15:guide id="4" pos="5328">
+          <p15:clr>
+            <a:srgbClr val="A4A3A4"/>
+          </p15:clr>
+        </p15:guide>
+      </p15:sldGuideLst>
+    </p:ext>
+  </p:extLst>
 </p:presentation>
 </file>
 
@@ -211,7 +237,7 @@
             <a:fld id="{5498D241-0AB7-BC44-80E8-F0A20AF46E9E}" type="datetimeFigureOut">
               <a:rPr lang="en-US" smtClean="0"/>
               <a:pPr/>
-              <a:t>3/20/13</a:t>
+              <a:t>3/22/2013</a:t>
             </a:fld>
             <a:endParaRPr lang="en-US" dirty="0"/>
           </a:p>
@@ -681,6 +707,198 @@
           <a:bodyPr/>
           <a:lstStyle/>
           <a:p>
+            <a:r>
+              <a:rPr lang="en-US" smtClean="0"/>
+              <a:t>Knockout</a:t>
+            </a:r>
+            <a:endParaRPr lang="en-US" dirty="0"/>
+          </a:p>
+        </p:txBody>
+      </p:sp>
+      <p:sp>
+        <p:nvSpPr>
+          <p:cNvPr id="4" name="Slide Number Placeholder 3"/>
+          <p:cNvSpPr>
+            <a:spLocks noGrp="1"/>
+          </p:cNvSpPr>
+          <p:nvPr>
+            <p:ph type="sldNum" sz="quarter" idx="10"/>
+          </p:nvPr>
+        </p:nvSpPr>
+        <p:spPr/>
+        <p:txBody>
+          <a:bodyPr/>
+          <a:lstStyle/>
+          <a:p>
+            <a:fld id="{3E7143C0-4F23-B545-9533-520B5A87CA1E}" type="slidenum">
+              <a:rPr lang="en-US" smtClean="0"/>
+              <a:pPr/>
+              <a:t>10</a:t>
+            </a:fld>
+            <a:endParaRPr lang="en-US" dirty="0"/>
+          </a:p>
+        </p:txBody>
+      </p:sp>
+    </p:spTree>
+    <p:extLst>
+      <p:ext uri="{BB962C8B-B14F-4D97-AF65-F5344CB8AC3E}">
+        <p14:creationId xmlns:p14="http://schemas.microsoft.com/office/powerpoint/2010/main" val="1666568480"/>
+      </p:ext>
+    </p:extLst>
+  </p:cSld>
+  <p:clrMapOvr>
+    <a:masterClrMapping/>
+  </p:clrMapOvr>
+</p:notes>
+</file>
+
+<file path=ppt/notesSlides/notesSlide11.xml><?xml version="1.0" encoding="utf-8"?>
+<p:notes xmlns:a="http://schemas.openxmlformats.org/drawingml/2006/main" xmlns:r="http://schemas.openxmlformats.org/officeDocument/2006/relationships" xmlns:p="http://schemas.openxmlformats.org/presentationml/2006/main">
+  <p:cSld>
+    <p:spTree>
+      <p:nvGrpSpPr>
+        <p:cNvPr id="1" name=""/>
+        <p:cNvGrpSpPr/>
+        <p:nvPr/>
+      </p:nvGrpSpPr>
+      <p:grpSpPr>
+        <a:xfrm>
+          <a:off x="0" y="0"/>
+          <a:ext cx="0" cy="0"/>
+          <a:chOff x="0" y="0"/>
+          <a:chExt cx="0" cy="0"/>
+        </a:xfrm>
+      </p:grpSpPr>
+      <p:sp>
+        <p:nvSpPr>
+          <p:cNvPr id="2" name="Slide Image Placeholder 1"/>
+          <p:cNvSpPr>
+            <a:spLocks noGrp="1" noRot="1" noChangeAspect="1"/>
+          </p:cNvSpPr>
+          <p:nvPr>
+            <p:ph type="sldImg"/>
+          </p:nvPr>
+        </p:nvSpPr>
+        <p:spPr/>
+      </p:sp>
+      <p:sp>
+        <p:nvSpPr>
+          <p:cNvPr id="3" name="Notes Placeholder 2"/>
+          <p:cNvSpPr>
+            <a:spLocks noGrp="1"/>
+          </p:cNvSpPr>
+          <p:nvPr>
+            <p:ph type="body" idx="1"/>
+          </p:nvPr>
+        </p:nvSpPr>
+        <p:spPr/>
+        <p:txBody>
+          <a:bodyPr/>
+          <a:lstStyle/>
+          <a:p>
+            <a:r>
+              <a:rPr lang="en-US" dirty="0" smtClean="0"/>
+              <a:t>Make sure Dojo</a:t>
+            </a:r>
+            <a:r>
+              <a:rPr lang="en-US" baseline="0" dirty="0" smtClean="0"/>
+              <a:t> or </a:t>
+            </a:r>
+            <a:r>
+              <a:rPr lang="en-US" baseline="0" dirty="0" err="1" smtClean="0"/>
+              <a:t>require.js</a:t>
+            </a:r>
+            <a:r>
+              <a:rPr lang="en-US" baseline="0" dirty="0" smtClean="0"/>
+              <a:t> is loaded before Knockout so that define is defined</a:t>
+            </a:r>
+          </a:p>
+          <a:p>
+            <a:endParaRPr lang="en-US" dirty="0" smtClean="0"/>
+          </a:p>
+        </p:txBody>
+      </p:sp>
+      <p:sp>
+        <p:nvSpPr>
+          <p:cNvPr id="4" name="Slide Number Placeholder 3"/>
+          <p:cNvSpPr>
+            <a:spLocks noGrp="1"/>
+          </p:cNvSpPr>
+          <p:nvPr>
+            <p:ph type="sldNum" sz="quarter" idx="10"/>
+          </p:nvPr>
+        </p:nvSpPr>
+        <p:spPr/>
+        <p:txBody>
+          <a:bodyPr/>
+          <a:lstStyle/>
+          <a:p>
+            <a:fld id="{3E7143C0-4F23-B545-9533-520B5A87CA1E}" type="slidenum">
+              <a:rPr lang="en-US" smtClean="0"/>
+              <a:pPr/>
+              <a:t>12</a:t>
+            </a:fld>
+            <a:endParaRPr lang="en-US" dirty="0"/>
+          </a:p>
+        </p:txBody>
+      </p:sp>
+    </p:spTree>
+    <p:extLst>
+      <p:ext uri="{BB962C8B-B14F-4D97-AF65-F5344CB8AC3E}">
+        <p14:creationId xmlns:p14="http://schemas.microsoft.com/office/powerpoint/2010/main" val="1053092096"/>
+      </p:ext>
+    </p:extLst>
+  </p:cSld>
+  <p:clrMapOvr>
+    <a:masterClrMapping/>
+  </p:clrMapOvr>
+</p:notes>
+</file>
+
+<file path=ppt/notesSlides/notesSlide12.xml><?xml version="1.0" encoding="utf-8"?>
+<p:notes xmlns:a="http://schemas.openxmlformats.org/drawingml/2006/main" xmlns:r="http://schemas.openxmlformats.org/officeDocument/2006/relationships" xmlns:p="http://schemas.openxmlformats.org/presentationml/2006/main">
+  <p:cSld>
+    <p:spTree>
+      <p:nvGrpSpPr>
+        <p:cNvPr id="1" name=""/>
+        <p:cNvGrpSpPr/>
+        <p:nvPr/>
+      </p:nvGrpSpPr>
+      <p:grpSpPr>
+        <a:xfrm>
+          <a:off x="0" y="0"/>
+          <a:ext cx="0" cy="0"/>
+          <a:chOff x="0" y="0"/>
+          <a:chExt cx="0" cy="0"/>
+        </a:xfrm>
+      </p:grpSpPr>
+      <p:sp>
+        <p:nvSpPr>
+          <p:cNvPr id="2" name="Slide Image Placeholder 1"/>
+          <p:cNvSpPr>
+            <a:spLocks noGrp="1" noRot="1" noChangeAspect="1"/>
+          </p:cNvSpPr>
+          <p:nvPr>
+            <p:ph type="sldImg"/>
+          </p:nvPr>
+        </p:nvSpPr>
+        <p:spPr/>
+      </p:sp>
+      <p:sp>
+        <p:nvSpPr>
+          <p:cNvPr id="3" name="Notes Placeholder 2"/>
+          <p:cNvSpPr>
+            <a:spLocks noGrp="1"/>
+          </p:cNvSpPr>
+          <p:nvPr>
+            <p:ph type="body" idx="1"/>
+          </p:nvPr>
+        </p:nvSpPr>
+        <p:spPr/>
+        <p:txBody>
+          <a:bodyPr/>
+          <a:lstStyle/>
+          <a:p>
             <a:endParaRPr lang="en-US" dirty="0" smtClean="0"/>
           </a:p>
         </p:txBody>
@@ -772,11 +990,16 @@
             </a:r>
             <a:r>
               <a:rPr lang="en-US" baseline="0" dirty="0" smtClean="0"/>
-              <a:t> intro MVC:  models are your data, views are representations of models and controllers handle your logic as well as communication between models and views</a:t>
-            </a:r>
+              <a:t> intro MVC:  models are your data, views are representations of models and controllers handle your logic as well as communication between models and views.</a:t>
+            </a:r>
+          </a:p>
+          <a:p>
+            <a:endParaRPr lang="en-US" baseline="0" dirty="0" smtClean="0"/>
+          </a:p>
+          <a:p>
             <a:r>
               <a:rPr lang="en-US" baseline="0" dirty="0" smtClean="0"/>
-              <a:t>.</a:t>
+              <a:t>MVC is about separating out your app. Controllers manipulate models, models manipulate views and views render data.</a:t>
             </a:r>
           </a:p>
           <a:p>
@@ -787,7 +1010,6 @@
               <a:rPr lang="en-US" baseline="0" dirty="0" smtClean="0"/>
               <a:t>-Matt talk about MVC.</a:t>
             </a:r>
-            <a:endParaRPr lang="en-US" baseline="0" dirty="0" smtClean="0"/>
           </a:p>
           <a:p>
             <a:endParaRPr lang="en-US" baseline="0" dirty="0" smtClean="0"/>
@@ -905,7 +1127,20 @@
           <a:p>
             <a:r>
               <a:rPr lang="en-US" dirty="0" smtClean="0"/>
-              <a:t>Separation of concerns:  your JS shouldn’t be directly updating your DOM. Modularize</a:t>
+              <a:t>Matt:</a:t>
+            </a:r>
+          </a:p>
+          <a:p>
+            <a:endParaRPr lang="en-US" dirty="0" smtClean="0"/>
+          </a:p>
+          <a:p>
+            <a:r>
+              <a:rPr lang="en-US" dirty="0" smtClean="0"/>
+              <a:t>Separation </a:t>
+            </a:r>
+            <a:r>
+              <a:rPr lang="en-US" dirty="0" smtClean="0"/>
+              <a:t>of concerns:  your JS shouldn’t be directly updating your DOM. Modularize</a:t>
             </a:r>
             <a:r>
               <a:rPr lang="en-US" baseline="0" dirty="0" smtClean="0"/>
@@ -918,8 +1153,13 @@
           <a:p>
             <a:r>
               <a:rPr lang="en-US" baseline="0" dirty="0" smtClean="0"/>
-              <a:t>DRY:  don’t repeat yourself:  do things in one place, easier to maintain your code, less error prone.</a:t>
-            </a:r>
+              <a:t>DRY:  don’t repeat yourself:  do things in one place, easier to maintain your code, less error prone</a:t>
+            </a:r>
+            <a:r>
+              <a:rPr lang="en-US" baseline="0" dirty="0" smtClean="0"/>
+              <a:t>. Let framework handle events and routing.</a:t>
+            </a:r>
+            <a:endParaRPr lang="en-US" baseline="0" dirty="0" smtClean="0"/>
           </a:p>
           <a:p>
             <a:endParaRPr lang="en-US" baseline="0" dirty="0" smtClean="0"/>
@@ -936,31 +1176,31 @@
           <a:p>
             <a:r>
               <a:rPr lang="en-US" baseline="0" dirty="0" smtClean="0"/>
-              <a:t>Fun:  write less boilerplate/scaffolding, focus on doing tasks unique to your app</a:t>
+              <a:t>Fun:  write less boilerplate/scaffolding, focus on doing tasks unique to your app. Creating/disconnecting </a:t>
             </a:r>
             <a:r>
               <a:rPr lang="en-US" baseline="0" dirty="0" smtClean="0"/>
-              <a:t>. Creating/disconnecting events. Let </a:t>
-            </a:r>
+              <a:t>events</a:t>
+            </a:r>
+          </a:p>
+          <a:p>
             <a:endParaRPr lang="en-US" baseline="0" dirty="0" smtClean="0"/>
           </a:p>
           <a:p>
+            <a:r>
+              <a:rPr lang="en-US" baseline="0" dirty="0" smtClean="0"/>
+              <a:t>Easier to find what you’re looking for with large applications.</a:t>
+            </a:r>
+          </a:p>
+          <a:p>
             <a:endParaRPr lang="en-US" baseline="0" dirty="0" smtClean="0"/>
           </a:p>
           <a:p>
             <a:r>
               <a:rPr lang="en-US" baseline="0" dirty="0" smtClean="0"/>
-              <a:t>Matt– you </a:t>
-            </a:r>
-            <a:r>
-              <a:rPr lang="en-US" baseline="0" dirty="0" err="1" smtClean="0"/>
-              <a:t>wanna</a:t>
-            </a:r>
-            <a:r>
-              <a:rPr lang="en-US" baseline="0" dirty="0" smtClean="0"/>
-              <a:t> take this one?</a:t>
-            </a:r>
-            <a:endParaRPr lang="en-US" dirty="0"/>
+              <a:t>Can have multiple people working on different things like models and views and they wont be editing the same file in some cases.</a:t>
+            </a:r>
+            <a:endParaRPr lang="en-US" baseline="0" dirty="0" smtClean="0"/>
           </a:p>
         </p:txBody>
       </p:sp>
@@ -1051,26 +1291,13 @@
             </a:r>
             <a:r>
               <a:rPr lang="en-US" baseline="0" dirty="0" smtClean="0"/>
-              <a:t> a couple of years ago with a previous release of the ArcGIS API for JavaScript. All JS API + Dojo. No MVC… manually manipulating DOM, concatenating strings…got the job done, and many, many apps are built this way, but there are tons of places for improvement.</a:t>
-            </a:r>
-          </a:p>
-          <a:p>
+              <a:t> a couple of years ago with a previous release of the ArcGIS API for JavaScript. All JS API + Dojo. No MVC… manually manipulating DOM, concatenating strings…got the job done, and many, many apps are built this way, but there are tons of places for improvement</a:t>
+            </a:r>
+            <a:r>
+              <a:rPr lang="en-US" baseline="0" dirty="0" smtClean="0"/>
+              <a:t>.</a:t>
+            </a:r>
             <a:endParaRPr lang="en-US" baseline="0" dirty="0" smtClean="0"/>
-          </a:p>
-          <a:p>
-            <a:r>
-              <a:rPr lang="en-US" baseline="0" dirty="0" smtClean="0"/>
-              <a:t>TODO:  image needs to link to the app, preferably running on </a:t>
-            </a:r>
-            <a:r>
-              <a:rPr lang="en-US" baseline="0" dirty="0" err="1" smtClean="0"/>
-              <a:t>github</a:t>
-            </a:r>
-            <a:r>
-              <a:rPr lang="en-US" baseline="0" dirty="0" smtClean="0"/>
-              <a:t> pages. Demo the app…show clicking on a point, then clicking through photos.</a:t>
-            </a:r>
-            <a:endParaRPr lang="en-US" dirty="0"/>
           </a:p>
         </p:txBody>
       </p:sp>
@@ -1264,137 +1491,22 @@
         </p:nvSpPr>
         <p:spPr/>
         <p:txBody>
-          <a:bodyPr>
-            <a:normAutofit lnSpcReduction="10000"/>
-          </a:bodyPr>
+          <a:bodyPr/>
           <a:lstStyle/>
           <a:p>
             <a:r>
               <a:rPr lang="en-US" dirty="0" smtClean="0"/>
-              <a:t>Models</a:t>
-            </a:r>
+              <a:t>First up is backbone.js</a:t>
+            </a:r>
+          </a:p>
+          <a:p>
+            <a:endParaRPr lang="en-US" dirty="0" smtClean="0"/>
           </a:p>
           <a:p>
             <a:r>
               <a:rPr lang="en-US" dirty="0" smtClean="0"/>
-              <a:t>	-Handle</a:t>
-            </a:r>
-            <a:r>
-              <a:rPr lang="en-US" baseline="0" dirty="0" smtClean="0"/>
-              <a:t> functionality of your app and changes that happen.</a:t>
-            </a:r>
-          </a:p>
-          <a:p>
-            <a:endParaRPr lang="en-US" baseline="0" dirty="0" smtClean="0"/>
-          </a:p>
-          <a:p>
-            <a:r>
-              <a:rPr lang="en-US" baseline="0" dirty="0" smtClean="0"/>
-              <a:t>Views</a:t>
-            </a:r>
-          </a:p>
-          <a:p>
-            <a:r>
-              <a:rPr lang="en-US" baseline="0" dirty="0" smtClean="0"/>
-              <a:t>	- Views are backed by models and can update views when the model changes</a:t>
-            </a:r>
-          </a:p>
-          <a:p>
-            <a:r>
-              <a:rPr lang="en-US" baseline="0" dirty="0" smtClean="0"/>
-              <a:t>	- Can be used with any </a:t>
-            </a:r>
-            <a:r>
-              <a:rPr lang="en-US" baseline="0" dirty="0" err="1" smtClean="0"/>
-              <a:t>templating</a:t>
-            </a:r>
-            <a:r>
-              <a:rPr lang="en-US" baseline="0" dirty="0" smtClean="0"/>
-              <a:t> library, for this app I used Underscore templates.</a:t>
-            </a:r>
-          </a:p>
-          <a:p>
-            <a:endParaRPr lang="en-US" baseline="0" dirty="0" smtClean="0"/>
-          </a:p>
-          <a:p>
-            <a:r>
-              <a:rPr lang="en-US" dirty="0" smtClean="0"/>
-              <a:t>Events</a:t>
-            </a:r>
-          </a:p>
-          <a:p>
-            <a:r>
-              <a:rPr lang="en-US" dirty="0" smtClean="0"/>
-              <a:t>	- Similar to dojo events. Has .on() and .off() to bind events to an object.</a:t>
-            </a:r>
-          </a:p>
-          <a:p>
-            <a:endParaRPr lang="en-US" dirty="0" smtClean="0"/>
-          </a:p>
-          <a:p>
-            <a:r>
-              <a:rPr lang="en-US" dirty="0" smtClean="0"/>
-              <a:t>Collections</a:t>
-            </a:r>
-          </a:p>
-          <a:p>
-            <a:r>
-              <a:rPr lang="en-US" dirty="0" smtClean="0"/>
-              <a:t>	-  Allows</a:t>
-            </a:r>
-            <a:r>
-              <a:rPr lang="en-US" baseline="0" dirty="0" smtClean="0"/>
-              <a:t> you to bind events on a collection of models</a:t>
-            </a:r>
-          </a:p>
-          <a:p>
-            <a:r>
-              <a:rPr lang="en-US" baseline="0" dirty="0" smtClean="0"/>
-              <a:t>	- Listen to multiple models</a:t>
-            </a:r>
-            <a:endParaRPr lang="en-US" dirty="0" smtClean="0"/>
-          </a:p>
-          <a:p>
-            <a:endParaRPr lang="en-US" dirty="0" smtClean="0"/>
-          </a:p>
-          <a:p>
-            <a:r>
-              <a:rPr lang="en-US" dirty="0" smtClean="0"/>
-              <a:t>Routes</a:t>
-            </a:r>
-          </a:p>
-          <a:p>
-            <a:r>
-              <a:rPr lang="en-US" dirty="0" smtClean="0"/>
-              <a:t> 	-</a:t>
-            </a:r>
-            <a:r>
-              <a:rPr lang="en-US" baseline="0" dirty="0" smtClean="0"/>
-              <a:t> Has a router than handles URL in page links like hash tag anchor links and redirects them to a function.</a:t>
-            </a:r>
-          </a:p>
-          <a:p>
-            <a:r>
-              <a:rPr lang="en-US" baseline="0" dirty="0" smtClean="0"/>
-              <a:t>	- Great for single page apps that want to link to a specific function</a:t>
-            </a:r>
-          </a:p>
-          <a:p>
-            <a:endParaRPr lang="en-US" baseline="0" dirty="0" smtClean="0"/>
-          </a:p>
-          <a:p>
-            <a:r>
-              <a:rPr lang="en-US" baseline="0" dirty="0" smtClean="0"/>
-              <a:t>History</a:t>
-            </a:r>
-          </a:p>
-          <a:p>
-            <a:r>
-              <a:rPr lang="en-US" baseline="0" dirty="0" smtClean="0"/>
-              <a:t>	- Once all your routes are created, a history can be started to be able to use the back button within your single page app</a:t>
-            </a:r>
-          </a:p>
-          <a:p>
+              <a:t>This is what their site looks like</a:t>
+            </a:r>
             <a:endParaRPr lang="en-US" dirty="0"/>
           </a:p>
         </p:txBody>
@@ -1417,7 +1529,7 @@
             <a:fld id="{3E7143C0-4F23-B545-9533-520B5A87CA1E}" type="slidenum">
               <a:rPr lang="en-US" smtClean="0"/>
               <a:pPr/>
-              <a:t>7</a:t>
+              <a:t>6</a:t>
             </a:fld>
             <a:endParaRPr lang="en-US" dirty="0"/>
           </a:p>
@@ -1426,7 +1538,7 @@
     </p:spTree>
     <p:extLst>
       <p:ext uri="{BB962C8B-B14F-4D97-AF65-F5344CB8AC3E}">
-        <p14:creationId xmlns:p14="http://schemas.microsoft.com/office/powerpoint/2010/main" val="974689931"/>
+        <p14:creationId xmlns:p14="http://schemas.microsoft.com/office/powerpoint/2010/main" val="4203420911"/>
       </p:ext>
     </p:extLst>
   </p:cSld>
@@ -1477,24 +1589,69 @@
         </p:nvSpPr>
         <p:spPr/>
         <p:txBody>
-          <a:bodyPr/>
+          <a:bodyPr>
+            <a:normAutofit fontScale="92500" lnSpcReduction="10000"/>
+          </a:bodyPr>
           <a:lstStyle/>
           <a:p>
             <a:r>
               <a:rPr lang="en-US" dirty="0" smtClean="0"/>
-              <a:t>First up:  Backbone. Probably</a:t>
+              <a:t>Models</a:t>
+            </a:r>
+          </a:p>
+          <a:p>
+            <a:r>
+              <a:rPr lang="en-US" dirty="0" smtClean="0"/>
+              <a:t>	-Handle</a:t>
             </a:r>
             <a:r>
               <a:rPr lang="en-US" baseline="0" dirty="0" smtClean="0"/>
-              <a:t> the </a:t>
+              <a:t> functionality of your app and changes that happen.</a:t>
+            </a:r>
+          </a:p>
+          <a:p>
+            <a:endParaRPr lang="en-US" baseline="0" dirty="0" smtClean="0"/>
+          </a:p>
+          <a:p>
+            <a:r>
+              <a:rPr lang="en-US" baseline="0" dirty="0" smtClean="0"/>
+              <a:t>Views</a:t>
+            </a:r>
+          </a:p>
+          <a:p>
+            <a:r>
+              <a:rPr lang="en-US" baseline="0" dirty="0" smtClean="0"/>
+              <a:t>	- Views are backed by models and can update </a:t>
+            </a:r>
+            <a:r>
+              <a:rPr lang="en-US" baseline="0" dirty="0" smtClean="0"/>
+              <a:t>HTML and </a:t>
             </a:r>
             <a:r>
               <a:rPr lang="en-US" baseline="0" dirty="0" err="1" smtClean="0"/>
-              <a:t>jQuery</a:t>
+              <a:t>dom</a:t>
             </a:r>
             <a:r>
               <a:rPr lang="en-US" baseline="0" dirty="0" smtClean="0"/>
-              <a:t> of JS MVC frameworks. </a:t>
+              <a:t> nodes when </a:t>
+            </a:r>
+            <a:r>
+              <a:rPr lang="en-US" baseline="0" dirty="0" smtClean="0"/>
+              <a:t>the model changes</a:t>
+            </a:r>
+          </a:p>
+          <a:p>
+            <a:r>
+              <a:rPr lang="en-US" baseline="0" dirty="0" smtClean="0"/>
+              <a:t>	- Can be used with any </a:t>
+            </a:r>
+            <a:r>
+              <a:rPr lang="en-US" baseline="0" dirty="0" err="1" smtClean="0"/>
+              <a:t>templating</a:t>
+            </a:r>
+            <a:r>
+              <a:rPr lang="en-US" baseline="0" dirty="0" smtClean="0"/>
+              <a:t> library, for this app I used Underscore templates.</a:t>
             </a:r>
           </a:p>
           <a:p>
@@ -1502,12 +1659,94 @@
           </a:p>
           <a:p>
             <a:r>
+              <a:rPr lang="en-US" dirty="0" smtClean="0"/>
+              <a:t>Events</a:t>
+            </a:r>
+          </a:p>
+          <a:p>
+            <a:r>
+              <a:rPr lang="en-US" dirty="0" smtClean="0"/>
+              <a:t>	- Similar to dojo events. Has .on() and .off() to bind events to an object.</a:t>
+            </a:r>
+          </a:p>
+          <a:p>
+            <a:endParaRPr lang="en-US" dirty="0" smtClean="0"/>
+          </a:p>
+          <a:p>
+            <a:r>
+              <a:rPr lang="en-US" dirty="0" smtClean="0"/>
+              <a:t>Collections</a:t>
+            </a:r>
+          </a:p>
+          <a:p>
+            <a:r>
+              <a:rPr lang="en-US" dirty="0" smtClean="0"/>
+              <a:t>	-  Allows</a:t>
+            </a:r>
+            <a:r>
               <a:rPr lang="en-US" baseline="0" dirty="0" smtClean="0"/>
-              <a:t>This one’s for you Matt!</a:t>
+              <a:t> you to bind events on a collection of models</a:t>
+            </a:r>
+          </a:p>
+          <a:p>
+            <a:r>
+              <a:rPr lang="en-US" baseline="0" dirty="0" smtClean="0"/>
+              <a:t>	- Listen to multiple </a:t>
+            </a:r>
+            <a:r>
+              <a:rPr lang="en-US" baseline="0" dirty="0" smtClean="0"/>
+              <a:t>models</a:t>
+            </a:r>
+          </a:p>
+          <a:p>
+            <a:r>
+              <a:rPr lang="en-US" baseline="0" dirty="0" smtClean="0"/>
+              <a:t>	- Song is model, album is Collection.</a:t>
+            </a:r>
+            <a:endParaRPr lang="en-US" dirty="0" smtClean="0"/>
+          </a:p>
+          <a:p>
+            <a:endParaRPr lang="en-US" dirty="0" smtClean="0"/>
+          </a:p>
+          <a:p>
+            <a:r>
+              <a:rPr lang="en-US" dirty="0" smtClean="0"/>
+              <a:t>Routes</a:t>
+            </a:r>
+          </a:p>
+          <a:p>
+            <a:r>
+              <a:rPr lang="en-US" dirty="0" smtClean="0"/>
+              <a:t> 	-</a:t>
+            </a:r>
+            <a:r>
+              <a:rPr lang="en-US" baseline="0" dirty="0" smtClean="0"/>
+              <a:t> Has a router than handles URL in page links like hash tag anchor links and redirects them to a function.</a:t>
+            </a:r>
+          </a:p>
+          <a:p>
+            <a:r>
+              <a:rPr lang="en-US" baseline="0" dirty="0" smtClean="0"/>
+              <a:t>	- Great for single page apps that want to link to a specific function</a:t>
             </a:r>
           </a:p>
           <a:p>
             <a:endParaRPr lang="en-US" baseline="0" dirty="0" smtClean="0"/>
+          </a:p>
+          <a:p>
+            <a:r>
+              <a:rPr lang="en-US" baseline="0" dirty="0" smtClean="0"/>
+              <a:t>History</a:t>
+            </a:r>
+          </a:p>
+          <a:p>
+            <a:r>
+              <a:rPr lang="en-US" baseline="0" dirty="0" smtClean="0"/>
+              <a:t>	- Once all your routes are created, a history can be started to be able to use the back button within your single page app</a:t>
+            </a:r>
+          </a:p>
+          <a:p>
+            <a:endParaRPr lang="en-US" dirty="0"/>
           </a:p>
         </p:txBody>
       </p:sp>
@@ -1529,7 +1768,7 @@
             <a:fld id="{3E7143C0-4F23-B545-9533-520B5A87CA1E}" type="slidenum">
               <a:rPr lang="en-US" smtClean="0"/>
               <a:pPr/>
-              <a:t>8</a:t>
+              <a:t>7</a:t>
             </a:fld>
             <a:endParaRPr lang="en-US" dirty="0"/>
           </a:p>
@@ -1538,7 +1777,7 @@
     </p:spTree>
     <p:extLst>
       <p:ext uri="{BB962C8B-B14F-4D97-AF65-F5344CB8AC3E}">
-        <p14:creationId xmlns:p14="http://schemas.microsoft.com/office/powerpoint/2010/main" val="1053092096"/>
+        <p14:creationId xmlns:p14="http://schemas.microsoft.com/office/powerpoint/2010/main" val="974689931"/>
       </p:ext>
     </p:extLst>
   </p:cSld>
@@ -1594,8 +1833,23 @@
           <a:p>
             <a:r>
               <a:rPr lang="en-US" dirty="0" smtClean="0"/>
-              <a:t>Next:  Angular. </a:t>
-            </a:r>
+              <a:t>First up:  Backbone. Probably</a:t>
+            </a:r>
+            <a:r>
+              <a:rPr lang="en-US" baseline="0" dirty="0" smtClean="0"/>
+              <a:t> the </a:t>
+            </a:r>
+            <a:r>
+              <a:rPr lang="en-US" baseline="0" dirty="0" err="1" smtClean="0"/>
+              <a:t>jQuery</a:t>
+            </a:r>
+            <a:r>
+              <a:rPr lang="en-US" baseline="0" dirty="0" smtClean="0"/>
+              <a:t> of JS MVC frameworks. </a:t>
+            </a:r>
+          </a:p>
+          <a:p>
+            <a:endParaRPr lang="en-US" baseline="0" dirty="0" smtClean="0"/>
           </a:p>
         </p:txBody>
       </p:sp>
@@ -1617,7 +1871,7 @@
             <a:fld id="{3E7143C0-4F23-B545-9533-520B5A87CA1E}" type="slidenum">
               <a:rPr lang="en-US" smtClean="0"/>
               <a:pPr/>
-              <a:t>9</a:t>
+              <a:t>8</a:t>
             </a:fld>
             <a:endParaRPr lang="en-US" dirty="0"/>
           </a:p>
@@ -1682,23 +1936,8 @@
           <a:p>
             <a:r>
               <a:rPr lang="en-US" dirty="0" smtClean="0"/>
-              <a:t>Make sure Dojo</a:t>
-            </a:r>
-            <a:r>
-              <a:rPr lang="en-US" baseline="0" dirty="0" smtClean="0"/>
-              <a:t> or </a:t>
-            </a:r>
-            <a:r>
-              <a:rPr lang="en-US" baseline="0" dirty="0" err="1" smtClean="0"/>
-              <a:t>require.js</a:t>
-            </a:r>
-            <a:r>
-              <a:rPr lang="en-US" baseline="0" dirty="0" smtClean="0"/>
-              <a:t> is loaded before Knockout so that define is defined</a:t>
-            </a:r>
-          </a:p>
-          <a:p>
-            <a:endParaRPr lang="en-US" dirty="0" smtClean="0"/>
+              <a:t>Next:  Angular. </a:t>
+            </a:r>
           </a:p>
         </p:txBody>
       </p:sp>
@@ -1720,7 +1959,7 @@
             <a:fld id="{3E7143C0-4F23-B545-9533-520B5A87CA1E}" type="slidenum">
               <a:rPr lang="en-US" smtClean="0"/>
               <a:pPr/>
-              <a:t>12</a:t>
+              <a:t>9</a:t>
             </a:fld>
             <a:endParaRPr lang="en-US" dirty="0"/>
           </a:p>
@@ -2164,13 +2403,13 @@
   <p:clrMapOvr>
     <a:masterClrMapping/>
   </p:clrMapOvr>
-  <p:transition xmlns:p14="http://schemas.microsoft.com/office/powerpoint/2010/main" spd="med">
+  <p:transition spd="med">
     <p:fade/>
   </p:transition>
   <p:timing>
     <p:tnLst>
       <p:par>
-        <p:cTn xmlns:p14="http://schemas.microsoft.com/office/powerpoint/2010/main" id="1" dur="indefinite" restart="never" nodeType="tmRoot"/>
+        <p:cTn id="1" dur="indefinite" restart="never" nodeType="tmRoot"/>
       </p:par>
     </p:tnLst>
   </p:timing>
@@ -2908,13 +3147,13 @@
   <p:clrMapOvr>
     <a:masterClrMapping/>
   </p:clrMapOvr>
-  <p:transition xmlns:p14="http://schemas.microsoft.com/office/powerpoint/2010/main" spd="med">
+  <p:transition spd="med">
     <p:fade/>
   </p:transition>
   <p:timing>
     <p:tnLst>
       <p:par>
-        <p:cTn xmlns:p14="http://schemas.microsoft.com/office/powerpoint/2010/main" id="1" dur="indefinite" restart="never" nodeType="tmRoot"/>
+        <p:cTn id="1" dur="indefinite" restart="never" nodeType="tmRoot"/>
       </p:par>
     </p:tnLst>
   </p:timing>
@@ -3002,13 +3241,13 @@
   <p:clrMapOvr>
     <a:overrideClrMapping bg1="dk1" tx1="lt1" bg2="dk2" tx2="lt2" accent1="accent1" accent2="accent2" accent3="accent3" accent4="accent4" accent5="accent5" accent6="accent6" hlink="hlink" folHlink="folHlink"/>
   </p:clrMapOvr>
-  <p:transition xmlns:p14="http://schemas.microsoft.com/office/powerpoint/2010/main" spd="med">
+  <p:transition spd="med">
     <p:fade/>
   </p:transition>
   <p:timing>
     <p:tnLst>
       <p:par>
-        <p:cTn xmlns:p14="http://schemas.microsoft.com/office/powerpoint/2010/main" id="1" dur="indefinite" restart="never" nodeType="tmRoot"/>
+        <p:cTn id="1" dur="indefinite" restart="never" nodeType="tmRoot"/>
       </p:par>
     </p:tnLst>
   </p:timing>
@@ -3360,13 +3599,13 @@
   <p:clrMapOvr>
     <a:masterClrMapping/>
   </p:clrMapOvr>
-  <p:transition xmlns:p14="http://schemas.microsoft.com/office/powerpoint/2010/main" spd="med">
+  <p:transition spd="med">
     <p:fade/>
   </p:transition>
   <p:timing>
     <p:tnLst>
       <p:par>
-        <p:cTn xmlns:p14="http://schemas.microsoft.com/office/powerpoint/2010/main" id="1" dur="indefinite" restart="never" nodeType="tmRoot"/>
+        <p:cTn id="1" dur="indefinite" restart="never" nodeType="tmRoot"/>
       </p:par>
     </p:tnLst>
   </p:timing>
@@ -3506,13 +3745,13 @@
   <p:clrMapOvr>
     <a:masterClrMapping/>
   </p:clrMapOvr>
-  <p:transition xmlns:p14="http://schemas.microsoft.com/office/powerpoint/2010/main" spd="med">
+  <p:transition spd="med">
     <p:fade/>
   </p:transition>
   <p:timing>
     <p:tnLst>
       <p:par>
-        <p:cTn xmlns:p14="http://schemas.microsoft.com/office/powerpoint/2010/main" id="1" dur="indefinite" restart="never" nodeType="tmRoot"/>
+        <p:cTn id="1" dur="indefinite" restart="never" nodeType="tmRoot"/>
       </p:par>
     </p:tnLst>
   </p:timing>
@@ -3651,13 +3890,13 @@
   <p:clrMapOvr>
     <a:masterClrMapping/>
   </p:clrMapOvr>
-  <p:transition xmlns:p14="http://schemas.microsoft.com/office/powerpoint/2010/main" spd="med">
+  <p:transition spd="med">
     <p:fade/>
   </p:transition>
   <p:timing>
     <p:tnLst>
       <p:par>
-        <p:cTn xmlns:p14="http://schemas.microsoft.com/office/powerpoint/2010/main" id="1" dur="indefinite" restart="never" nodeType="tmRoot"/>
+        <p:cTn id="1" dur="indefinite" restart="never" nodeType="tmRoot"/>
       </p:par>
     </p:tnLst>
   </p:timing>
@@ -3875,13 +4114,13 @@
   <p:clrMapOvr>
     <a:masterClrMapping/>
   </p:clrMapOvr>
-  <p:transition xmlns:p14="http://schemas.microsoft.com/office/powerpoint/2010/main" spd="med">
+  <p:transition spd="med">
     <p:fade/>
   </p:transition>
   <p:timing>
     <p:tnLst>
       <p:par>
-        <p:cTn xmlns:p14="http://schemas.microsoft.com/office/powerpoint/2010/main" id="1" dur="indefinite" restart="never" nodeType="tmRoot"/>
+        <p:cTn id="1" dur="indefinite" restart="never" nodeType="tmRoot"/>
       </p:par>
     </p:tnLst>
   </p:timing>
@@ -4025,13 +4264,13 @@
   <p:clrMapOvr>
     <a:masterClrMapping/>
   </p:clrMapOvr>
-  <p:transition xmlns:p14="http://schemas.microsoft.com/office/powerpoint/2010/main" spd="med">
+  <p:transition spd="med">
     <p:fade/>
   </p:transition>
   <p:timing>
     <p:tnLst>
       <p:par>
-        <p:cTn xmlns:p14="http://schemas.microsoft.com/office/powerpoint/2010/main" id="1" dur="indefinite" restart="never" nodeType="tmRoot"/>
+        <p:cTn id="1" dur="indefinite" restart="never" nodeType="tmRoot"/>
       </p:par>
     </p:tnLst>
   </p:timing>
@@ -4110,13 +4349,13 @@
   <p:clrMapOvr>
     <a:masterClrMapping/>
   </p:clrMapOvr>
-  <p:transition xmlns:p14="http://schemas.microsoft.com/office/powerpoint/2010/main" spd="med">
+  <p:transition spd="med">
     <p:fade/>
   </p:transition>
   <p:timing>
     <p:tnLst>
       <p:par>
-        <p:cTn xmlns:p14="http://schemas.microsoft.com/office/powerpoint/2010/main" id="1" dur="indefinite" restart="never" nodeType="tmRoot"/>
+        <p:cTn id="1" dur="indefinite" restart="never" nodeType="tmRoot"/>
       </p:par>
     </p:tnLst>
   </p:timing>
@@ -4200,13 +4439,13 @@
   <p:clrMapOvr>
     <a:masterClrMapping/>
   </p:clrMapOvr>
-  <p:transition xmlns:p14="http://schemas.microsoft.com/office/powerpoint/2010/main" spd="med">
+  <p:transition spd="med">
     <p:fade/>
   </p:transition>
   <p:timing>
     <p:tnLst>
       <p:par>
-        <p:cTn xmlns:p14="http://schemas.microsoft.com/office/powerpoint/2010/main" id="1" dur="indefinite" restart="never" nodeType="tmRoot"/>
+        <p:cTn id="1" dur="indefinite" restart="never" nodeType="tmRoot"/>
       </p:par>
     </p:tnLst>
   </p:timing>
@@ -4444,13 +4683,13 @@
   <p:clrMapOvr>
     <a:masterClrMapping/>
   </p:clrMapOvr>
-  <p:transition xmlns:p14="http://schemas.microsoft.com/office/powerpoint/2010/main" spd="med">
+  <p:transition spd="med">
     <p:fade/>
   </p:transition>
   <p:timing>
     <p:tnLst>
       <p:par>
-        <p:cTn xmlns:p14="http://schemas.microsoft.com/office/powerpoint/2010/main" id="1" dur="indefinite" restart="never" nodeType="tmRoot"/>
+        <p:cTn id="1" dur="indefinite" restart="never" nodeType="tmRoot"/>
       </p:par>
     </p:tnLst>
   </p:timing>
@@ -4544,13 +4783,13 @@
   <p:clrMapOvr>
     <a:masterClrMapping/>
   </p:clrMapOvr>
-  <p:transition xmlns:p14="http://schemas.microsoft.com/office/powerpoint/2010/main" spd="med">
+  <p:transition spd="med">
     <p:fade/>
   </p:transition>
   <p:timing>
     <p:tnLst>
       <p:par>
-        <p:cTn xmlns:p14="http://schemas.microsoft.com/office/powerpoint/2010/main" id="1" dur="indefinite" restart="never" nodeType="tmRoot"/>
+        <p:cTn id="1" dur="indefinite" restart="never" nodeType="tmRoot"/>
       </p:par>
     </p:tnLst>
   </p:timing>
@@ -4649,13 +4888,13 @@
   <p:clrMapOvr>
     <a:masterClrMapping/>
   </p:clrMapOvr>
-  <p:transition xmlns:p14="http://schemas.microsoft.com/office/powerpoint/2010/main" spd="med">
+  <p:transition spd="med">
     <p:fade/>
   </p:transition>
   <p:timing>
     <p:tnLst>
       <p:par>
-        <p:cTn xmlns:p14="http://schemas.microsoft.com/office/powerpoint/2010/main" id="1" dur="indefinite" restart="never" nodeType="tmRoot"/>
+        <p:cTn id="1" dur="indefinite" restart="never" nodeType="tmRoot"/>
       </p:par>
     </p:tnLst>
   </p:timing>
@@ -4819,13 +5058,13 @@
   <p:clrMapOvr>
     <a:masterClrMapping/>
   </p:clrMapOvr>
-  <p:transition xmlns:p14="http://schemas.microsoft.com/office/powerpoint/2010/main" spd="med">
+  <p:transition spd="med">
     <p:fade/>
   </p:transition>
   <p:timing>
     <p:tnLst>
       <p:par>
-        <p:cTn xmlns:p14="http://schemas.microsoft.com/office/powerpoint/2010/main" id="1" dur="indefinite" restart="never" nodeType="tmRoot"/>
+        <p:cTn id="1" dur="indefinite" restart="never" nodeType="tmRoot"/>
       </p:par>
     </p:tnLst>
   </p:timing>
@@ -5036,13 +5275,13 @@
   <p:clrMapOvr>
     <a:masterClrMapping/>
   </p:clrMapOvr>
-  <p:transition xmlns:p14="http://schemas.microsoft.com/office/powerpoint/2010/main" spd="med">
+  <p:transition spd="med">
     <p:fade/>
   </p:transition>
   <p:timing>
     <p:tnLst>
       <p:par>
-        <p:cTn xmlns:p14="http://schemas.microsoft.com/office/powerpoint/2010/main" id="1" dur="indefinite" restart="never" nodeType="tmRoot"/>
+        <p:cTn id="1" dur="indefinite" restart="never" nodeType="tmRoot"/>
       </p:par>
     </p:tnLst>
   </p:timing>
@@ -5326,13 +5565,13 @@
   <p:clrMapOvr>
     <a:masterClrMapping/>
   </p:clrMapOvr>
-  <p:transition xmlns:p14="http://schemas.microsoft.com/office/powerpoint/2010/main" spd="med">
+  <p:transition spd="med">
     <p:fade/>
   </p:transition>
   <p:timing>
     <p:tnLst>
       <p:par>
-        <p:cTn xmlns:p14="http://schemas.microsoft.com/office/powerpoint/2010/main" id="1" dur="indefinite" restart="never" nodeType="tmRoot"/>
+        <p:cTn id="1" dur="indefinite" restart="never" nodeType="tmRoot"/>
       </p:par>
     </p:tnLst>
   </p:timing>
@@ -5389,13 +5628,13 @@
   <p:clrMapOvr>
     <a:masterClrMapping/>
   </p:clrMapOvr>
-  <p:transition xmlns:p14="http://schemas.microsoft.com/office/powerpoint/2010/main" spd="med">
+  <p:transition spd="med">
     <p:fade/>
   </p:transition>
   <p:timing>
     <p:tnLst>
       <p:par>
-        <p:cTn xmlns:p14="http://schemas.microsoft.com/office/powerpoint/2010/main" id="1" dur="indefinite" restart="never" nodeType="tmRoot"/>
+        <p:cTn id="1" dur="indefinite" restart="never" nodeType="tmRoot"/>
       </p:par>
     </p:tnLst>
   </p:timing>
@@ -5456,13 +5695,13 @@
   <p:clrMapOvr>
     <a:masterClrMapping/>
   </p:clrMapOvr>
-  <p:transition xmlns:p14="http://schemas.microsoft.com/office/powerpoint/2010/main" spd="med">
+  <p:transition spd="med">
     <p:fade/>
   </p:transition>
   <p:timing>
     <p:tnLst>
       <p:par>
-        <p:cTn xmlns:p14="http://schemas.microsoft.com/office/powerpoint/2010/main" id="1" dur="indefinite" restart="never" nodeType="tmRoot"/>
+        <p:cTn id="1" dur="indefinite" restart="never" nodeType="tmRoot"/>
       </p:par>
     </p:tnLst>
   </p:timing>
@@ -5496,13 +5735,13 @@
   <p:clrMapOvr>
     <a:masterClrMapping/>
   </p:clrMapOvr>
-  <p:transition xmlns:p14="http://schemas.microsoft.com/office/powerpoint/2010/main" spd="med">
+  <p:transition spd="med">
     <p:fade/>
   </p:transition>
   <p:timing>
     <p:tnLst>
       <p:par>
-        <p:cTn xmlns:p14="http://schemas.microsoft.com/office/powerpoint/2010/main" id="1" dur="indefinite" restart="never" nodeType="tmRoot"/>
+        <p:cTn id="1" dur="indefinite" restart="never" nodeType="tmRoot"/>
       </p:par>
     </p:tnLst>
   </p:timing>
@@ -5872,13 +6111,13 @@
   <p:clrMapOvr>
     <a:masterClrMapping/>
   </p:clrMapOvr>
-  <p:transition xmlns:p14="http://schemas.microsoft.com/office/powerpoint/2010/main" spd="med">
+  <p:transition spd="med">
     <p:fade/>
   </p:transition>
   <p:timing>
     <p:tnLst>
       <p:par>
-        <p:cTn xmlns:p14="http://schemas.microsoft.com/office/powerpoint/2010/main" id="1" dur="indefinite" restart="never" nodeType="tmRoot"/>
+        <p:cTn id="1" dur="indefinite" restart="never" nodeType="tmRoot"/>
       </p:par>
     </p:tnLst>
   </p:timing>
@@ -6403,13 +6642,13 @@
   <p:clrMapOvr>
     <a:masterClrMapping/>
   </p:clrMapOvr>
-  <p:transition xmlns:p14="http://schemas.microsoft.com/office/powerpoint/2010/main" spd="med">
+  <p:transition spd="med">
     <p:fade/>
   </p:transition>
   <p:timing>
     <p:tnLst>
       <p:par>
-        <p:cTn xmlns:p14="http://schemas.microsoft.com/office/powerpoint/2010/main" id="1" dur="indefinite" restart="never" nodeType="tmRoot"/>
+        <p:cTn id="1" dur="indefinite" restart="never" nodeType="tmRoot"/>
       </p:par>
     </p:tnLst>
   </p:timing>
@@ -6497,13 +6736,13 @@
   <p:clrMapOvr>
     <a:overrideClrMapping bg1="dk1" tx1="lt1" bg2="dk2" tx2="lt2" accent1="accent1" accent2="accent2" accent3="accent3" accent4="accent4" accent5="accent5" accent6="accent6" hlink="hlink" folHlink="folHlink"/>
   </p:clrMapOvr>
-  <p:transition xmlns:p14="http://schemas.microsoft.com/office/powerpoint/2010/main" spd="med">
+  <p:transition spd="med">
     <p:fade/>
   </p:transition>
   <p:timing>
     <p:tnLst>
       <p:par>
-        <p:cTn xmlns:p14="http://schemas.microsoft.com/office/powerpoint/2010/main" id="1" dur="indefinite" restart="never" nodeType="tmRoot"/>
+        <p:cTn id="1" dur="indefinite" restart="never" nodeType="tmRoot"/>
       </p:par>
     </p:tnLst>
   </p:timing>
@@ -6665,13 +6904,13 @@
   <p:clrMapOvr>
     <a:masterClrMapping/>
   </p:clrMapOvr>
-  <p:transition xmlns:p14="http://schemas.microsoft.com/office/powerpoint/2010/main" spd="med">
+  <p:transition spd="med">
     <p:fade/>
   </p:transition>
   <p:timing>
     <p:tnLst>
       <p:par>
-        <p:cTn xmlns:p14="http://schemas.microsoft.com/office/powerpoint/2010/main" id="1" dur="indefinite" restart="never" nodeType="tmRoot"/>
+        <p:cTn id="1" dur="indefinite" restart="never" nodeType="tmRoot"/>
       </p:par>
     </p:tnLst>
   </p:timing>
@@ -7023,13 +7262,13 @@
   <p:clrMapOvr>
     <a:masterClrMapping/>
   </p:clrMapOvr>
-  <p:transition xmlns:p14="http://schemas.microsoft.com/office/powerpoint/2010/main" spd="med">
+  <p:transition spd="med">
     <p:fade/>
   </p:transition>
   <p:timing>
     <p:tnLst>
       <p:par>
-        <p:cTn xmlns:p14="http://schemas.microsoft.com/office/powerpoint/2010/main" id="1" dur="indefinite" restart="never" nodeType="tmRoot"/>
+        <p:cTn id="1" dur="indefinite" restart="never" nodeType="tmRoot"/>
       </p:par>
     </p:tnLst>
   </p:timing>
@@ -7166,13 +7405,13 @@
   <p:clrMapOvr>
     <a:masterClrMapping/>
   </p:clrMapOvr>
-  <p:transition xmlns:p14="http://schemas.microsoft.com/office/powerpoint/2010/main" spd="med">
+  <p:transition spd="med">
     <p:fade/>
   </p:transition>
   <p:timing>
     <p:tnLst>
       <p:par>
-        <p:cTn xmlns:p14="http://schemas.microsoft.com/office/powerpoint/2010/main" id="1" dur="indefinite" restart="never" nodeType="tmRoot"/>
+        <p:cTn id="1" dur="indefinite" restart="never" nodeType="tmRoot"/>
       </p:par>
     </p:tnLst>
   </p:timing>
@@ -7308,13 +7547,13 @@
   <p:clrMapOvr>
     <a:masterClrMapping/>
   </p:clrMapOvr>
-  <p:transition xmlns:p14="http://schemas.microsoft.com/office/powerpoint/2010/main" spd="med">
+  <p:transition spd="med">
     <p:fade/>
   </p:transition>
   <p:timing>
     <p:tnLst>
       <p:par>
-        <p:cTn xmlns:p14="http://schemas.microsoft.com/office/powerpoint/2010/main" id="1" dur="indefinite" restart="never" nodeType="tmRoot"/>
+        <p:cTn id="1" dur="indefinite" restart="never" nodeType="tmRoot"/>
       </p:par>
     </p:tnLst>
   </p:timing>
@@ -7532,13 +7771,13 @@
   <p:clrMapOvr>
     <a:masterClrMapping/>
   </p:clrMapOvr>
-  <p:transition xmlns:p14="http://schemas.microsoft.com/office/powerpoint/2010/main" spd="med">
+  <p:transition spd="med">
     <p:fade/>
   </p:transition>
   <p:timing>
     <p:tnLst>
       <p:par>
-        <p:cTn xmlns:p14="http://schemas.microsoft.com/office/powerpoint/2010/main" id="1" dur="indefinite" restart="never" nodeType="tmRoot"/>
+        <p:cTn id="1" dur="indefinite" restart="never" nodeType="tmRoot"/>
       </p:par>
     </p:tnLst>
   </p:timing>
@@ -7682,13 +7921,13 @@
   <p:clrMapOvr>
     <a:masterClrMapping/>
   </p:clrMapOvr>
-  <p:transition xmlns:p14="http://schemas.microsoft.com/office/powerpoint/2010/main" spd="med">
+  <p:transition spd="med">
     <p:fade/>
   </p:transition>
   <p:timing>
     <p:tnLst>
       <p:par>
-        <p:cTn xmlns:p14="http://schemas.microsoft.com/office/powerpoint/2010/main" id="1" dur="indefinite" restart="never" nodeType="tmRoot"/>
+        <p:cTn id="1" dur="indefinite" restart="never" nodeType="tmRoot"/>
       </p:par>
     </p:tnLst>
   </p:timing>
@@ -7770,13 +8009,13 @@
   <p:clrMapOvr>
     <a:masterClrMapping/>
   </p:clrMapOvr>
-  <p:transition xmlns:p14="http://schemas.microsoft.com/office/powerpoint/2010/main" spd="med">
+  <p:transition spd="med">
     <p:fade/>
   </p:transition>
   <p:timing>
     <p:tnLst>
       <p:par>
-        <p:cTn xmlns:p14="http://schemas.microsoft.com/office/powerpoint/2010/main" id="1" dur="indefinite" restart="never" nodeType="tmRoot"/>
+        <p:cTn id="1" dur="indefinite" restart="never" nodeType="tmRoot"/>
       </p:par>
     </p:tnLst>
   </p:timing>
@@ -7840,13 +8079,13 @@
   <p:clrMapOvr>
     <a:masterClrMapping/>
   </p:clrMapOvr>
-  <p:transition xmlns:p14="http://schemas.microsoft.com/office/powerpoint/2010/main" spd="med">
+  <p:transition spd="med">
     <p:fade/>
   </p:transition>
   <p:timing>
     <p:tnLst>
       <p:par>
-        <p:cTn xmlns:p14="http://schemas.microsoft.com/office/powerpoint/2010/main" id="1" dur="indefinite" restart="never" nodeType="tmRoot"/>
+        <p:cTn id="1" dur="indefinite" restart="never" nodeType="tmRoot"/>
       </p:par>
     </p:tnLst>
   </p:timing>
@@ -8052,13 +8291,13 @@
   <p:clrMapOvr>
     <a:masterClrMapping/>
   </p:clrMapOvr>
-  <p:transition xmlns:p14="http://schemas.microsoft.com/office/powerpoint/2010/main" spd="med">
+  <p:transition spd="med">
     <p:fade/>
   </p:transition>
   <p:timing>
     <p:tnLst>
       <p:par>
-        <p:cTn xmlns:p14="http://schemas.microsoft.com/office/powerpoint/2010/main" id="1" dur="indefinite" restart="never" nodeType="tmRoot"/>
+        <p:cTn id="1" dur="indefinite" restart="never" nodeType="tmRoot"/>
       </p:par>
     </p:tnLst>
   </p:timing>
@@ -8337,13 +8576,13 @@
   <p:clrMapOvr>
     <a:masterClrMapping/>
   </p:clrMapOvr>
-  <p:transition xmlns:p14="http://schemas.microsoft.com/office/powerpoint/2010/main" spd="med">
+  <p:transition spd="med">
     <p:fade/>
   </p:transition>
   <p:timing>
     <p:tnLst>
       <p:par>
-        <p:cTn xmlns:p14="http://schemas.microsoft.com/office/powerpoint/2010/main" id="1" dur="indefinite" restart="never" nodeType="tmRoot"/>
+        <p:cTn id="1" dur="indefinite" restart="never" nodeType="tmRoot"/>
       </p:par>
     </p:tnLst>
   </p:timing>
@@ -8395,13 +8634,13 @@
   <p:clrMapOvr>
     <a:masterClrMapping/>
   </p:clrMapOvr>
-  <p:transition xmlns:p14="http://schemas.microsoft.com/office/powerpoint/2010/main" spd="med">
+  <p:transition spd="med">
     <p:fade/>
   </p:transition>
   <p:timing>
     <p:tnLst>
       <p:par>
-        <p:cTn xmlns:p14="http://schemas.microsoft.com/office/powerpoint/2010/main" id="1" dur="indefinite" restart="never" nodeType="tmRoot"/>
+        <p:cTn id="1" dur="indefinite" restart="never" nodeType="tmRoot"/>
       </p:par>
     </p:tnLst>
   </p:timing>
@@ -8457,13 +8696,13 @@
   <p:clrMapOvr>
     <a:masterClrMapping/>
   </p:clrMapOvr>
-  <p:transition xmlns:p14="http://schemas.microsoft.com/office/powerpoint/2010/main" spd="med">
+  <p:transition spd="med">
     <p:fade/>
   </p:transition>
   <p:timing>
     <p:tnLst>
       <p:par>
-        <p:cTn xmlns:p14="http://schemas.microsoft.com/office/powerpoint/2010/main" id="1" dur="indefinite" restart="never" nodeType="tmRoot"/>
+        <p:cTn id="1" dur="indefinite" restart="never" nodeType="tmRoot"/>
       </p:par>
     </p:tnLst>
   </p:timing>
@@ -8492,13 +8731,13 @@
   <p:clrMapOvr>
     <a:masterClrMapping/>
   </p:clrMapOvr>
-  <p:transition xmlns:p14="http://schemas.microsoft.com/office/powerpoint/2010/main" spd="med">
+  <p:transition spd="med">
     <p:fade/>
   </p:transition>
   <p:timing>
     <p:tnLst>
       <p:par>
-        <p:cTn xmlns:p14="http://schemas.microsoft.com/office/powerpoint/2010/main" id="1" dur="indefinite" restart="never" nodeType="tmRoot"/>
+        <p:cTn id="1" dur="indefinite" restart="never" nodeType="tmRoot"/>
       </p:par>
     </p:tnLst>
   </p:timing>
@@ -9081,13 +9320,13 @@
   <p:clrMapOvr>
     <a:masterClrMapping/>
   </p:clrMapOvr>
-  <p:transition xmlns:p14="http://schemas.microsoft.com/office/powerpoint/2010/main" spd="med">
+  <p:transition spd="med">
     <p:fade/>
   </p:transition>
   <p:timing>
     <p:tnLst>
       <p:par>
-        <p:cTn xmlns:p14="http://schemas.microsoft.com/office/powerpoint/2010/main" id="1" dur="indefinite" restart="never" nodeType="tmRoot"/>
+        <p:cTn id="1" dur="indefinite" restart="never" nodeType="tmRoot"/>
       </p:par>
     </p:tnLst>
   </p:timing>
@@ -9236,13 +9475,13 @@
     <p:sldLayoutId id="2147486410" r:id="rId17"/>
     <p:sldLayoutId id="2147486411" r:id="rId18"/>
   </p:sldLayoutIdLst>
-  <p:transition xmlns:p14="http://schemas.microsoft.com/office/powerpoint/2010/main" spd="med">
+  <p:transition spd="med">
     <p:fade/>
   </p:transition>
   <p:timing>
     <p:tnLst>
       <p:par>
-        <p:cTn xmlns:p14="http://schemas.microsoft.com/office/powerpoint/2010/main" id="1" dur="indefinite" restart="never" nodeType="tmRoot"/>
+        <p:cTn id="1" dur="indefinite" restart="never" nodeType="tmRoot"/>
       </p:par>
     </p:tnLst>
   </p:timing>
@@ -9742,13 +9981,13 @@
     <p:sldLayoutId id="2147486429" r:id="rId17"/>
     <p:sldLayoutId id="2147486430" r:id="rId18"/>
   </p:sldLayoutIdLst>
-  <p:transition xmlns:p14="http://schemas.microsoft.com/office/powerpoint/2010/main" spd="med">
+  <p:transition spd="med">
     <p:fade/>
   </p:transition>
   <p:timing>
     <p:tnLst>
       <p:par>
-        <p:cTn xmlns:p14="http://schemas.microsoft.com/office/powerpoint/2010/main" id="1" dur="indefinite" restart="never" nodeType="tmRoot"/>
+        <p:cTn id="1" dur="indefinite" restart="never" nodeType="tmRoot"/>
       </p:par>
     </p:tnLst>
   </p:timing>
@@ -10144,7 +10383,7 @@
           <a:noFill/>
           <a:extLst>
             <a:ext uri="{909E8E84-426E-40dd-AFC4-6F175D3DCCD1}">
-              <a14:hiddenFill xmlns:a14="http://schemas.microsoft.com/office/drawing/2010/main">
+              <a14:hiddenFill xmlns:a14="http://schemas.microsoft.com/office/drawing/2010/main" xmlns="">
                 <a:solidFill>
                   <a:srgbClr val="FFFFFF"/>
                 </a:solidFill>
@@ -10235,13 +10474,13 @@
   <p:clrMapOvr>
     <a:masterClrMapping/>
   </p:clrMapOvr>
-  <p:transition xmlns:p14="http://schemas.microsoft.com/office/powerpoint/2010/main" spd="med">
+  <p:transition spd="med">
     <p:fade/>
   </p:transition>
   <p:timing>
     <p:tnLst>
       <p:par>
-        <p:cTn xmlns:p14="http://schemas.microsoft.com/office/powerpoint/2010/main" id="1" dur="indefinite" restart="never" nodeType="tmRoot"/>
+        <p:cTn id="1" dur="indefinite" restart="never" nodeType="tmRoot"/>
       </p:par>
     </p:tnLst>
   </p:timing>
@@ -10304,7 +10543,7 @@
           </p:nvPr>
         </p:nvPicPr>
         <p:blipFill>
-          <a:blip r:embed="rId2">
+          <a:blip r:embed="rId3">
             <a:extLst>
               <a:ext uri="{28A0092B-C50C-407E-A947-70E740481C1C}">
                 <a14:useLocalDpi xmlns:a14="http://schemas.microsoft.com/office/drawing/2010/main" val="0"/>
@@ -10328,13 +10567,13 @@
   <p:clrMapOvr>
     <a:masterClrMapping/>
   </p:clrMapOvr>
-  <p:transition xmlns:p14="http://schemas.microsoft.com/office/powerpoint/2010/main" spd="med">
+  <p:transition spd="med">
     <p:fade/>
   </p:transition>
   <p:timing>
     <p:tnLst>
       <p:par>
-        <p:cTn xmlns:p14="http://schemas.microsoft.com/office/powerpoint/2010/main" id="1" dur="indefinite" restart="never" nodeType="tmRoot"/>
+        <p:cTn id="1" dur="indefinite" restart="never" nodeType="tmRoot"/>
       </p:par>
     </p:tnLst>
   </p:timing>
@@ -10464,7 +10703,7 @@
   <p:clrMapOvr>
     <a:masterClrMapping/>
   </p:clrMapOvr>
-  <p:transition xmlns:p14="http://schemas.microsoft.com/office/powerpoint/2010/main" spd="med">
+  <p:transition spd="med">
     <p:fade/>
   </p:transition>
 </p:sld>
@@ -10537,7 +10776,6 @@
               <a:rPr lang="en-US" dirty="0" smtClean="0"/>
               <a:t>No dependencies</a:t>
             </a:r>
-            <a:endParaRPr lang="en-US" dirty="0" smtClean="0"/>
           </a:p>
           <a:p>
             <a:pPr lvl="1"/>
@@ -10552,7 +10790,6 @@
               <a:rPr lang="en-US" dirty="0" smtClean="0"/>
               <a:t>Good docs &amp; examples</a:t>
             </a:r>
-            <a:endParaRPr lang="en-US" dirty="0" smtClean="0"/>
           </a:p>
           <a:p>
             <a:pPr lvl="1"/>
@@ -10571,11 +10808,9 @@
             <a:endParaRPr lang="en-US" dirty="0" smtClean="0"/>
           </a:p>
           <a:p>
-            <a:pPr lvl="1"/>
-            <a:endParaRPr lang="en-US" dirty="0"/>
-          </a:p>
-          <a:p>
-            <a:pPr lvl="1"/>
+            <a:pPr marL="283464" lvl="1" indent="0">
+              <a:buNone/>
+            </a:pPr>
             <a:endParaRPr lang="en-US" dirty="0" smtClean="0"/>
           </a:p>
           <a:p>
@@ -10590,7 +10825,6 @@
               <a:rPr lang="en-US" dirty="0" smtClean="0"/>
               <a:t>No routes/history</a:t>
             </a:r>
-            <a:endParaRPr lang="en-US" dirty="0" smtClean="0"/>
           </a:p>
           <a:p>
             <a:pPr lvl="1"/>
@@ -10598,7 +10832,6 @@
               <a:rPr lang="en-US" dirty="0" smtClean="0"/>
               <a:t>HTML can become bloated with bindings</a:t>
             </a:r>
-            <a:endParaRPr lang="en-US" dirty="0" smtClean="0"/>
           </a:p>
           <a:p>
             <a:pPr lvl="1"/>
@@ -10648,13 +10881,13 @@
   <p:clrMapOvr>
     <a:masterClrMapping/>
   </p:clrMapOvr>
-  <p:transition xmlns:p14="http://schemas.microsoft.com/office/powerpoint/2010/main" spd="med">
+  <p:transition spd="med">
     <p:fade/>
   </p:transition>
   <p:timing>
     <p:tnLst>
       <p:par>
-        <p:cTn xmlns:p14="http://schemas.microsoft.com/office/powerpoint/2010/main" id="1" dur="indefinite" restart="never" nodeType="tmRoot"/>
+        <p:cTn id="1" dur="indefinite" restart="never" nodeType="tmRoot"/>
       </p:par>
     </p:tnLst>
   </p:timing>
@@ -10721,13 +10954,13 @@
   <p:clrMapOvr>
     <a:masterClrMapping/>
   </p:clrMapOvr>
-  <p:transition xmlns:p14="http://schemas.microsoft.com/office/powerpoint/2010/main" spd="med">
+  <p:transition spd="med">
     <p:fade/>
   </p:transition>
   <p:timing>
     <p:tnLst>
       <p:par>
-        <p:cTn xmlns:p14="http://schemas.microsoft.com/office/powerpoint/2010/main" id="1" dur="indefinite" restart="never" nodeType="tmRoot"/>
+        <p:cTn id="1" dur="indefinite" restart="never" nodeType="tmRoot"/>
       </p:par>
     </p:tnLst>
   </p:timing>
@@ -11009,11 +11242,7 @@
             </a:pPr>
             <a:r>
               <a:rPr lang="en-US" dirty="0" smtClean="0"/>
-              <a:t>Matt </a:t>
-            </a:r>
-            <a:r>
-              <a:rPr lang="en-US" dirty="0" smtClean="0"/>
-              <a:t>Driscoll (@</a:t>
+              <a:t>Matt Driscoll (@</a:t>
             </a:r>
             <a:r>
               <a:rPr lang="en-US" dirty="0" err="1" smtClean="0"/>
@@ -11126,7 +11355,6 @@
               <a:rPr lang="en-US" sz="2000" b="1" dirty="0" smtClean="0"/>
               <a:t> – Offering ID: 394</a:t>
             </a:r>
-            <a:endParaRPr lang="en-US" sz="2000" b="1" dirty="0" smtClean="0"/>
           </a:p>
         </p:txBody>
       </p:sp>
@@ -11140,13 +11368,13 @@
   <p:clrMapOvr>
     <a:masterClrMapping/>
   </p:clrMapOvr>
-  <p:transition xmlns:p14="http://schemas.microsoft.com/office/powerpoint/2010/main" spd="med">
+  <p:transition spd="med">
     <p:fade/>
   </p:transition>
   <p:timing>
     <p:tnLst>
       <p:par>
-        <p:cTn xmlns:p14="http://schemas.microsoft.com/office/powerpoint/2010/main" id="1" dur="indefinite" restart="never" nodeType="tmRoot"/>
+        <p:cTn id="1" dur="indefinite" restart="never" nodeType="tmRoot"/>
       </p:par>
     </p:tnLst>
   </p:timing>
@@ -11361,13 +11589,13 @@
   <p:clrMapOvr>
     <a:masterClrMapping/>
   </p:clrMapOvr>
-  <p:transition xmlns:p14="http://schemas.microsoft.com/office/powerpoint/2010/main" spd="med">
+  <p:transition spd="med">
     <p:fade/>
   </p:transition>
   <p:timing>
     <p:tnLst>
       <p:par>
-        <p:cTn xmlns:p14="http://schemas.microsoft.com/office/powerpoint/2010/main" id="1" dur="indefinite" restart="never" nodeType="tmRoot"/>
+        <p:cTn id="1" dur="indefinite" restart="never" nodeType="tmRoot"/>
       </p:par>
     </p:tnLst>
   </p:timing>
@@ -11455,6 +11683,36 @@
           </a:p>
         </p:txBody>
       </p:sp>
+      <p:pic>
+        <p:nvPicPr>
+          <p:cNvPr id="3" name="Picture 2"/>
+          <p:cNvPicPr>
+            <a:picLocks noChangeAspect="1"/>
+          </p:cNvPicPr>
+          <p:nvPr/>
+        </p:nvPicPr>
+        <p:blipFill>
+          <a:blip r:embed="rId3">
+            <a:extLst>
+              <a:ext uri="{28A0092B-C50C-407E-A947-70E740481C1C}">
+                <a14:useLocalDpi xmlns:a14="http://schemas.microsoft.com/office/drawing/2010/main" val="0"/>
+              </a:ext>
+            </a:extLst>
+          </a:blip>
+          <a:stretch>
+            <a:fillRect/>
+          </a:stretch>
+        </p:blipFill>
+        <p:spPr>
+          <a:xfrm>
+            <a:off x="6096000" y="3524250"/>
+            <a:ext cx="3048000" cy="3333750"/>
+          </a:xfrm>
+          <a:prstGeom prst="rect">
+            <a:avLst/>
+          </a:prstGeom>
+        </p:spPr>
+      </p:pic>
     </p:spTree>
     <p:extLst>
       <p:ext uri="{BB962C8B-B14F-4D97-AF65-F5344CB8AC3E}">
@@ -11465,13 +11723,13 @@
   <p:clrMapOvr>
     <a:masterClrMapping/>
   </p:clrMapOvr>
-  <p:transition xmlns:p14="http://schemas.microsoft.com/office/powerpoint/2010/main" spd="med">
+  <p:transition spd="med">
     <p:fade/>
   </p:transition>
   <p:timing>
     <p:tnLst>
       <p:par>
-        <p:cTn xmlns:p14="http://schemas.microsoft.com/office/powerpoint/2010/main" id="1" dur="indefinite" restart="never" nodeType="tmRoot"/>
+        <p:cTn id="1" dur="indefinite" restart="never" nodeType="tmRoot"/>
       </p:par>
     </p:tnLst>
   </p:timing>
@@ -11520,7 +11778,9 @@
       </p:sp>
       <p:pic>
         <p:nvPicPr>
-          <p:cNvPr id="3" name="Content Placeholder 2" descr="app.png"/>
+          <p:cNvPr id="3" name="Content Placeholder 2" descr="app.png">
+            <a:hlinkClick r:id="rId3"/>
+          </p:cNvPr>
           <p:cNvPicPr>
             <a:picLocks noGrp="1" noChangeAspect="1"/>
           </p:cNvPicPr>
@@ -11529,7 +11789,7 @@
           </p:nvPr>
         </p:nvPicPr>
         <p:blipFill>
-          <a:blip r:embed="rId3">
+          <a:blip r:embed="rId4">
             <a:extLst>
               <a:ext uri="{28A0092B-C50C-407E-A947-70E740481C1C}">
                 <a14:useLocalDpi xmlns:a14="http://schemas.microsoft.com/office/drawing/2010/main" val="0"/>
@@ -11553,13 +11813,13 @@
   <p:clrMapOvr>
     <a:masterClrMapping/>
   </p:clrMapOvr>
-  <p:transition xmlns:p14="http://schemas.microsoft.com/office/powerpoint/2010/main" spd="med">
+  <p:transition spd="med">
     <p:fade/>
   </p:transition>
   <p:timing>
     <p:tnLst>
       <p:par>
-        <p:cTn xmlns:p14="http://schemas.microsoft.com/office/powerpoint/2010/main" id="1" dur="indefinite" restart="never" nodeType="tmRoot"/>
+        <p:cTn id="1" dur="indefinite" restart="never" nodeType="tmRoot"/>
       </p:par>
     </p:tnLst>
   </p:timing>
@@ -11637,13 +11897,13 @@
   <p:clrMapOvr>
     <a:masterClrMapping/>
   </p:clrMapOvr>
-  <p:transition xmlns:p14="http://schemas.microsoft.com/office/powerpoint/2010/main" spd="med">
+  <p:transition spd="med">
     <p:fade/>
   </p:transition>
   <p:timing>
     <p:tnLst>
       <p:par>
-        <p:cTn xmlns:p14="http://schemas.microsoft.com/office/powerpoint/2010/main" id="1" dur="indefinite" restart="never" nodeType="tmRoot"/>
+        <p:cTn id="1" dur="indefinite" restart="never" nodeType="tmRoot"/>
       </p:par>
     </p:tnLst>
   </p:timing>
@@ -11701,7 +11961,7 @@
           </p:nvPr>
         </p:nvPicPr>
         <p:blipFill>
-          <a:blip r:embed="rId2">
+          <a:blip r:embed="rId3">
             <a:extLst>
               <a:ext uri="{28A0092B-C50C-407E-A947-70E740481C1C}">
                 <a14:useLocalDpi xmlns:a14="http://schemas.microsoft.com/office/drawing/2010/main" val="0"/>
@@ -11725,7 +11985,7 @@
   <p:clrMapOvr>
     <a:masterClrMapping/>
   </p:clrMapOvr>
-  <p:transition xmlns:p14="http://schemas.microsoft.com/office/powerpoint/2010/main" spd="med">
+  <p:transition spd="med">
     <p:fade/>
   </p:transition>
 </p:sld>
@@ -11868,7 +12128,7 @@
   <p:clrMapOvr>
     <a:masterClrMapping/>
   </p:clrMapOvr>
-  <p:transition xmlns:p14="http://schemas.microsoft.com/office/powerpoint/2010/main" spd="med">
+  <p:transition spd="med">
     <p:fade/>
   </p:transition>
 </p:sld>
@@ -11955,7 +12215,6 @@
               <a:rPr lang="en-US" dirty="0" smtClean="0"/>
               <a:t>Routers / History</a:t>
             </a:r>
-            <a:endParaRPr lang="en-US" dirty="0" smtClean="0"/>
           </a:p>
           <a:p>
             <a:pPr lvl="1"/>
@@ -11963,7 +12222,6 @@
               <a:rPr lang="en-US" dirty="0" smtClean="0"/>
               <a:t>Underscore Helper Functions</a:t>
             </a:r>
-            <a:endParaRPr lang="en-US" dirty="0" smtClean="0"/>
           </a:p>
           <a:p>
             <a:pPr lvl="1"/>
@@ -11978,11 +12236,9 @@
             <a:endParaRPr lang="en-US" dirty="0" smtClean="0"/>
           </a:p>
           <a:p>
-            <a:pPr lvl="1"/>
-            <a:endParaRPr lang="en-US" dirty="0"/>
-          </a:p>
-          <a:p>
-            <a:pPr lvl="1"/>
+            <a:pPr marL="283464" lvl="1" indent="0">
+              <a:buNone/>
+            </a:pPr>
             <a:endParaRPr lang="en-US" dirty="0" smtClean="0"/>
           </a:p>
           <a:p>
@@ -12011,7 +12267,6 @@
               <a:rPr lang="en-US" dirty="0" smtClean="0"/>
               <a:t>_</a:t>
             </a:r>
-            <a:endParaRPr lang="en-US" dirty="0" smtClean="0"/>
           </a:p>
           <a:p>
             <a:pPr lvl="1"/>
@@ -12061,13 +12316,13 @@
   <p:clrMapOvr>
     <a:masterClrMapping/>
   </p:clrMapOvr>
-  <p:transition xmlns:p14="http://schemas.microsoft.com/office/powerpoint/2010/main" spd="med">
+  <p:transition spd="med">
     <p:fade/>
   </p:transition>
   <p:timing>
     <p:tnLst>
       <p:par>
-        <p:cTn xmlns:p14="http://schemas.microsoft.com/office/powerpoint/2010/main" id="1" dur="indefinite" restart="never" nodeType="tmRoot"/>
+        <p:cTn id="1" dur="indefinite" restart="never" nodeType="tmRoot"/>
       </p:par>
     </p:tnLst>
   </p:timing>
@@ -12176,11 +12431,9 @@
             <a:endParaRPr lang="en-US" dirty="0" smtClean="0"/>
           </a:p>
           <a:p>
-            <a:pPr lvl="1"/>
-            <a:endParaRPr lang="en-US" dirty="0"/>
-          </a:p>
-          <a:p>
-            <a:pPr lvl="1"/>
+            <a:pPr marL="283464" lvl="1" indent="0">
+              <a:buNone/>
+            </a:pPr>
             <a:endParaRPr lang="en-US" dirty="0" smtClean="0"/>
           </a:p>
           <a:p>
@@ -12278,13 +12531,13 @@
   <p:clrMapOvr>
     <a:masterClrMapping/>
   </p:clrMapOvr>
-  <p:transition xmlns:p14="http://schemas.microsoft.com/office/powerpoint/2010/main" spd="med">
+  <p:transition spd="med">
     <p:fade/>
   </p:transition>
   <p:timing>
     <p:tnLst>
       <p:par>
-        <p:cTn xmlns:p14="http://schemas.microsoft.com/office/powerpoint/2010/main" id="1" dur="indefinite" restart="never" nodeType="tmRoot"/>
+        <p:cTn id="1" dur="indefinite" restart="never" nodeType="tmRoot"/>
       </p:par>
     </p:tnLst>
   </p:timing>
@@ -13218,15 +13471,6 @@
 </file>
 
 <file path=customXml/item1.xml><?xml version="1.0" encoding="utf-8"?>
-<?mso-contentType ?>
-<FormTemplates xmlns="http://schemas.microsoft.com/sharepoint/v3/contenttype/forms">
-  <Display>DocumentLibraryForm</Display>
-  <Edit>DocumentLibraryForm</Edit>
-  <New>DocumentLibraryForm</New>
-</FormTemplates>
-</file>
-
-<file path=customXml/item2.xml><?xml version="1.0" encoding="utf-8"?>
 <ct:contentTypeSchema xmlns:ct="http://schemas.microsoft.com/office/2006/metadata/contentType" xmlns:ma="http://schemas.microsoft.com/office/2006/metadata/properties/metaAttributes" ct:_="" ma:_="" ma:contentTypeName="Document" ma:contentTypeID="0x0101007ACEDCC1796C5046AD2614E8CD10690B" ma:contentTypeVersion="" ma:contentTypeDescription="Create a new document." ma:contentTypeScope="" ma:versionID="7a0b9409e5b6c9f27887523c45edc985">
   <xsd:schema xmlns:xsd="http://www.w3.org/2001/XMLSchema" xmlns:xs="http://www.w3.org/2001/XMLSchema" xmlns:p="http://schemas.microsoft.com/office/2006/metadata/properties" xmlns:ns1="http://schemas.microsoft.com/sharepoint/v3" xmlns:ns2="747695CA-BE95-49F2-97F6-28EF370A5422" targetNamespace="http://schemas.microsoft.com/office/2006/metadata/properties" ma:root="true" ma:fieldsID="d5cd47e85bc1547036c33c7dbad77043" ns1:_="" ns2:_="">
     <xsd:import namespace="http://schemas.microsoft.com/sharepoint/v3"/>
@@ -13689,6 +13933,15 @@
 </ct:contentTypeSchema>
 </file>
 
+<file path=customXml/item2.xml><?xml version="1.0" encoding="utf-8"?>
+<?mso-contentType ?>
+<FormTemplates xmlns="http://schemas.microsoft.com/sharepoint/v3/contenttype/forms">
+  <Display>DocumentLibraryForm</Display>
+  <Edit>DocumentLibraryForm</Edit>
+  <New>DocumentLibraryForm</New>
+</FormTemplates>
+</file>
+
 <file path=customXml/item3.xml><?xml version="1.0" encoding="utf-8"?>
 <p:properties xmlns:p="http://schemas.microsoft.com/office/2006/metadata/properties" xmlns:xsi="http://www.w3.org/2001/XMLSchema-instance" xmlns:pc="http://schemas.microsoft.com/office/infopath/2007/PartnerControls">
   <documentManagement>
@@ -13705,14 +13958,6 @@
 </file>
 
 <file path=customXml/itemProps1.xml><?xml version="1.0" encoding="utf-8"?>
-<ds:datastoreItem xmlns:ds="http://schemas.openxmlformats.org/officeDocument/2006/customXml" ds:itemID="{89805D6C-B8DC-404E-9641-F8CAEFFAF152}">
-  <ds:schemaRefs>
-    <ds:schemaRef ds:uri="http://schemas.microsoft.com/sharepoint/v3/contenttype/forms"/>
-  </ds:schemaRefs>
-</ds:datastoreItem>
-</file>
-
-<file path=customXml/itemProps2.xml><?xml version="1.0" encoding="utf-8"?>
 <ds:datastoreItem xmlns:ds="http://schemas.openxmlformats.org/officeDocument/2006/customXml" ds:itemID="{DF0BE6BF-E87A-46EF-BDDD-199149C256DE}">
   <ds:schemaRefs>
     <ds:schemaRef ds:uri="http://schemas.microsoft.com/office/2006/metadata/contentType"/>
@@ -13731,6 +13976,14 @@
 </ds:datastoreItem>
 </file>
 
+<file path=customXml/itemProps2.xml><?xml version="1.0" encoding="utf-8"?>
+<ds:datastoreItem xmlns:ds="http://schemas.openxmlformats.org/officeDocument/2006/customXml" ds:itemID="{89805D6C-B8DC-404E-9641-F8CAEFFAF152}">
+  <ds:schemaRefs>
+    <ds:schemaRef ds:uri="http://schemas.microsoft.com/sharepoint/v3/contenttype/forms"/>
+  </ds:schemaRefs>
+</ds:datastoreItem>
+</file>
+
 <file path=customXml/itemProps3.xml><?xml version="1.0" encoding="utf-8"?>
 <ds:datastoreItem xmlns:ds="http://schemas.openxmlformats.org/officeDocument/2006/customXml" ds:itemID="{D4A1F543-0560-4885-97B7-BFA7C1FD3A41}">
   <ds:schemaRefs>

--- a/Working with Application Frameworks and ArcGIS API for JavaScript.pptx
+++ b/Working with Application Frameworks and ArcGIS API for JavaScript.pptx
@@ -6,7 +6,7 @@
     <p:sldMasterId id="2147486412" r:id="rId5"/>
   </p:sldMasterIdLst>
   <p:notesMasterIdLst>
-    <p:notesMasterId r:id="rId20"/>
+    <p:notesMasterId r:id="rId21"/>
   </p:notesMasterIdLst>
   <p:sldIdLst>
     <p:sldId id="256" r:id="rId6"/>
@@ -17,12 +17,13 @@
     <p:sldId id="267" r:id="rId11"/>
     <p:sldId id="269" r:id="rId12"/>
     <p:sldId id="263" r:id="rId13"/>
-    <p:sldId id="264" r:id="rId14"/>
-    <p:sldId id="270" r:id="rId15"/>
-    <p:sldId id="272" r:id="rId16"/>
-    <p:sldId id="265" r:id="rId17"/>
-    <p:sldId id="273" r:id="rId18"/>
-    <p:sldId id="259" r:id="rId19"/>
+    <p:sldId id="274" r:id="rId14"/>
+    <p:sldId id="264" r:id="rId15"/>
+    <p:sldId id="270" r:id="rId16"/>
+    <p:sldId id="272" r:id="rId17"/>
+    <p:sldId id="265" r:id="rId18"/>
+    <p:sldId id="273" r:id="rId19"/>
+    <p:sldId id="259" r:id="rId20"/>
   </p:sldIdLst>
   <p:sldSz cx="9144000" cy="6858000" type="screen4x3"/>
   <p:notesSz cx="6858000" cy="9144000"/>
@@ -708,7 +709,7 @@
           <a:lstStyle/>
           <a:p>
             <a:r>
-              <a:rPr lang="en-US" smtClean="0"/>
+              <a:rPr lang="en-US" dirty="0" smtClean="0"/>
               <a:t>Knockout</a:t>
             </a:r>
             <a:endParaRPr lang="en-US" dirty="0"/>
@@ -733,7 +734,7 @@
             <a:fld id="{3E7143C0-4F23-B545-9533-520B5A87CA1E}" type="slidenum">
               <a:rPr lang="en-US" smtClean="0"/>
               <a:pPr/>
-              <a:t>10</a:t>
+              <a:t>11</a:t>
             </a:fld>
             <a:endParaRPr lang="en-US" dirty="0"/>
           </a:p>
@@ -836,7 +837,7 @@
             <a:fld id="{3E7143C0-4F23-B545-9533-520B5A87CA1E}" type="slidenum">
               <a:rPr lang="en-US" smtClean="0"/>
               <a:pPr/>
-              <a:t>12</a:t>
+              <a:t>13</a:t>
             </a:fld>
             <a:endParaRPr lang="en-US" dirty="0"/>
           </a:p>
@@ -921,7 +922,7 @@
             <a:fld id="{3E7143C0-4F23-B545-9533-520B5A87CA1E}" type="slidenum">
               <a:rPr lang="en-US" smtClean="0"/>
               <a:pPr/>
-              <a:t>13</a:t>
+              <a:t>14</a:t>
             </a:fld>
             <a:endParaRPr lang="en-US" dirty="0"/>
           </a:p>
@@ -1189,6 +1190,15 @@
           <a:p>
             <a:r>
               <a:rPr lang="en-US" baseline="0" dirty="0" smtClean="0"/>
+              <a:t>Minimizes dependencies</a:t>
+            </a:r>
+          </a:p>
+          <a:p>
+            <a:endParaRPr lang="en-US" baseline="0" dirty="0" smtClean="0"/>
+          </a:p>
+          <a:p>
+            <a:r>
+              <a:rPr lang="en-US" baseline="0" dirty="0" smtClean="0"/>
               <a:t>Easier to find what you’re looking for with large applications.</a:t>
             </a:r>
           </a:p>
@@ -1959,7 +1969,7 @@
             <a:fld id="{3E7143C0-4F23-B545-9533-520B5A87CA1E}" type="slidenum">
               <a:rPr lang="en-US" smtClean="0"/>
               <a:pPr/>
-              <a:t>9</a:t>
+              <a:t>10</a:t>
             </a:fld>
             <a:endParaRPr lang="en-US" dirty="0"/>
           </a:p>
@@ -10514,6 +10524,221 @@
             <p:ph type="title"/>
           </p:nvPr>
         </p:nvSpPr>
+        <p:spPr/>
+        <p:txBody>
+          <a:bodyPr/>
+          <a:lstStyle/>
+          <a:p>
+            <a:endParaRPr lang="en-US"/>
+          </a:p>
+        </p:txBody>
+      </p:sp>
+      <p:sp>
+        <p:nvSpPr>
+          <p:cNvPr id="5" name="Content Placeholder 4"/>
+          <p:cNvSpPr>
+            <a:spLocks noGrp="1"/>
+          </p:cNvSpPr>
+          <p:nvPr>
+            <p:ph sz="quarter" idx="10"/>
+          </p:nvPr>
+        </p:nvSpPr>
+        <p:spPr>
+          <a:xfrm>
+            <a:off x="914402" y="1320800"/>
+            <a:ext cx="7315200" cy="3429000"/>
+          </a:xfrm>
+        </p:spPr>
+        <p:txBody>
+          <a:bodyPr numCol="2"/>
+          <a:lstStyle/>
+          <a:p>
+            <a:r>
+              <a:rPr lang="en-US" dirty="0" smtClean="0"/>
+              <a:t>Pros</a:t>
+            </a:r>
+          </a:p>
+          <a:p>
+            <a:pPr lvl="1"/>
+            <a:r>
+              <a:rPr lang="en-US" dirty="0" smtClean="0"/>
+              <a:t>Docs/Tutorials</a:t>
+            </a:r>
+          </a:p>
+          <a:p>
+            <a:pPr lvl="1"/>
+            <a:r>
+              <a:rPr lang="en-US" dirty="0" smtClean="0"/>
+              <a:t>Built-in AJAX / JSONP</a:t>
+            </a:r>
+          </a:p>
+          <a:p>
+            <a:pPr lvl="1"/>
+            <a:r>
+              <a:rPr lang="en-US" dirty="0" smtClean="0"/>
+              <a:t>Magic</a:t>
+            </a:r>
+          </a:p>
+          <a:p>
+            <a:pPr lvl="1"/>
+            <a:r>
+              <a:rPr lang="en-US" dirty="0" smtClean="0"/>
+              <a:t>Google</a:t>
+            </a:r>
+          </a:p>
+          <a:p>
+            <a:pPr lvl="1"/>
+            <a:endParaRPr lang="en-US" dirty="0" smtClean="0"/>
+          </a:p>
+          <a:p>
+            <a:pPr lvl="1"/>
+            <a:endParaRPr lang="en-US" dirty="0"/>
+          </a:p>
+          <a:p>
+            <a:pPr lvl="1"/>
+            <a:endParaRPr lang="en-US" dirty="0" smtClean="0"/>
+          </a:p>
+          <a:p>
+            <a:pPr marL="283464" lvl="1" indent="0">
+              <a:buNone/>
+            </a:pPr>
+            <a:endParaRPr lang="en-US" dirty="0" smtClean="0"/>
+          </a:p>
+          <a:p>
+            <a:r>
+              <a:rPr lang="en-US" dirty="0" smtClean="0"/>
+              <a:t>Cons</a:t>
+            </a:r>
+          </a:p>
+          <a:p>
+            <a:pPr lvl="1"/>
+            <a:r>
+              <a:rPr lang="en-US" dirty="0" smtClean="0"/>
+              <a:t>Fuzzy MVC </a:t>
+            </a:r>
+            <a:r>
+              <a:rPr lang="en-US" dirty="0" err="1" smtClean="0"/>
+              <a:t>implementaiton</a:t>
+            </a:r>
+            <a:endParaRPr lang="en-US" dirty="0" smtClean="0"/>
+          </a:p>
+          <a:p>
+            <a:pPr lvl="1"/>
+            <a:r>
+              <a:rPr lang="en-US" dirty="0" smtClean="0"/>
+              <a:t>Non-standard markup (</a:t>
+            </a:r>
+            <a:r>
+              <a:rPr lang="en-US" dirty="0" err="1" smtClean="0"/>
+              <a:t>ng</a:t>
+            </a:r>
+            <a:r>
+              <a:rPr lang="en-US" dirty="0" smtClean="0"/>
+              <a:t>-*)</a:t>
+            </a:r>
+          </a:p>
+          <a:p>
+            <a:pPr lvl="1"/>
+            <a:r>
+              <a:rPr lang="en-US" dirty="0" smtClean="0"/>
+              <a:t>Magic</a:t>
+            </a:r>
+          </a:p>
+          <a:p>
+            <a:pPr lvl="1"/>
+            <a:r>
+              <a:rPr lang="en-US" dirty="0" smtClean="0"/>
+              <a:t>Google</a:t>
+            </a:r>
+          </a:p>
+          <a:p>
+            <a:pPr lvl="1"/>
+            <a:endParaRPr lang="en-US" dirty="0"/>
+          </a:p>
+        </p:txBody>
+      </p:sp>
+      <p:pic>
+        <p:nvPicPr>
+          <p:cNvPr id="7" name="Picture 6" descr="AngularJS-large.png">
+            <a:hlinkClick r:id="rId3"/>
+          </p:cNvPr>
+          <p:cNvPicPr>
+            <a:picLocks noChangeAspect="1"/>
+          </p:cNvPicPr>
+          <p:nvPr/>
+        </p:nvPicPr>
+        <p:blipFill>
+          <a:blip r:embed="rId4">
+            <a:extLst>
+              <a:ext uri="{28A0092B-C50C-407E-A947-70E740481C1C}">
+                <a14:useLocalDpi xmlns:a14="http://schemas.microsoft.com/office/drawing/2010/main" val="0"/>
+              </a:ext>
+            </a:extLst>
+          </a:blip>
+          <a:stretch>
+            <a:fillRect/>
+          </a:stretch>
+        </p:blipFill>
+        <p:spPr>
+          <a:xfrm>
+            <a:off x="2139950" y="4800600"/>
+            <a:ext cx="4864100" cy="1371600"/>
+          </a:xfrm>
+          <a:prstGeom prst="rect">
+            <a:avLst/>
+          </a:prstGeom>
+        </p:spPr>
+      </p:pic>
+    </p:spTree>
+    <p:extLst>
+      <p:ext uri="{BB962C8B-B14F-4D97-AF65-F5344CB8AC3E}">
+        <p14:creationId xmlns:p14="http://schemas.microsoft.com/office/powerpoint/2010/main" val="3723379260"/>
+      </p:ext>
+    </p:extLst>
+  </p:cSld>
+  <p:clrMapOvr>
+    <a:masterClrMapping/>
+  </p:clrMapOvr>
+  <p:transition spd="med">
+    <p:fade/>
+  </p:transition>
+  <p:timing>
+    <p:tnLst>
+      <p:par>
+        <p:cTn id="1" dur="indefinite" restart="never" nodeType="tmRoot"/>
+      </p:par>
+    </p:tnLst>
+  </p:timing>
+</p:sld>
+</file>
+
+<file path=ppt/slides/slide11.xml><?xml version="1.0" encoding="utf-8"?>
+<p:sld xmlns:a="http://schemas.openxmlformats.org/drawingml/2006/main" xmlns:r="http://schemas.openxmlformats.org/officeDocument/2006/relationships" xmlns:p="http://schemas.openxmlformats.org/presentationml/2006/main">
+  <p:cSld>
+    <p:spTree>
+      <p:nvGrpSpPr>
+        <p:cNvPr id="1" name=""/>
+        <p:cNvGrpSpPr/>
+        <p:nvPr/>
+      </p:nvGrpSpPr>
+      <p:grpSpPr>
+        <a:xfrm>
+          <a:off x="0" y="0"/>
+          <a:ext cx="0" cy="0"/>
+          <a:chOff x="0" y="0"/>
+          <a:chExt cx="0" cy="0"/>
+        </a:xfrm>
+      </p:grpSpPr>
+      <p:sp>
+        <p:nvSpPr>
+          <p:cNvPr id="2" name="Title 1"/>
+          <p:cNvSpPr>
+            <a:spLocks noGrp="1"/>
+          </p:cNvSpPr>
+          <p:nvPr>
+            <p:ph type="title"/>
+          </p:nvPr>
+        </p:nvSpPr>
         <p:spPr>
           <a:xfrm>
             <a:off x="685800" y="682625"/>
@@ -10580,7 +10805,7 @@
 </p:sld>
 </file>
 
-<file path=ppt/slides/slide11.xml><?xml version="1.0" encoding="utf-8"?>
+<file path=ppt/slides/slide12.xml><?xml version="1.0" encoding="utf-8"?>
 <p:sld xmlns:a="http://schemas.openxmlformats.org/drawingml/2006/main" xmlns:r="http://schemas.openxmlformats.org/officeDocument/2006/relationships" xmlns:p="http://schemas.openxmlformats.org/presentationml/2006/main">
   <p:cSld>
     <p:spTree>
@@ -10709,7 +10934,7 @@
 </p:sld>
 </file>
 
-<file path=ppt/slides/slide12.xml><?xml version="1.0" encoding="utf-8"?>
+<file path=ppt/slides/slide13.xml><?xml version="1.0" encoding="utf-8"?>
 <p:sld xmlns:a="http://schemas.openxmlformats.org/drawingml/2006/main" xmlns:r="http://schemas.openxmlformats.org/officeDocument/2006/relationships" xmlns:p="http://schemas.openxmlformats.org/presentationml/2006/main">
   <p:cSld>
     <p:spTree>
@@ -10894,7 +11119,7 @@
 </p:sld>
 </file>
 
-<file path=ppt/slides/slide13.xml><?xml version="1.0" encoding="utf-8"?>
+<file path=ppt/slides/slide14.xml><?xml version="1.0" encoding="utf-8"?>
 <p:sld xmlns:a="http://schemas.openxmlformats.org/drawingml/2006/main" xmlns:r="http://schemas.openxmlformats.org/officeDocument/2006/relationships" xmlns:p="http://schemas.openxmlformats.org/presentationml/2006/main">
   <p:cSld>
     <p:spTree>
@@ -10967,7 +11192,7 @@
 </p:sld>
 </file>
 
-<file path=ppt/slides/slide14.xml><?xml version="1.0" encoding="utf-8"?>
+<file path=ppt/slides/slide15.xml><?xml version="1.0" encoding="utf-8"?>
 <p:sld xmlns:a="http://schemas.openxmlformats.org/drawingml/2006/main" xmlns:r="http://schemas.openxmlformats.org/officeDocument/2006/relationships" xmlns:p="http://schemas.openxmlformats.org/presentationml/2006/main">
   <p:cSld>
     <p:spTree>
@@ -12361,13 +12586,17 @@
           <a:bodyPr/>
           <a:lstStyle/>
           <a:p>
-            <a:endParaRPr lang="en-US"/>
-          </a:p>
-        </p:txBody>
-      </p:sp>
-      <p:sp>
-        <p:nvSpPr>
-          <p:cNvPr id="5" name="Content Placeholder 4"/>
+            <a:r>
+              <a:rPr lang="en-US" dirty="0" smtClean="0"/>
+              <a:t>Angular.js</a:t>
+            </a:r>
+            <a:endParaRPr lang="en-US" dirty="0"/>
+          </a:p>
+        </p:txBody>
+      </p:sp>
+      <p:sp>
+        <p:nvSpPr>
+          <p:cNvPr id="3" name="Content Placeholder 2"/>
           <p:cNvSpPr>
             <a:spLocks noGrp="1"/>
           </p:cNvSpPr>
@@ -12375,156 +12604,76 @@
             <p:ph sz="quarter" idx="10"/>
           </p:nvPr>
         </p:nvSpPr>
-        <p:spPr>
-          <a:xfrm>
-            <a:off x="914402" y="1320800"/>
-            <a:ext cx="7315200" cy="3429000"/>
-          </a:xfrm>
-        </p:spPr>
-        <p:txBody>
-          <a:bodyPr numCol="2"/>
+        <p:spPr/>
+        <p:txBody>
+          <a:bodyPr/>
           <a:lstStyle/>
           <a:p>
-            <a:r>
-              <a:rPr lang="en-US" dirty="0" smtClean="0"/>
-              <a:t>Pros</a:t>
-            </a:r>
-          </a:p>
-          <a:p>
-            <a:pPr lvl="1"/>
-            <a:r>
-              <a:rPr lang="en-US" dirty="0" smtClean="0"/>
-              <a:t>Docs/Tutorials</a:t>
-            </a:r>
-          </a:p>
-          <a:p>
-            <a:pPr lvl="1"/>
-            <a:r>
-              <a:rPr lang="en-US" dirty="0" smtClean="0"/>
-              <a:t>Built-in AJAX / JSONP</a:t>
-            </a:r>
-          </a:p>
-          <a:p>
-            <a:pPr lvl="1"/>
-            <a:r>
-              <a:rPr lang="en-US" dirty="0" smtClean="0"/>
-              <a:t>Magic</a:t>
-            </a:r>
-          </a:p>
-          <a:p>
-            <a:pPr lvl="1"/>
-            <a:r>
-              <a:rPr lang="en-US" dirty="0" smtClean="0"/>
-              <a:t>Google</a:t>
-            </a:r>
-          </a:p>
-          <a:p>
-            <a:pPr lvl="1"/>
-            <a:endParaRPr lang="en-US" dirty="0" smtClean="0"/>
-          </a:p>
-          <a:p>
-            <a:pPr lvl="1"/>
             <a:endParaRPr lang="en-US" dirty="0"/>
           </a:p>
-          <a:p>
-            <a:pPr lvl="1"/>
-            <a:endParaRPr lang="en-US" dirty="0" smtClean="0"/>
-          </a:p>
-          <a:p>
-            <a:pPr marL="283464" lvl="1" indent="0">
-              <a:buNone/>
-            </a:pPr>
-            <a:endParaRPr lang="en-US" dirty="0" smtClean="0"/>
-          </a:p>
-          <a:p>
-            <a:r>
-              <a:rPr lang="en-US" dirty="0" smtClean="0"/>
-              <a:t>Cons</a:t>
-            </a:r>
-          </a:p>
-          <a:p>
-            <a:pPr lvl="1"/>
-            <a:r>
-              <a:rPr lang="en-US" dirty="0" smtClean="0"/>
-              <a:t>Fuzzy MVC </a:t>
-            </a:r>
-            <a:r>
-              <a:rPr lang="en-US" dirty="0" err="1" smtClean="0"/>
-              <a:t>implementaiton</a:t>
-            </a:r>
-            <a:endParaRPr lang="en-US" dirty="0" smtClean="0"/>
-          </a:p>
-          <a:p>
-            <a:pPr lvl="1"/>
-            <a:r>
-              <a:rPr lang="en-US" dirty="0" smtClean="0"/>
-              <a:t>Non-standard markup (</a:t>
-            </a:r>
-            <a:r>
-              <a:rPr lang="en-US" dirty="0" err="1" smtClean="0"/>
-              <a:t>ng</a:t>
-            </a:r>
-            <a:r>
-              <a:rPr lang="en-US" dirty="0" smtClean="0"/>
-              <a:t>-*)</a:t>
-            </a:r>
-          </a:p>
-          <a:p>
-            <a:pPr lvl="1"/>
-            <a:r>
-              <a:rPr lang="en-US" dirty="0" smtClean="0"/>
-              <a:t>Magic</a:t>
-            </a:r>
-          </a:p>
-          <a:p>
-            <a:pPr lvl="1"/>
-            <a:r>
-              <a:rPr lang="en-US" dirty="0" smtClean="0"/>
-              <a:t>Google</a:t>
-            </a:r>
-          </a:p>
-          <a:p>
-            <a:pPr lvl="1"/>
-            <a:endParaRPr lang="en-US" dirty="0"/>
-          </a:p>
-        </p:txBody>
-      </p:sp>
-      <p:pic>
-        <p:nvPicPr>
-          <p:cNvPr id="7" name="Picture 6" descr="AngularJS-large.png">
-            <a:hlinkClick r:id="rId3"/>
-          </p:cNvPr>
-          <p:cNvPicPr>
-            <a:picLocks noChangeAspect="1"/>
-          </p:cNvPicPr>
-          <p:nvPr/>
-        </p:nvPicPr>
-        <p:blipFill>
-          <a:blip r:embed="rId4">
-            <a:extLst>
-              <a:ext uri="{28A0092B-C50C-407E-A947-70E740481C1C}">
-                <a14:useLocalDpi xmlns:a14="http://schemas.microsoft.com/office/drawing/2010/main" val="0"/>
-              </a:ext>
-            </a:extLst>
-          </a:blip>
-          <a:stretch>
-            <a:fillRect/>
-          </a:stretch>
-        </p:blipFill>
-        <p:spPr>
-          <a:xfrm>
-            <a:off x="2139950" y="4800600"/>
-            <a:ext cx="4864100" cy="1371600"/>
-          </a:xfrm>
-          <a:prstGeom prst="rect">
-            <a:avLst/>
-          </a:prstGeom>
-        </p:spPr>
-      </p:pic>
+        </p:txBody>
+      </p:sp>
+      <p:graphicFrame>
+        <p:nvGraphicFramePr>
+          <p:cNvPr id="5" name="Object 4"/>
+          <p:cNvGraphicFramePr>
+            <a:graphicFrameLocks noChangeAspect="1"/>
+          </p:cNvGraphicFramePr>
+          <p:nvPr>
+            <p:extLst>
+              <p:ext uri="{D42A27DB-BD31-4B8C-83A1-F6EECF244321}">
+                <p14:modId xmlns:p14="http://schemas.microsoft.com/office/powerpoint/2010/main" val="2739160878"/>
+              </p:ext>
+            </p:extLst>
+          </p:nvPr>
+        </p:nvGraphicFramePr>
+        <p:xfrm>
+          <a:off x="2263014" y="1828800"/>
+          <a:ext cx="4405462" cy="3429000"/>
+        </p:xfrm>
+        <a:graphic>
+          <a:graphicData uri="http://schemas.openxmlformats.org/presentationml/2006/ole">
+            <mc:AlternateContent xmlns:mc="http://schemas.openxmlformats.org/markup-compatibility/2006">
+              <mc:Choice xmlns:v="urn:schemas-microsoft-com:vml" Requires="v">
+                <p:oleObj spid="_x0000_s1027" name="Image" r:id="rId3" imgW="12888720" imgH="10031400" progId="Photoshop.Image.13">
+                  <p:embed/>
+                </p:oleObj>
+              </mc:Choice>
+              <mc:Fallback>
+                <p:oleObj name="Image" r:id="rId3" imgW="12888720" imgH="10031400" progId="Photoshop.Image.13">
+                  <p:embed/>
+                  <p:pic>
+                    <p:nvPicPr>
+                      <p:cNvPr id="0" name=""/>
+                      <p:cNvPicPr/>
+                      <p:nvPr/>
+                    </p:nvPicPr>
+                    <p:blipFill>
+                      <a:blip r:embed="rId4"/>
+                      <a:stretch>
+                        <a:fillRect/>
+                      </a:stretch>
+                    </p:blipFill>
+                    <p:spPr>
+                      <a:xfrm>
+                        <a:off x="2263014" y="1828800"/>
+                        <a:ext cx="4405462" cy="3429000"/>
+                      </a:xfrm>
+                      <a:prstGeom prst="rect">
+                        <a:avLst/>
+                      </a:prstGeom>
+                    </p:spPr>
+                  </p:pic>
+                </p:oleObj>
+              </mc:Fallback>
+            </mc:AlternateContent>
+          </a:graphicData>
+        </a:graphic>
+      </p:graphicFrame>
     </p:spTree>
     <p:extLst>
       <p:ext uri="{BB962C8B-B14F-4D97-AF65-F5344CB8AC3E}">
-        <p14:creationId xmlns:p14="http://schemas.microsoft.com/office/powerpoint/2010/main" val="3723379260"/>
+        <p14:creationId xmlns:p14="http://schemas.microsoft.com/office/powerpoint/2010/main" val="2761304588"/>
       </p:ext>
     </p:extLst>
   </p:cSld>
@@ -12534,13 +12683,6 @@
   <p:transition spd="med">
     <p:fade/>
   </p:transition>
-  <p:timing>
-    <p:tnLst>
-      <p:par>
-        <p:cTn id="1" dur="indefinite" restart="never" nodeType="tmRoot"/>
-      </p:par>
-    </p:tnLst>
-  </p:timing>
 </p:sld>
 </file>
 

--- a/Working with Application Frameworks and ArcGIS API for JavaScript.pptx
+++ b/Working with Application Frameworks and ArcGIS API for JavaScript.pptx
@@ -6,7 +6,7 @@
     <p:sldMasterId id="2147486412" r:id="rId5"/>
   </p:sldMasterIdLst>
   <p:notesMasterIdLst>
-    <p:notesMasterId r:id="rId20"/>
+    <p:notesMasterId r:id="rId21"/>
   </p:notesMasterIdLst>
   <p:sldIdLst>
     <p:sldId id="256" r:id="rId6"/>
@@ -17,12 +17,13 @@
     <p:sldId id="267" r:id="rId11"/>
     <p:sldId id="269" r:id="rId12"/>
     <p:sldId id="263" r:id="rId13"/>
-    <p:sldId id="264" r:id="rId14"/>
-    <p:sldId id="270" r:id="rId15"/>
-    <p:sldId id="272" r:id="rId16"/>
-    <p:sldId id="265" r:id="rId17"/>
-    <p:sldId id="273" r:id="rId18"/>
-    <p:sldId id="259" r:id="rId19"/>
+    <p:sldId id="274" r:id="rId14"/>
+    <p:sldId id="264" r:id="rId15"/>
+    <p:sldId id="270" r:id="rId16"/>
+    <p:sldId id="272" r:id="rId17"/>
+    <p:sldId id="265" r:id="rId18"/>
+    <p:sldId id="273" r:id="rId19"/>
+    <p:sldId id="259" r:id="rId20"/>
   </p:sldIdLst>
   <p:sldSz cx="9144000" cy="6858000" type="screen4x3"/>
   <p:notesSz cx="6858000" cy="9144000"/>
@@ -121,6 +122,32 @@
       </a:defRPr>
     </a:lvl9pPr>
   </p:defaultTextStyle>
+  <p:extLst>
+    <p:ext uri="{EFAFB233-063F-42B5-8137-9DF3F51BA10A}">
+      <p15:sldGuideLst xmlns:p15="http://schemas.microsoft.com/office/powerpoint/2012/main">
+        <p15:guide id="1" orient="horz" pos="430">
+          <p15:clr>
+            <a:srgbClr val="A4A3A4"/>
+          </p15:clr>
+        </p15:guide>
+        <p15:guide id="2" orient="horz" pos="3888">
+          <p15:clr>
+            <a:srgbClr val="A4A3A4"/>
+          </p15:clr>
+        </p15:guide>
+        <p15:guide id="3" pos="432">
+          <p15:clr>
+            <a:srgbClr val="A4A3A4"/>
+          </p15:clr>
+        </p15:guide>
+        <p15:guide id="4" pos="5328">
+          <p15:clr>
+            <a:srgbClr val="A4A3A4"/>
+          </p15:clr>
+        </p15:guide>
+      </p15:sldGuideLst>
+    </p:ext>
+  </p:extLst>
 </p:presentation>
 </file>
 
@@ -211,7 +238,7 @@
             <a:fld id="{5498D241-0AB7-BC44-80E8-F0A20AF46E9E}" type="datetimeFigureOut">
               <a:rPr lang="en-US" smtClean="0"/>
               <a:pPr/>
-              <a:t>3/20/13</a:t>
+              <a:t>3/22/2013</a:t>
             </a:fld>
             <a:endParaRPr lang="en-US" dirty="0"/>
           </a:p>
@@ -681,7 +708,11 @@
           <a:bodyPr/>
           <a:lstStyle/>
           <a:p>
-            <a:endParaRPr lang="en-US" dirty="0" smtClean="0"/>
+            <a:r>
+              <a:rPr lang="en-US" dirty="0" smtClean="0"/>
+              <a:t>Knockout</a:t>
+            </a:r>
+            <a:endParaRPr lang="en-US" dirty="0"/>
           </a:p>
         </p:txBody>
       </p:sp>
@@ -703,7 +734,195 @@
             <a:fld id="{3E7143C0-4F23-B545-9533-520B5A87CA1E}" type="slidenum">
               <a:rPr lang="en-US" smtClean="0"/>
               <a:pPr/>
+              <a:t>11</a:t>
+            </a:fld>
+            <a:endParaRPr lang="en-US" dirty="0"/>
+          </a:p>
+        </p:txBody>
+      </p:sp>
+    </p:spTree>
+    <p:extLst>
+      <p:ext uri="{BB962C8B-B14F-4D97-AF65-F5344CB8AC3E}">
+        <p14:creationId xmlns:p14="http://schemas.microsoft.com/office/powerpoint/2010/main" val="1666568480"/>
+      </p:ext>
+    </p:extLst>
+  </p:cSld>
+  <p:clrMapOvr>
+    <a:masterClrMapping/>
+  </p:clrMapOvr>
+</p:notes>
+</file>
+
+<file path=ppt/notesSlides/notesSlide11.xml><?xml version="1.0" encoding="utf-8"?>
+<p:notes xmlns:a="http://schemas.openxmlformats.org/drawingml/2006/main" xmlns:r="http://schemas.openxmlformats.org/officeDocument/2006/relationships" xmlns:p="http://schemas.openxmlformats.org/presentationml/2006/main">
+  <p:cSld>
+    <p:spTree>
+      <p:nvGrpSpPr>
+        <p:cNvPr id="1" name=""/>
+        <p:cNvGrpSpPr/>
+        <p:nvPr/>
+      </p:nvGrpSpPr>
+      <p:grpSpPr>
+        <a:xfrm>
+          <a:off x="0" y="0"/>
+          <a:ext cx="0" cy="0"/>
+          <a:chOff x="0" y="0"/>
+          <a:chExt cx="0" cy="0"/>
+        </a:xfrm>
+      </p:grpSpPr>
+      <p:sp>
+        <p:nvSpPr>
+          <p:cNvPr id="2" name="Slide Image Placeholder 1"/>
+          <p:cNvSpPr>
+            <a:spLocks noGrp="1" noRot="1" noChangeAspect="1"/>
+          </p:cNvSpPr>
+          <p:nvPr>
+            <p:ph type="sldImg"/>
+          </p:nvPr>
+        </p:nvSpPr>
+        <p:spPr/>
+      </p:sp>
+      <p:sp>
+        <p:nvSpPr>
+          <p:cNvPr id="3" name="Notes Placeholder 2"/>
+          <p:cNvSpPr>
+            <a:spLocks noGrp="1"/>
+          </p:cNvSpPr>
+          <p:nvPr>
+            <p:ph type="body" idx="1"/>
+          </p:nvPr>
+        </p:nvSpPr>
+        <p:spPr/>
+        <p:txBody>
+          <a:bodyPr/>
+          <a:lstStyle/>
+          <a:p>
+            <a:r>
+              <a:rPr lang="en-US" dirty="0" smtClean="0"/>
+              <a:t>Make sure Dojo</a:t>
+            </a:r>
+            <a:r>
+              <a:rPr lang="en-US" baseline="0" dirty="0" smtClean="0"/>
+              <a:t> or </a:t>
+            </a:r>
+            <a:r>
+              <a:rPr lang="en-US" baseline="0" dirty="0" err="1" smtClean="0"/>
+              <a:t>require.js</a:t>
+            </a:r>
+            <a:r>
+              <a:rPr lang="en-US" baseline="0" dirty="0" smtClean="0"/>
+              <a:t> is loaded before Knockout so that define is defined</a:t>
+            </a:r>
+          </a:p>
+          <a:p>
+            <a:endParaRPr lang="en-US" dirty="0" smtClean="0"/>
+          </a:p>
+        </p:txBody>
+      </p:sp>
+      <p:sp>
+        <p:nvSpPr>
+          <p:cNvPr id="4" name="Slide Number Placeholder 3"/>
+          <p:cNvSpPr>
+            <a:spLocks noGrp="1"/>
+          </p:cNvSpPr>
+          <p:nvPr>
+            <p:ph type="sldNum" sz="quarter" idx="10"/>
+          </p:nvPr>
+        </p:nvSpPr>
+        <p:spPr/>
+        <p:txBody>
+          <a:bodyPr/>
+          <a:lstStyle/>
+          <a:p>
+            <a:fld id="{3E7143C0-4F23-B545-9533-520B5A87CA1E}" type="slidenum">
+              <a:rPr lang="en-US" smtClean="0"/>
+              <a:pPr/>
               <a:t>13</a:t>
+            </a:fld>
+            <a:endParaRPr lang="en-US" dirty="0"/>
+          </a:p>
+        </p:txBody>
+      </p:sp>
+    </p:spTree>
+    <p:extLst>
+      <p:ext uri="{BB962C8B-B14F-4D97-AF65-F5344CB8AC3E}">
+        <p14:creationId xmlns:p14="http://schemas.microsoft.com/office/powerpoint/2010/main" val="1053092096"/>
+      </p:ext>
+    </p:extLst>
+  </p:cSld>
+  <p:clrMapOvr>
+    <a:masterClrMapping/>
+  </p:clrMapOvr>
+</p:notes>
+</file>
+
+<file path=ppt/notesSlides/notesSlide12.xml><?xml version="1.0" encoding="utf-8"?>
+<p:notes xmlns:a="http://schemas.openxmlformats.org/drawingml/2006/main" xmlns:r="http://schemas.openxmlformats.org/officeDocument/2006/relationships" xmlns:p="http://schemas.openxmlformats.org/presentationml/2006/main">
+  <p:cSld>
+    <p:spTree>
+      <p:nvGrpSpPr>
+        <p:cNvPr id="1" name=""/>
+        <p:cNvGrpSpPr/>
+        <p:nvPr/>
+      </p:nvGrpSpPr>
+      <p:grpSpPr>
+        <a:xfrm>
+          <a:off x="0" y="0"/>
+          <a:ext cx="0" cy="0"/>
+          <a:chOff x="0" y="0"/>
+          <a:chExt cx="0" cy="0"/>
+        </a:xfrm>
+      </p:grpSpPr>
+      <p:sp>
+        <p:nvSpPr>
+          <p:cNvPr id="2" name="Slide Image Placeholder 1"/>
+          <p:cNvSpPr>
+            <a:spLocks noGrp="1" noRot="1" noChangeAspect="1"/>
+          </p:cNvSpPr>
+          <p:nvPr>
+            <p:ph type="sldImg"/>
+          </p:nvPr>
+        </p:nvSpPr>
+        <p:spPr/>
+      </p:sp>
+      <p:sp>
+        <p:nvSpPr>
+          <p:cNvPr id="3" name="Notes Placeholder 2"/>
+          <p:cNvSpPr>
+            <a:spLocks noGrp="1"/>
+          </p:cNvSpPr>
+          <p:nvPr>
+            <p:ph type="body" idx="1"/>
+          </p:nvPr>
+        </p:nvSpPr>
+        <p:spPr/>
+        <p:txBody>
+          <a:bodyPr/>
+          <a:lstStyle/>
+          <a:p>
+            <a:endParaRPr lang="en-US" dirty="0" smtClean="0"/>
+          </a:p>
+        </p:txBody>
+      </p:sp>
+      <p:sp>
+        <p:nvSpPr>
+          <p:cNvPr id="4" name="Slide Number Placeholder 3"/>
+          <p:cNvSpPr>
+            <a:spLocks noGrp="1"/>
+          </p:cNvSpPr>
+          <p:nvPr>
+            <p:ph type="sldNum" sz="quarter" idx="10"/>
+          </p:nvPr>
+        </p:nvSpPr>
+        <p:spPr/>
+        <p:txBody>
+          <a:bodyPr/>
+          <a:lstStyle/>
+          <a:p>
+            <a:fld id="{3E7143C0-4F23-B545-9533-520B5A87CA1E}" type="slidenum">
+              <a:rPr lang="en-US" smtClean="0"/>
+              <a:pPr/>
+              <a:t>14</a:t>
             </a:fld>
             <a:endParaRPr lang="en-US" dirty="0"/>
           </a:p>
@@ -772,11 +991,16 @@
             </a:r>
             <a:r>
               <a:rPr lang="en-US" baseline="0" dirty="0" smtClean="0"/>
-              <a:t> intro MVC:  models are your data, views are representations of models and controllers handle your logic as well as communication between models and views</a:t>
-            </a:r>
+              <a:t> intro MVC:  models are your data, views are representations of models and controllers handle your logic as well as communication between models and views.</a:t>
+            </a:r>
+          </a:p>
+          <a:p>
+            <a:endParaRPr lang="en-US" baseline="0" dirty="0" smtClean="0"/>
+          </a:p>
+          <a:p>
             <a:r>
               <a:rPr lang="en-US" baseline="0" dirty="0" smtClean="0"/>
-              <a:t>.</a:t>
+              <a:t>MVC is about separating out your app. Controllers manipulate models, models manipulate views and views render data.</a:t>
             </a:r>
           </a:p>
           <a:p>
@@ -787,7 +1011,6 @@
               <a:rPr lang="en-US" baseline="0" dirty="0" smtClean="0"/>
               <a:t>-Matt talk about MVC.</a:t>
             </a:r>
-            <a:endParaRPr lang="en-US" baseline="0" dirty="0" smtClean="0"/>
           </a:p>
           <a:p>
             <a:endParaRPr lang="en-US" baseline="0" dirty="0" smtClean="0"/>
@@ -905,7 +1128,20 @@
           <a:p>
             <a:r>
               <a:rPr lang="en-US" dirty="0" smtClean="0"/>
-              <a:t>Separation of concerns:  your JS shouldn’t be directly updating your DOM. Modularize</a:t>
+              <a:t>Matt:</a:t>
+            </a:r>
+          </a:p>
+          <a:p>
+            <a:endParaRPr lang="en-US" dirty="0" smtClean="0"/>
+          </a:p>
+          <a:p>
+            <a:r>
+              <a:rPr lang="en-US" dirty="0" smtClean="0"/>
+              <a:t>Separation </a:t>
+            </a:r>
+            <a:r>
+              <a:rPr lang="en-US" dirty="0" smtClean="0"/>
+              <a:t>of concerns:  your JS shouldn’t be directly updating your DOM. Modularize</a:t>
             </a:r>
             <a:r>
               <a:rPr lang="en-US" baseline="0" dirty="0" smtClean="0"/>
@@ -918,8 +1154,13 @@
           <a:p>
             <a:r>
               <a:rPr lang="en-US" baseline="0" dirty="0" smtClean="0"/>
-              <a:t>DRY:  don’t repeat yourself:  do things in one place, easier to maintain your code, less error prone.</a:t>
-            </a:r>
+              <a:t>DRY:  don’t repeat yourself:  do things in one place, easier to maintain your code, less error prone</a:t>
+            </a:r>
+            <a:r>
+              <a:rPr lang="en-US" baseline="0" dirty="0" smtClean="0"/>
+              <a:t>. Let framework handle events and routing.</a:t>
+            </a:r>
+            <a:endParaRPr lang="en-US" baseline="0" dirty="0" smtClean="0"/>
           </a:p>
           <a:p>
             <a:endParaRPr lang="en-US" baseline="0" dirty="0" smtClean="0"/>
@@ -936,31 +1177,40 @@
           <a:p>
             <a:r>
               <a:rPr lang="en-US" baseline="0" dirty="0" smtClean="0"/>
-              <a:t>Fun:  write less boilerplate/scaffolding, focus on doing tasks unique to your app</a:t>
+              <a:t>Fun:  write less boilerplate/scaffolding, focus on doing tasks unique to your app. Creating/disconnecting </a:t>
             </a:r>
             <a:r>
               <a:rPr lang="en-US" baseline="0" dirty="0" smtClean="0"/>
-              <a:t>. Creating/disconnecting events. Let </a:t>
-            </a:r>
+              <a:t>events</a:t>
+            </a:r>
+          </a:p>
+          <a:p>
             <a:endParaRPr lang="en-US" baseline="0" dirty="0" smtClean="0"/>
           </a:p>
           <a:p>
+            <a:r>
+              <a:rPr lang="en-US" baseline="0" dirty="0" smtClean="0"/>
+              <a:t>Minimizes dependencies</a:t>
+            </a:r>
+          </a:p>
+          <a:p>
             <a:endParaRPr lang="en-US" baseline="0" dirty="0" smtClean="0"/>
           </a:p>
           <a:p>
             <a:r>
               <a:rPr lang="en-US" baseline="0" dirty="0" smtClean="0"/>
-              <a:t>Matt– you </a:t>
-            </a:r>
-            <a:r>
-              <a:rPr lang="en-US" baseline="0" dirty="0" err="1" smtClean="0"/>
-              <a:t>wanna</a:t>
-            </a:r>
+              <a:t>Easier to find what you’re looking for with large applications.</a:t>
+            </a:r>
+          </a:p>
+          <a:p>
+            <a:endParaRPr lang="en-US" baseline="0" dirty="0" smtClean="0"/>
+          </a:p>
+          <a:p>
             <a:r>
               <a:rPr lang="en-US" baseline="0" dirty="0" smtClean="0"/>
-              <a:t> take this one?</a:t>
-            </a:r>
-            <a:endParaRPr lang="en-US" dirty="0"/>
+              <a:t>Can have multiple people working on different things like models and views and they wont be editing the same file in some cases.</a:t>
+            </a:r>
+            <a:endParaRPr lang="en-US" baseline="0" dirty="0" smtClean="0"/>
           </a:p>
         </p:txBody>
       </p:sp>
@@ -1051,26 +1301,13 @@
             </a:r>
             <a:r>
               <a:rPr lang="en-US" baseline="0" dirty="0" smtClean="0"/>
-              <a:t> a couple of years ago with a previous release of the ArcGIS API for JavaScript. All JS API + Dojo. No MVC… manually manipulating DOM, concatenating strings…got the job done, and many, many apps are built this way, but there are tons of places for improvement.</a:t>
-            </a:r>
-          </a:p>
-          <a:p>
+              <a:t> a couple of years ago with a previous release of the ArcGIS API for JavaScript. All JS API + Dojo. No MVC… manually manipulating DOM, concatenating strings…got the job done, and many, many apps are built this way, but there are tons of places for improvement</a:t>
+            </a:r>
+            <a:r>
+              <a:rPr lang="en-US" baseline="0" dirty="0" smtClean="0"/>
+              <a:t>.</a:t>
+            </a:r>
             <a:endParaRPr lang="en-US" baseline="0" dirty="0" smtClean="0"/>
-          </a:p>
-          <a:p>
-            <a:r>
-              <a:rPr lang="en-US" baseline="0" dirty="0" smtClean="0"/>
-              <a:t>TODO:  image needs to link to the app, preferably running on </a:t>
-            </a:r>
-            <a:r>
-              <a:rPr lang="en-US" baseline="0" dirty="0" err="1" smtClean="0"/>
-              <a:t>github</a:t>
-            </a:r>
-            <a:r>
-              <a:rPr lang="en-US" baseline="0" dirty="0" smtClean="0"/>
-              <a:t> pages. Demo the app…show clicking on a point, then clicking through photos.</a:t>
-            </a:r>
-            <a:endParaRPr lang="en-US" dirty="0"/>
           </a:p>
         </p:txBody>
       </p:sp>
@@ -1264,137 +1501,22 @@
         </p:nvSpPr>
         <p:spPr/>
         <p:txBody>
-          <a:bodyPr>
-            <a:normAutofit lnSpcReduction="10000"/>
-          </a:bodyPr>
+          <a:bodyPr/>
           <a:lstStyle/>
           <a:p>
             <a:r>
               <a:rPr lang="en-US" dirty="0" smtClean="0"/>
-              <a:t>Models</a:t>
-            </a:r>
+              <a:t>First up is backbone.js</a:t>
+            </a:r>
+          </a:p>
+          <a:p>
+            <a:endParaRPr lang="en-US" dirty="0" smtClean="0"/>
           </a:p>
           <a:p>
             <a:r>
               <a:rPr lang="en-US" dirty="0" smtClean="0"/>
-              <a:t>	-Handle</a:t>
-            </a:r>
-            <a:r>
-              <a:rPr lang="en-US" baseline="0" dirty="0" smtClean="0"/>
-              <a:t> functionality of your app and changes that happen.</a:t>
-            </a:r>
-          </a:p>
-          <a:p>
-            <a:endParaRPr lang="en-US" baseline="0" dirty="0" smtClean="0"/>
-          </a:p>
-          <a:p>
-            <a:r>
-              <a:rPr lang="en-US" baseline="0" dirty="0" smtClean="0"/>
-              <a:t>Views</a:t>
-            </a:r>
-          </a:p>
-          <a:p>
-            <a:r>
-              <a:rPr lang="en-US" baseline="0" dirty="0" smtClean="0"/>
-              <a:t>	- Views are backed by models and can update views when the model changes</a:t>
-            </a:r>
-          </a:p>
-          <a:p>
-            <a:r>
-              <a:rPr lang="en-US" baseline="0" dirty="0" smtClean="0"/>
-              <a:t>	- Can be used with any </a:t>
-            </a:r>
-            <a:r>
-              <a:rPr lang="en-US" baseline="0" dirty="0" err="1" smtClean="0"/>
-              <a:t>templating</a:t>
-            </a:r>
-            <a:r>
-              <a:rPr lang="en-US" baseline="0" dirty="0" smtClean="0"/>
-              <a:t> library, for this app I used Underscore templates.</a:t>
-            </a:r>
-          </a:p>
-          <a:p>
-            <a:endParaRPr lang="en-US" baseline="0" dirty="0" smtClean="0"/>
-          </a:p>
-          <a:p>
-            <a:r>
-              <a:rPr lang="en-US" dirty="0" smtClean="0"/>
-              <a:t>Events</a:t>
-            </a:r>
-          </a:p>
-          <a:p>
-            <a:r>
-              <a:rPr lang="en-US" dirty="0" smtClean="0"/>
-              <a:t>	- Similar to dojo events. Has .on() and .off() to bind events to an object.</a:t>
-            </a:r>
-          </a:p>
-          <a:p>
-            <a:endParaRPr lang="en-US" dirty="0" smtClean="0"/>
-          </a:p>
-          <a:p>
-            <a:r>
-              <a:rPr lang="en-US" dirty="0" smtClean="0"/>
-              <a:t>Collections</a:t>
-            </a:r>
-          </a:p>
-          <a:p>
-            <a:r>
-              <a:rPr lang="en-US" dirty="0" smtClean="0"/>
-              <a:t>	-  Allows</a:t>
-            </a:r>
-            <a:r>
-              <a:rPr lang="en-US" baseline="0" dirty="0" smtClean="0"/>
-              <a:t> you to bind events on a collection of models</a:t>
-            </a:r>
-          </a:p>
-          <a:p>
-            <a:r>
-              <a:rPr lang="en-US" baseline="0" dirty="0" smtClean="0"/>
-              <a:t>	- Listen to multiple models</a:t>
-            </a:r>
-            <a:endParaRPr lang="en-US" dirty="0" smtClean="0"/>
-          </a:p>
-          <a:p>
-            <a:endParaRPr lang="en-US" dirty="0" smtClean="0"/>
-          </a:p>
-          <a:p>
-            <a:r>
-              <a:rPr lang="en-US" dirty="0" smtClean="0"/>
-              <a:t>Routes</a:t>
-            </a:r>
-          </a:p>
-          <a:p>
-            <a:r>
-              <a:rPr lang="en-US" dirty="0" smtClean="0"/>
-              <a:t> 	-</a:t>
-            </a:r>
-            <a:r>
-              <a:rPr lang="en-US" baseline="0" dirty="0" smtClean="0"/>
-              <a:t> Has a router than handles URL in page links like hash tag anchor links and redirects them to a function.</a:t>
-            </a:r>
-          </a:p>
-          <a:p>
-            <a:r>
-              <a:rPr lang="en-US" baseline="0" dirty="0" smtClean="0"/>
-              <a:t>	- Great for single page apps that want to link to a specific function</a:t>
-            </a:r>
-          </a:p>
-          <a:p>
-            <a:endParaRPr lang="en-US" baseline="0" dirty="0" smtClean="0"/>
-          </a:p>
-          <a:p>
-            <a:r>
-              <a:rPr lang="en-US" baseline="0" dirty="0" smtClean="0"/>
-              <a:t>History</a:t>
-            </a:r>
-          </a:p>
-          <a:p>
-            <a:r>
-              <a:rPr lang="en-US" baseline="0" dirty="0" smtClean="0"/>
-              <a:t>	- Once all your routes are created, a history can be started to be able to use the back button within your single page app</a:t>
-            </a:r>
-          </a:p>
-          <a:p>
+              <a:t>This is what their site looks like</a:t>
+            </a:r>
             <a:endParaRPr lang="en-US" dirty="0"/>
           </a:p>
         </p:txBody>
@@ -1417,7 +1539,7 @@
             <a:fld id="{3E7143C0-4F23-B545-9533-520B5A87CA1E}" type="slidenum">
               <a:rPr lang="en-US" smtClean="0"/>
               <a:pPr/>
-              <a:t>7</a:t>
+              <a:t>6</a:t>
             </a:fld>
             <a:endParaRPr lang="en-US" dirty="0"/>
           </a:p>
@@ -1426,7 +1548,7 @@
     </p:spTree>
     <p:extLst>
       <p:ext uri="{BB962C8B-B14F-4D97-AF65-F5344CB8AC3E}">
-        <p14:creationId xmlns:p14="http://schemas.microsoft.com/office/powerpoint/2010/main" val="974689931"/>
+        <p14:creationId xmlns:p14="http://schemas.microsoft.com/office/powerpoint/2010/main" val="4203420911"/>
       </p:ext>
     </p:extLst>
   </p:cSld>
@@ -1477,24 +1599,69 @@
         </p:nvSpPr>
         <p:spPr/>
         <p:txBody>
-          <a:bodyPr/>
+          <a:bodyPr>
+            <a:normAutofit fontScale="92500" lnSpcReduction="10000"/>
+          </a:bodyPr>
           <a:lstStyle/>
           <a:p>
             <a:r>
               <a:rPr lang="en-US" dirty="0" smtClean="0"/>
-              <a:t>First up:  Backbone. Probably</a:t>
+              <a:t>Models</a:t>
+            </a:r>
+          </a:p>
+          <a:p>
+            <a:r>
+              <a:rPr lang="en-US" dirty="0" smtClean="0"/>
+              <a:t>	-Handle</a:t>
             </a:r>
             <a:r>
               <a:rPr lang="en-US" baseline="0" dirty="0" smtClean="0"/>
-              <a:t> the </a:t>
+              <a:t> functionality of your app and changes that happen.</a:t>
+            </a:r>
+          </a:p>
+          <a:p>
+            <a:endParaRPr lang="en-US" baseline="0" dirty="0" smtClean="0"/>
+          </a:p>
+          <a:p>
+            <a:r>
+              <a:rPr lang="en-US" baseline="0" dirty="0" smtClean="0"/>
+              <a:t>Views</a:t>
+            </a:r>
+          </a:p>
+          <a:p>
+            <a:r>
+              <a:rPr lang="en-US" baseline="0" dirty="0" smtClean="0"/>
+              <a:t>	- Views are backed by models and can update </a:t>
+            </a:r>
+            <a:r>
+              <a:rPr lang="en-US" baseline="0" dirty="0" smtClean="0"/>
+              <a:t>HTML and </a:t>
             </a:r>
             <a:r>
               <a:rPr lang="en-US" baseline="0" dirty="0" err="1" smtClean="0"/>
-              <a:t>jQuery</a:t>
+              <a:t>dom</a:t>
             </a:r>
             <a:r>
               <a:rPr lang="en-US" baseline="0" dirty="0" smtClean="0"/>
-              <a:t> of JS MVC frameworks. </a:t>
+              <a:t> nodes when </a:t>
+            </a:r>
+            <a:r>
+              <a:rPr lang="en-US" baseline="0" dirty="0" smtClean="0"/>
+              <a:t>the model changes</a:t>
+            </a:r>
+          </a:p>
+          <a:p>
+            <a:r>
+              <a:rPr lang="en-US" baseline="0" dirty="0" smtClean="0"/>
+              <a:t>	- Can be used with any </a:t>
+            </a:r>
+            <a:r>
+              <a:rPr lang="en-US" baseline="0" dirty="0" err="1" smtClean="0"/>
+              <a:t>templating</a:t>
+            </a:r>
+            <a:r>
+              <a:rPr lang="en-US" baseline="0" dirty="0" smtClean="0"/>
+              <a:t> library, for this app I used Underscore templates.</a:t>
             </a:r>
           </a:p>
           <a:p>
@@ -1502,12 +1669,94 @@
           </a:p>
           <a:p>
             <a:r>
+              <a:rPr lang="en-US" dirty="0" smtClean="0"/>
+              <a:t>Events</a:t>
+            </a:r>
+          </a:p>
+          <a:p>
+            <a:r>
+              <a:rPr lang="en-US" dirty="0" smtClean="0"/>
+              <a:t>	- Similar to dojo events. Has .on() and .off() to bind events to an object.</a:t>
+            </a:r>
+          </a:p>
+          <a:p>
+            <a:endParaRPr lang="en-US" dirty="0" smtClean="0"/>
+          </a:p>
+          <a:p>
+            <a:r>
+              <a:rPr lang="en-US" dirty="0" smtClean="0"/>
+              <a:t>Collections</a:t>
+            </a:r>
+          </a:p>
+          <a:p>
+            <a:r>
+              <a:rPr lang="en-US" dirty="0" smtClean="0"/>
+              <a:t>	-  Allows</a:t>
+            </a:r>
+            <a:r>
               <a:rPr lang="en-US" baseline="0" dirty="0" smtClean="0"/>
-              <a:t>This one’s for you Matt!</a:t>
+              <a:t> you to bind events on a collection of models</a:t>
+            </a:r>
+          </a:p>
+          <a:p>
+            <a:r>
+              <a:rPr lang="en-US" baseline="0" dirty="0" smtClean="0"/>
+              <a:t>	- Listen to multiple </a:t>
+            </a:r>
+            <a:r>
+              <a:rPr lang="en-US" baseline="0" dirty="0" smtClean="0"/>
+              <a:t>models</a:t>
+            </a:r>
+          </a:p>
+          <a:p>
+            <a:r>
+              <a:rPr lang="en-US" baseline="0" dirty="0" smtClean="0"/>
+              <a:t>	- Song is model, album is Collection.</a:t>
+            </a:r>
+            <a:endParaRPr lang="en-US" dirty="0" smtClean="0"/>
+          </a:p>
+          <a:p>
+            <a:endParaRPr lang="en-US" dirty="0" smtClean="0"/>
+          </a:p>
+          <a:p>
+            <a:r>
+              <a:rPr lang="en-US" dirty="0" smtClean="0"/>
+              <a:t>Routes</a:t>
+            </a:r>
+          </a:p>
+          <a:p>
+            <a:r>
+              <a:rPr lang="en-US" dirty="0" smtClean="0"/>
+              <a:t> 	-</a:t>
+            </a:r>
+            <a:r>
+              <a:rPr lang="en-US" baseline="0" dirty="0" smtClean="0"/>
+              <a:t> Has a router than handles URL in page links like hash tag anchor links and redirects them to a function.</a:t>
+            </a:r>
+          </a:p>
+          <a:p>
+            <a:r>
+              <a:rPr lang="en-US" baseline="0" dirty="0" smtClean="0"/>
+              <a:t>	- Great for single page apps that want to link to a specific function</a:t>
             </a:r>
           </a:p>
           <a:p>
             <a:endParaRPr lang="en-US" baseline="0" dirty="0" smtClean="0"/>
+          </a:p>
+          <a:p>
+            <a:r>
+              <a:rPr lang="en-US" baseline="0" dirty="0" smtClean="0"/>
+              <a:t>History</a:t>
+            </a:r>
+          </a:p>
+          <a:p>
+            <a:r>
+              <a:rPr lang="en-US" baseline="0" dirty="0" smtClean="0"/>
+              <a:t>	- Once all your routes are created, a history can be started to be able to use the back button within your single page app</a:t>
+            </a:r>
+          </a:p>
+          <a:p>
+            <a:endParaRPr lang="en-US" dirty="0"/>
           </a:p>
         </p:txBody>
       </p:sp>
@@ -1529,7 +1778,7 @@
             <a:fld id="{3E7143C0-4F23-B545-9533-520B5A87CA1E}" type="slidenum">
               <a:rPr lang="en-US" smtClean="0"/>
               <a:pPr/>
-              <a:t>8</a:t>
+              <a:t>7</a:t>
             </a:fld>
             <a:endParaRPr lang="en-US" dirty="0"/>
           </a:p>
@@ -1538,7 +1787,7 @@
     </p:spTree>
     <p:extLst>
       <p:ext uri="{BB962C8B-B14F-4D97-AF65-F5344CB8AC3E}">
-        <p14:creationId xmlns:p14="http://schemas.microsoft.com/office/powerpoint/2010/main" val="1053092096"/>
+        <p14:creationId xmlns:p14="http://schemas.microsoft.com/office/powerpoint/2010/main" val="974689931"/>
       </p:ext>
     </p:extLst>
   </p:cSld>
@@ -1594,8 +1843,23 @@
           <a:p>
             <a:r>
               <a:rPr lang="en-US" dirty="0" smtClean="0"/>
-              <a:t>Next:  Angular. </a:t>
-            </a:r>
+              <a:t>First up:  Backbone. Probably</a:t>
+            </a:r>
+            <a:r>
+              <a:rPr lang="en-US" baseline="0" dirty="0" smtClean="0"/>
+              <a:t> the </a:t>
+            </a:r>
+            <a:r>
+              <a:rPr lang="en-US" baseline="0" dirty="0" err="1" smtClean="0"/>
+              <a:t>jQuery</a:t>
+            </a:r>
+            <a:r>
+              <a:rPr lang="en-US" baseline="0" dirty="0" smtClean="0"/>
+              <a:t> of JS MVC frameworks. </a:t>
+            </a:r>
+          </a:p>
+          <a:p>
+            <a:endParaRPr lang="en-US" baseline="0" dirty="0" smtClean="0"/>
           </a:p>
         </p:txBody>
       </p:sp>
@@ -1617,7 +1881,7 @@
             <a:fld id="{3E7143C0-4F23-B545-9533-520B5A87CA1E}" type="slidenum">
               <a:rPr lang="en-US" smtClean="0"/>
               <a:pPr/>
-              <a:t>9</a:t>
+              <a:t>8</a:t>
             </a:fld>
             <a:endParaRPr lang="en-US" dirty="0"/>
           </a:p>
@@ -1682,23 +1946,8 @@
           <a:p>
             <a:r>
               <a:rPr lang="en-US" dirty="0" smtClean="0"/>
-              <a:t>Make sure Dojo</a:t>
-            </a:r>
-            <a:r>
-              <a:rPr lang="en-US" baseline="0" dirty="0" smtClean="0"/>
-              <a:t> or </a:t>
-            </a:r>
-            <a:r>
-              <a:rPr lang="en-US" baseline="0" dirty="0" err="1" smtClean="0"/>
-              <a:t>require.js</a:t>
-            </a:r>
-            <a:r>
-              <a:rPr lang="en-US" baseline="0" dirty="0" smtClean="0"/>
-              <a:t> is loaded before Knockout so that define is defined</a:t>
-            </a:r>
-          </a:p>
-          <a:p>
-            <a:endParaRPr lang="en-US" dirty="0" smtClean="0"/>
+              <a:t>Next:  Angular. </a:t>
+            </a:r>
           </a:p>
         </p:txBody>
       </p:sp>
@@ -1720,7 +1969,7 @@
             <a:fld id="{3E7143C0-4F23-B545-9533-520B5A87CA1E}" type="slidenum">
               <a:rPr lang="en-US" smtClean="0"/>
               <a:pPr/>
-              <a:t>12</a:t>
+              <a:t>10</a:t>
             </a:fld>
             <a:endParaRPr lang="en-US" dirty="0"/>
           </a:p>
@@ -2164,13 +2413,13 @@
   <p:clrMapOvr>
     <a:masterClrMapping/>
   </p:clrMapOvr>
-  <p:transition xmlns:p14="http://schemas.microsoft.com/office/powerpoint/2010/main" spd="med">
+  <p:transition spd="med">
     <p:fade/>
   </p:transition>
   <p:timing>
     <p:tnLst>
       <p:par>
-        <p:cTn xmlns:p14="http://schemas.microsoft.com/office/powerpoint/2010/main" id="1" dur="indefinite" restart="never" nodeType="tmRoot"/>
+        <p:cTn id="1" dur="indefinite" restart="never" nodeType="tmRoot"/>
       </p:par>
     </p:tnLst>
   </p:timing>
@@ -2908,13 +3157,13 @@
   <p:clrMapOvr>
     <a:masterClrMapping/>
   </p:clrMapOvr>
-  <p:transition xmlns:p14="http://schemas.microsoft.com/office/powerpoint/2010/main" spd="med">
+  <p:transition spd="med">
     <p:fade/>
   </p:transition>
   <p:timing>
     <p:tnLst>
       <p:par>
-        <p:cTn xmlns:p14="http://schemas.microsoft.com/office/powerpoint/2010/main" id="1" dur="indefinite" restart="never" nodeType="tmRoot"/>
+        <p:cTn id="1" dur="indefinite" restart="never" nodeType="tmRoot"/>
       </p:par>
     </p:tnLst>
   </p:timing>
@@ -3002,13 +3251,13 @@
   <p:clrMapOvr>
     <a:overrideClrMapping bg1="dk1" tx1="lt1" bg2="dk2" tx2="lt2" accent1="accent1" accent2="accent2" accent3="accent3" accent4="accent4" accent5="accent5" accent6="accent6" hlink="hlink" folHlink="folHlink"/>
   </p:clrMapOvr>
-  <p:transition xmlns:p14="http://schemas.microsoft.com/office/powerpoint/2010/main" spd="med">
+  <p:transition spd="med">
     <p:fade/>
   </p:transition>
   <p:timing>
     <p:tnLst>
       <p:par>
-        <p:cTn xmlns:p14="http://schemas.microsoft.com/office/powerpoint/2010/main" id="1" dur="indefinite" restart="never" nodeType="tmRoot"/>
+        <p:cTn id="1" dur="indefinite" restart="never" nodeType="tmRoot"/>
       </p:par>
     </p:tnLst>
   </p:timing>
@@ -3360,13 +3609,13 @@
   <p:clrMapOvr>
     <a:masterClrMapping/>
   </p:clrMapOvr>
-  <p:transition xmlns:p14="http://schemas.microsoft.com/office/powerpoint/2010/main" spd="med">
+  <p:transition spd="med">
     <p:fade/>
   </p:transition>
   <p:timing>
     <p:tnLst>
       <p:par>
-        <p:cTn xmlns:p14="http://schemas.microsoft.com/office/powerpoint/2010/main" id="1" dur="indefinite" restart="never" nodeType="tmRoot"/>
+        <p:cTn id="1" dur="indefinite" restart="never" nodeType="tmRoot"/>
       </p:par>
     </p:tnLst>
   </p:timing>
@@ -3506,13 +3755,13 @@
   <p:clrMapOvr>
     <a:masterClrMapping/>
   </p:clrMapOvr>
-  <p:transition xmlns:p14="http://schemas.microsoft.com/office/powerpoint/2010/main" spd="med">
+  <p:transition spd="med">
     <p:fade/>
   </p:transition>
   <p:timing>
     <p:tnLst>
       <p:par>
-        <p:cTn xmlns:p14="http://schemas.microsoft.com/office/powerpoint/2010/main" id="1" dur="indefinite" restart="never" nodeType="tmRoot"/>
+        <p:cTn id="1" dur="indefinite" restart="never" nodeType="tmRoot"/>
       </p:par>
     </p:tnLst>
   </p:timing>
@@ -3651,13 +3900,13 @@
   <p:clrMapOvr>
     <a:masterClrMapping/>
   </p:clrMapOvr>
-  <p:transition xmlns:p14="http://schemas.microsoft.com/office/powerpoint/2010/main" spd="med">
+  <p:transition spd="med">
     <p:fade/>
   </p:transition>
   <p:timing>
     <p:tnLst>
       <p:par>
-        <p:cTn xmlns:p14="http://schemas.microsoft.com/office/powerpoint/2010/main" id="1" dur="indefinite" restart="never" nodeType="tmRoot"/>
+        <p:cTn id="1" dur="indefinite" restart="never" nodeType="tmRoot"/>
       </p:par>
     </p:tnLst>
   </p:timing>
@@ -3875,13 +4124,13 @@
   <p:clrMapOvr>
     <a:masterClrMapping/>
   </p:clrMapOvr>
-  <p:transition xmlns:p14="http://schemas.microsoft.com/office/powerpoint/2010/main" spd="med">
+  <p:transition spd="med">
     <p:fade/>
   </p:transition>
   <p:timing>
     <p:tnLst>
       <p:par>
-        <p:cTn xmlns:p14="http://schemas.microsoft.com/office/powerpoint/2010/main" id="1" dur="indefinite" restart="never" nodeType="tmRoot"/>
+        <p:cTn id="1" dur="indefinite" restart="never" nodeType="tmRoot"/>
       </p:par>
     </p:tnLst>
   </p:timing>
@@ -4025,13 +4274,13 @@
   <p:clrMapOvr>
     <a:masterClrMapping/>
   </p:clrMapOvr>
-  <p:transition xmlns:p14="http://schemas.microsoft.com/office/powerpoint/2010/main" spd="med">
+  <p:transition spd="med">
     <p:fade/>
   </p:transition>
   <p:timing>
     <p:tnLst>
       <p:par>
-        <p:cTn xmlns:p14="http://schemas.microsoft.com/office/powerpoint/2010/main" id="1" dur="indefinite" restart="never" nodeType="tmRoot"/>
+        <p:cTn id="1" dur="indefinite" restart="never" nodeType="tmRoot"/>
       </p:par>
     </p:tnLst>
   </p:timing>
@@ -4110,13 +4359,13 @@
   <p:clrMapOvr>
     <a:masterClrMapping/>
   </p:clrMapOvr>
-  <p:transition xmlns:p14="http://schemas.microsoft.com/office/powerpoint/2010/main" spd="med">
+  <p:transition spd="med">
     <p:fade/>
   </p:transition>
   <p:timing>
     <p:tnLst>
       <p:par>
-        <p:cTn xmlns:p14="http://schemas.microsoft.com/office/powerpoint/2010/main" id="1" dur="indefinite" restart="never" nodeType="tmRoot"/>
+        <p:cTn id="1" dur="indefinite" restart="never" nodeType="tmRoot"/>
       </p:par>
     </p:tnLst>
   </p:timing>
@@ -4200,13 +4449,13 @@
   <p:clrMapOvr>
     <a:masterClrMapping/>
   </p:clrMapOvr>
-  <p:transition xmlns:p14="http://schemas.microsoft.com/office/powerpoint/2010/main" spd="med">
+  <p:transition spd="med">
     <p:fade/>
   </p:transition>
   <p:timing>
     <p:tnLst>
       <p:par>
-        <p:cTn xmlns:p14="http://schemas.microsoft.com/office/powerpoint/2010/main" id="1" dur="indefinite" restart="never" nodeType="tmRoot"/>
+        <p:cTn id="1" dur="indefinite" restart="never" nodeType="tmRoot"/>
       </p:par>
     </p:tnLst>
   </p:timing>
@@ -4444,13 +4693,13 @@
   <p:clrMapOvr>
     <a:masterClrMapping/>
   </p:clrMapOvr>
-  <p:transition xmlns:p14="http://schemas.microsoft.com/office/powerpoint/2010/main" spd="med">
+  <p:transition spd="med">
     <p:fade/>
   </p:transition>
   <p:timing>
     <p:tnLst>
       <p:par>
-        <p:cTn xmlns:p14="http://schemas.microsoft.com/office/powerpoint/2010/main" id="1" dur="indefinite" restart="never" nodeType="tmRoot"/>
+        <p:cTn id="1" dur="indefinite" restart="never" nodeType="tmRoot"/>
       </p:par>
     </p:tnLst>
   </p:timing>
@@ -4544,13 +4793,13 @@
   <p:clrMapOvr>
     <a:masterClrMapping/>
   </p:clrMapOvr>
-  <p:transition xmlns:p14="http://schemas.microsoft.com/office/powerpoint/2010/main" spd="med">
+  <p:transition spd="med">
     <p:fade/>
   </p:transition>
   <p:timing>
     <p:tnLst>
       <p:par>
-        <p:cTn xmlns:p14="http://schemas.microsoft.com/office/powerpoint/2010/main" id="1" dur="indefinite" restart="never" nodeType="tmRoot"/>
+        <p:cTn id="1" dur="indefinite" restart="never" nodeType="tmRoot"/>
       </p:par>
     </p:tnLst>
   </p:timing>
@@ -4649,13 +4898,13 @@
   <p:clrMapOvr>
     <a:masterClrMapping/>
   </p:clrMapOvr>
-  <p:transition xmlns:p14="http://schemas.microsoft.com/office/powerpoint/2010/main" spd="med">
+  <p:transition spd="med">
     <p:fade/>
   </p:transition>
   <p:timing>
     <p:tnLst>
       <p:par>
-        <p:cTn xmlns:p14="http://schemas.microsoft.com/office/powerpoint/2010/main" id="1" dur="indefinite" restart="never" nodeType="tmRoot"/>
+        <p:cTn id="1" dur="indefinite" restart="never" nodeType="tmRoot"/>
       </p:par>
     </p:tnLst>
   </p:timing>
@@ -4819,13 +5068,13 @@
   <p:clrMapOvr>
     <a:masterClrMapping/>
   </p:clrMapOvr>
-  <p:transition xmlns:p14="http://schemas.microsoft.com/office/powerpoint/2010/main" spd="med">
+  <p:transition spd="med">
     <p:fade/>
   </p:transition>
   <p:timing>
     <p:tnLst>
       <p:par>
-        <p:cTn xmlns:p14="http://schemas.microsoft.com/office/powerpoint/2010/main" id="1" dur="indefinite" restart="never" nodeType="tmRoot"/>
+        <p:cTn id="1" dur="indefinite" restart="never" nodeType="tmRoot"/>
       </p:par>
     </p:tnLst>
   </p:timing>
@@ -5036,13 +5285,13 @@
   <p:clrMapOvr>
     <a:masterClrMapping/>
   </p:clrMapOvr>
-  <p:transition xmlns:p14="http://schemas.microsoft.com/office/powerpoint/2010/main" spd="med">
+  <p:transition spd="med">
     <p:fade/>
   </p:transition>
   <p:timing>
     <p:tnLst>
       <p:par>
-        <p:cTn xmlns:p14="http://schemas.microsoft.com/office/powerpoint/2010/main" id="1" dur="indefinite" restart="never" nodeType="tmRoot"/>
+        <p:cTn id="1" dur="indefinite" restart="never" nodeType="tmRoot"/>
       </p:par>
     </p:tnLst>
   </p:timing>
@@ -5326,13 +5575,13 @@
   <p:clrMapOvr>
     <a:masterClrMapping/>
   </p:clrMapOvr>
-  <p:transition xmlns:p14="http://schemas.microsoft.com/office/powerpoint/2010/main" spd="med">
+  <p:transition spd="med">
     <p:fade/>
   </p:transition>
   <p:timing>
     <p:tnLst>
       <p:par>
-        <p:cTn xmlns:p14="http://schemas.microsoft.com/office/powerpoint/2010/main" id="1" dur="indefinite" restart="never" nodeType="tmRoot"/>
+        <p:cTn id="1" dur="indefinite" restart="never" nodeType="tmRoot"/>
       </p:par>
     </p:tnLst>
   </p:timing>
@@ -5389,13 +5638,13 @@
   <p:clrMapOvr>
     <a:masterClrMapping/>
   </p:clrMapOvr>
-  <p:transition xmlns:p14="http://schemas.microsoft.com/office/powerpoint/2010/main" spd="med">
+  <p:transition spd="med">
     <p:fade/>
   </p:transition>
   <p:timing>
     <p:tnLst>
       <p:par>
-        <p:cTn xmlns:p14="http://schemas.microsoft.com/office/powerpoint/2010/main" id="1" dur="indefinite" restart="never" nodeType="tmRoot"/>
+        <p:cTn id="1" dur="indefinite" restart="never" nodeType="tmRoot"/>
       </p:par>
     </p:tnLst>
   </p:timing>
@@ -5456,13 +5705,13 @@
   <p:clrMapOvr>
     <a:masterClrMapping/>
   </p:clrMapOvr>
-  <p:transition xmlns:p14="http://schemas.microsoft.com/office/powerpoint/2010/main" spd="med">
+  <p:transition spd="med">
     <p:fade/>
   </p:transition>
   <p:timing>
     <p:tnLst>
       <p:par>
-        <p:cTn xmlns:p14="http://schemas.microsoft.com/office/powerpoint/2010/main" id="1" dur="indefinite" restart="never" nodeType="tmRoot"/>
+        <p:cTn id="1" dur="indefinite" restart="never" nodeType="tmRoot"/>
       </p:par>
     </p:tnLst>
   </p:timing>
@@ -5496,13 +5745,13 @@
   <p:clrMapOvr>
     <a:masterClrMapping/>
   </p:clrMapOvr>
-  <p:transition xmlns:p14="http://schemas.microsoft.com/office/powerpoint/2010/main" spd="med">
+  <p:transition spd="med">
     <p:fade/>
   </p:transition>
   <p:timing>
     <p:tnLst>
       <p:par>
-        <p:cTn xmlns:p14="http://schemas.microsoft.com/office/powerpoint/2010/main" id="1" dur="indefinite" restart="never" nodeType="tmRoot"/>
+        <p:cTn id="1" dur="indefinite" restart="never" nodeType="tmRoot"/>
       </p:par>
     </p:tnLst>
   </p:timing>
@@ -5872,13 +6121,13 @@
   <p:clrMapOvr>
     <a:masterClrMapping/>
   </p:clrMapOvr>
-  <p:transition xmlns:p14="http://schemas.microsoft.com/office/powerpoint/2010/main" spd="med">
+  <p:transition spd="med">
     <p:fade/>
   </p:transition>
   <p:timing>
     <p:tnLst>
       <p:par>
-        <p:cTn xmlns:p14="http://schemas.microsoft.com/office/powerpoint/2010/main" id="1" dur="indefinite" restart="never" nodeType="tmRoot"/>
+        <p:cTn id="1" dur="indefinite" restart="never" nodeType="tmRoot"/>
       </p:par>
     </p:tnLst>
   </p:timing>
@@ -6403,13 +6652,13 @@
   <p:clrMapOvr>
     <a:masterClrMapping/>
   </p:clrMapOvr>
-  <p:transition xmlns:p14="http://schemas.microsoft.com/office/powerpoint/2010/main" spd="med">
+  <p:transition spd="med">
     <p:fade/>
   </p:transition>
   <p:timing>
     <p:tnLst>
       <p:par>
-        <p:cTn xmlns:p14="http://schemas.microsoft.com/office/powerpoint/2010/main" id="1" dur="indefinite" restart="never" nodeType="tmRoot"/>
+        <p:cTn id="1" dur="indefinite" restart="never" nodeType="tmRoot"/>
       </p:par>
     </p:tnLst>
   </p:timing>
@@ -6497,13 +6746,13 @@
   <p:clrMapOvr>
     <a:overrideClrMapping bg1="dk1" tx1="lt1" bg2="dk2" tx2="lt2" accent1="accent1" accent2="accent2" accent3="accent3" accent4="accent4" accent5="accent5" accent6="accent6" hlink="hlink" folHlink="folHlink"/>
   </p:clrMapOvr>
-  <p:transition xmlns:p14="http://schemas.microsoft.com/office/powerpoint/2010/main" spd="med">
+  <p:transition spd="med">
     <p:fade/>
   </p:transition>
   <p:timing>
     <p:tnLst>
       <p:par>
-        <p:cTn xmlns:p14="http://schemas.microsoft.com/office/powerpoint/2010/main" id="1" dur="indefinite" restart="never" nodeType="tmRoot"/>
+        <p:cTn id="1" dur="indefinite" restart="never" nodeType="tmRoot"/>
       </p:par>
     </p:tnLst>
   </p:timing>
@@ -6665,13 +6914,13 @@
   <p:clrMapOvr>
     <a:masterClrMapping/>
   </p:clrMapOvr>
-  <p:transition xmlns:p14="http://schemas.microsoft.com/office/powerpoint/2010/main" spd="med">
+  <p:transition spd="med">
     <p:fade/>
   </p:transition>
   <p:timing>
     <p:tnLst>
       <p:par>
-        <p:cTn xmlns:p14="http://schemas.microsoft.com/office/powerpoint/2010/main" id="1" dur="indefinite" restart="never" nodeType="tmRoot"/>
+        <p:cTn id="1" dur="indefinite" restart="never" nodeType="tmRoot"/>
       </p:par>
     </p:tnLst>
   </p:timing>
@@ -7023,13 +7272,13 @@
   <p:clrMapOvr>
     <a:masterClrMapping/>
   </p:clrMapOvr>
-  <p:transition xmlns:p14="http://schemas.microsoft.com/office/powerpoint/2010/main" spd="med">
+  <p:transition spd="med">
     <p:fade/>
   </p:transition>
   <p:timing>
     <p:tnLst>
       <p:par>
-        <p:cTn xmlns:p14="http://schemas.microsoft.com/office/powerpoint/2010/main" id="1" dur="indefinite" restart="never" nodeType="tmRoot"/>
+        <p:cTn id="1" dur="indefinite" restart="never" nodeType="tmRoot"/>
       </p:par>
     </p:tnLst>
   </p:timing>
@@ -7166,13 +7415,13 @@
   <p:clrMapOvr>
     <a:masterClrMapping/>
   </p:clrMapOvr>
-  <p:transition xmlns:p14="http://schemas.microsoft.com/office/powerpoint/2010/main" spd="med">
+  <p:transition spd="med">
     <p:fade/>
   </p:transition>
   <p:timing>
     <p:tnLst>
       <p:par>
-        <p:cTn xmlns:p14="http://schemas.microsoft.com/office/powerpoint/2010/main" id="1" dur="indefinite" restart="never" nodeType="tmRoot"/>
+        <p:cTn id="1" dur="indefinite" restart="never" nodeType="tmRoot"/>
       </p:par>
     </p:tnLst>
   </p:timing>
@@ -7308,13 +7557,13 @@
   <p:clrMapOvr>
     <a:masterClrMapping/>
   </p:clrMapOvr>
-  <p:transition xmlns:p14="http://schemas.microsoft.com/office/powerpoint/2010/main" spd="med">
+  <p:transition spd="med">
     <p:fade/>
   </p:transition>
   <p:timing>
     <p:tnLst>
       <p:par>
-        <p:cTn xmlns:p14="http://schemas.microsoft.com/office/powerpoint/2010/main" id="1" dur="indefinite" restart="never" nodeType="tmRoot"/>
+        <p:cTn id="1" dur="indefinite" restart="never" nodeType="tmRoot"/>
       </p:par>
     </p:tnLst>
   </p:timing>
@@ -7532,13 +7781,13 @@
   <p:clrMapOvr>
     <a:masterClrMapping/>
   </p:clrMapOvr>
-  <p:transition xmlns:p14="http://schemas.microsoft.com/office/powerpoint/2010/main" spd="med">
+  <p:transition spd="med">
     <p:fade/>
   </p:transition>
   <p:timing>
     <p:tnLst>
       <p:par>
-        <p:cTn xmlns:p14="http://schemas.microsoft.com/office/powerpoint/2010/main" id="1" dur="indefinite" restart="never" nodeType="tmRoot"/>
+        <p:cTn id="1" dur="indefinite" restart="never" nodeType="tmRoot"/>
       </p:par>
     </p:tnLst>
   </p:timing>
@@ -7682,13 +7931,13 @@
   <p:clrMapOvr>
     <a:masterClrMapping/>
   </p:clrMapOvr>
-  <p:transition xmlns:p14="http://schemas.microsoft.com/office/powerpoint/2010/main" spd="med">
+  <p:transition spd="med">
     <p:fade/>
   </p:transition>
   <p:timing>
     <p:tnLst>
       <p:par>
-        <p:cTn xmlns:p14="http://schemas.microsoft.com/office/powerpoint/2010/main" id="1" dur="indefinite" restart="never" nodeType="tmRoot"/>
+        <p:cTn id="1" dur="indefinite" restart="never" nodeType="tmRoot"/>
       </p:par>
     </p:tnLst>
   </p:timing>
@@ -7770,13 +8019,13 @@
   <p:clrMapOvr>
     <a:masterClrMapping/>
   </p:clrMapOvr>
-  <p:transition xmlns:p14="http://schemas.microsoft.com/office/powerpoint/2010/main" spd="med">
+  <p:transition spd="med">
     <p:fade/>
   </p:transition>
   <p:timing>
     <p:tnLst>
       <p:par>
-        <p:cTn xmlns:p14="http://schemas.microsoft.com/office/powerpoint/2010/main" id="1" dur="indefinite" restart="never" nodeType="tmRoot"/>
+        <p:cTn id="1" dur="indefinite" restart="never" nodeType="tmRoot"/>
       </p:par>
     </p:tnLst>
   </p:timing>
@@ -7840,13 +8089,13 @@
   <p:clrMapOvr>
     <a:masterClrMapping/>
   </p:clrMapOvr>
-  <p:transition xmlns:p14="http://schemas.microsoft.com/office/powerpoint/2010/main" spd="med">
+  <p:transition spd="med">
     <p:fade/>
   </p:transition>
   <p:timing>
     <p:tnLst>
       <p:par>
-        <p:cTn xmlns:p14="http://schemas.microsoft.com/office/powerpoint/2010/main" id="1" dur="indefinite" restart="never" nodeType="tmRoot"/>
+        <p:cTn id="1" dur="indefinite" restart="never" nodeType="tmRoot"/>
       </p:par>
     </p:tnLst>
   </p:timing>
@@ -8052,13 +8301,13 @@
   <p:clrMapOvr>
     <a:masterClrMapping/>
   </p:clrMapOvr>
-  <p:transition xmlns:p14="http://schemas.microsoft.com/office/powerpoint/2010/main" spd="med">
+  <p:transition spd="med">
     <p:fade/>
   </p:transition>
   <p:timing>
     <p:tnLst>
       <p:par>
-        <p:cTn xmlns:p14="http://schemas.microsoft.com/office/powerpoint/2010/main" id="1" dur="indefinite" restart="never" nodeType="tmRoot"/>
+        <p:cTn id="1" dur="indefinite" restart="never" nodeType="tmRoot"/>
       </p:par>
     </p:tnLst>
   </p:timing>
@@ -8337,13 +8586,13 @@
   <p:clrMapOvr>
     <a:masterClrMapping/>
   </p:clrMapOvr>
-  <p:transition xmlns:p14="http://schemas.microsoft.com/office/powerpoint/2010/main" spd="med">
+  <p:transition spd="med">
     <p:fade/>
   </p:transition>
   <p:timing>
     <p:tnLst>
       <p:par>
-        <p:cTn xmlns:p14="http://schemas.microsoft.com/office/powerpoint/2010/main" id="1" dur="indefinite" restart="never" nodeType="tmRoot"/>
+        <p:cTn id="1" dur="indefinite" restart="never" nodeType="tmRoot"/>
       </p:par>
     </p:tnLst>
   </p:timing>
@@ -8395,13 +8644,13 @@
   <p:clrMapOvr>
     <a:masterClrMapping/>
   </p:clrMapOvr>
-  <p:transition xmlns:p14="http://schemas.microsoft.com/office/powerpoint/2010/main" spd="med">
+  <p:transition spd="med">
     <p:fade/>
   </p:transition>
   <p:timing>
     <p:tnLst>
       <p:par>
-        <p:cTn xmlns:p14="http://schemas.microsoft.com/office/powerpoint/2010/main" id="1" dur="indefinite" restart="never" nodeType="tmRoot"/>
+        <p:cTn id="1" dur="indefinite" restart="never" nodeType="tmRoot"/>
       </p:par>
     </p:tnLst>
   </p:timing>
@@ -8457,13 +8706,13 @@
   <p:clrMapOvr>
     <a:masterClrMapping/>
   </p:clrMapOvr>
-  <p:transition xmlns:p14="http://schemas.microsoft.com/office/powerpoint/2010/main" spd="med">
+  <p:transition spd="med">
     <p:fade/>
   </p:transition>
   <p:timing>
     <p:tnLst>
       <p:par>
-        <p:cTn xmlns:p14="http://schemas.microsoft.com/office/powerpoint/2010/main" id="1" dur="indefinite" restart="never" nodeType="tmRoot"/>
+        <p:cTn id="1" dur="indefinite" restart="never" nodeType="tmRoot"/>
       </p:par>
     </p:tnLst>
   </p:timing>
@@ -8492,13 +8741,13 @@
   <p:clrMapOvr>
     <a:masterClrMapping/>
   </p:clrMapOvr>
-  <p:transition xmlns:p14="http://schemas.microsoft.com/office/powerpoint/2010/main" spd="med">
+  <p:transition spd="med">
     <p:fade/>
   </p:transition>
   <p:timing>
     <p:tnLst>
       <p:par>
-        <p:cTn xmlns:p14="http://schemas.microsoft.com/office/powerpoint/2010/main" id="1" dur="indefinite" restart="never" nodeType="tmRoot"/>
+        <p:cTn id="1" dur="indefinite" restart="never" nodeType="tmRoot"/>
       </p:par>
     </p:tnLst>
   </p:timing>
@@ -9081,13 +9330,13 @@
   <p:clrMapOvr>
     <a:masterClrMapping/>
   </p:clrMapOvr>
-  <p:transition xmlns:p14="http://schemas.microsoft.com/office/powerpoint/2010/main" spd="med">
+  <p:transition spd="med">
     <p:fade/>
   </p:transition>
   <p:timing>
     <p:tnLst>
       <p:par>
-        <p:cTn xmlns:p14="http://schemas.microsoft.com/office/powerpoint/2010/main" id="1" dur="indefinite" restart="never" nodeType="tmRoot"/>
+        <p:cTn id="1" dur="indefinite" restart="never" nodeType="tmRoot"/>
       </p:par>
     </p:tnLst>
   </p:timing>
@@ -9236,13 +9485,13 @@
     <p:sldLayoutId id="2147486410" r:id="rId17"/>
     <p:sldLayoutId id="2147486411" r:id="rId18"/>
   </p:sldLayoutIdLst>
-  <p:transition xmlns:p14="http://schemas.microsoft.com/office/powerpoint/2010/main" spd="med">
+  <p:transition spd="med">
     <p:fade/>
   </p:transition>
   <p:timing>
     <p:tnLst>
       <p:par>
-        <p:cTn xmlns:p14="http://schemas.microsoft.com/office/powerpoint/2010/main" id="1" dur="indefinite" restart="never" nodeType="tmRoot"/>
+        <p:cTn id="1" dur="indefinite" restart="never" nodeType="tmRoot"/>
       </p:par>
     </p:tnLst>
   </p:timing>
@@ -9742,13 +9991,13 @@
     <p:sldLayoutId id="2147486429" r:id="rId17"/>
     <p:sldLayoutId id="2147486430" r:id="rId18"/>
   </p:sldLayoutIdLst>
-  <p:transition xmlns:p14="http://schemas.microsoft.com/office/powerpoint/2010/main" spd="med">
+  <p:transition spd="med">
     <p:fade/>
   </p:transition>
   <p:timing>
     <p:tnLst>
       <p:par>
-        <p:cTn xmlns:p14="http://schemas.microsoft.com/office/powerpoint/2010/main" id="1" dur="indefinite" restart="never" nodeType="tmRoot"/>
+        <p:cTn id="1" dur="indefinite" restart="never" nodeType="tmRoot"/>
       </p:par>
     </p:tnLst>
   </p:timing>
@@ -10144,7 +10393,7 @@
           <a:noFill/>
           <a:extLst>
             <a:ext uri="{909E8E84-426E-40dd-AFC4-6F175D3DCCD1}">
-              <a14:hiddenFill xmlns:a14="http://schemas.microsoft.com/office/drawing/2010/main">
+              <a14:hiddenFill xmlns:a14="http://schemas.microsoft.com/office/drawing/2010/main" xmlns="">
                 <a:solidFill>
                   <a:srgbClr val="FFFFFF"/>
                 </a:solidFill>
@@ -10235,13 +10484,13 @@
   <p:clrMapOvr>
     <a:masterClrMapping/>
   </p:clrMapOvr>
-  <p:transition xmlns:p14="http://schemas.microsoft.com/office/powerpoint/2010/main" spd="med">
+  <p:transition spd="med">
     <p:fade/>
   </p:transition>
   <p:timing>
     <p:tnLst>
       <p:par>
-        <p:cTn xmlns:p14="http://schemas.microsoft.com/office/powerpoint/2010/main" id="1" dur="indefinite" restart="never" nodeType="tmRoot"/>
+        <p:cTn id="1" dur="indefinite" restart="never" nodeType="tmRoot"/>
       </p:par>
     </p:tnLst>
   </p:timing>
@@ -10275,6 +10524,221 @@
             <p:ph type="title"/>
           </p:nvPr>
         </p:nvSpPr>
+        <p:spPr/>
+        <p:txBody>
+          <a:bodyPr/>
+          <a:lstStyle/>
+          <a:p>
+            <a:endParaRPr lang="en-US"/>
+          </a:p>
+        </p:txBody>
+      </p:sp>
+      <p:sp>
+        <p:nvSpPr>
+          <p:cNvPr id="5" name="Content Placeholder 4"/>
+          <p:cNvSpPr>
+            <a:spLocks noGrp="1"/>
+          </p:cNvSpPr>
+          <p:nvPr>
+            <p:ph sz="quarter" idx="10"/>
+          </p:nvPr>
+        </p:nvSpPr>
+        <p:spPr>
+          <a:xfrm>
+            <a:off x="914402" y="1320800"/>
+            <a:ext cx="7315200" cy="3429000"/>
+          </a:xfrm>
+        </p:spPr>
+        <p:txBody>
+          <a:bodyPr numCol="2"/>
+          <a:lstStyle/>
+          <a:p>
+            <a:r>
+              <a:rPr lang="en-US" dirty="0" smtClean="0"/>
+              <a:t>Pros</a:t>
+            </a:r>
+          </a:p>
+          <a:p>
+            <a:pPr lvl="1"/>
+            <a:r>
+              <a:rPr lang="en-US" dirty="0" smtClean="0"/>
+              <a:t>Docs/Tutorials</a:t>
+            </a:r>
+          </a:p>
+          <a:p>
+            <a:pPr lvl="1"/>
+            <a:r>
+              <a:rPr lang="en-US" dirty="0" smtClean="0"/>
+              <a:t>Built-in AJAX / JSONP</a:t>
+            </a:r>
+          </a:p>
+          <a:p>
+            <a:pPr lvl="1"/>
+            <a:r>
+              <a:rPr lang="en-US" dirty="0" smtClean="0"/>
+              <a:t>Magic</a:t>
+            </a:r>
+          </a:p>
+          <a:p>
+            <a:pPr lvl="1"/>
+            <a:r>
+              <a:rPr lang="en-US" dirty="0" smtClean="0"/>
+              <a:t>Google</a:t>
+            </a:r>
+          </a:p>
+          <a:p>
+            <a:pPr lvl="1"/>
+            <a:endParaRPr lang="en-US" dirty="0" smtClean="0"/>
+          </a:p>
+          <a:p>
+            <a:pPr lvl="1"/>
+            <a:endParaRPr lang="en-US" dirty="0"/>
+          </a:p>
+          <a:p>
+            <a:pPr lvl="1"/>
+            <a:endParaRPr lang="en-US" dirty="0" smtClean="0"/>
+          </a:p>
+          <a:p>
+            <a:pPr marL="283464" lvl="1" indent="0">
+              <a:buNone/>
+            </a:pPr>
+            <a:endParaRPr lang="en-US" dirty="0" smtClean="0"/>
+          </a:p>
+          <a:p>
+            <a:r>
+              <a:rPr lang="en-US" dirty="0" smtClean="0"/>
+              <a:t>Cons</a:t>
+            </a:r>
+          </a:p>
+          <a:p>
+            <a:pPr lvl="1"/>
+            <a:r>
+              <a:rPr lang="en-US" dirty="0" smtClean="0"/>
+              <a:t>Fuzzy MVC </a:t>
+            </a:r>
+            <a:r>
+              <a:rPr lang="en-US" dirty="0" err="1" smtClean="0"/>
+              <a:t>implementaiton</a:t>
+            </a:r>
+            <a:endParaRPr lang="en-US" dirty="0" smtClean="0"/>
+          </a:p>
+          <a:p>
+            <a:pPr lvl="1"/>
+            <a:r>
+              <a:rPr lang="en-US" dirty="0" smtClean="0"/>
+              <a:t>Non-standard markup (</a:t>
+            </a:r>
+            <a:r>
+              <a:rPr lang="en-US" dirty="0" err="1" smtClean="0"/>
+              <a:t>ng</a:t>
+            </a:r>
+            <a:r>
+              <a:rPr lang="en-US" dirty="0" smtClean="0"/>
+              <a:t>-*)</a:t>
+            </a:r>
+          </a:p>
+          <a:p>
+            <a:pPr lvl="1"/>
+            <a:r>
+              <a:rPr lang="en-US" dirty="0" smtClean="0"/>
+              <a:t>Magic</a:t>
+            </a:r>
+          </a:p>
+          <a:p>
+            <a:pPr lvl="1"/>
+            <a:r>
+              <a:rPr lang="en-US" dirty="0" smtClean="0"/>
+              <a:t>Google</a:t>
+            </a:r>
+          </a:p>
+          <a:p>
+            <a:pPr lvl="1"/>
+            <a:endParaRPr lang="en-US" dirty="0"/>
+          </a:p>
+        </p:txBody>
+      </p:sp>
+      <p:pic>
+        <p:nvPicPr>
+          <p:cNvPr id="7" name="Picture 6" descr="AngularJS-large.png">
+            <a:hlinkClick r:id="rId3"/>
+          </p:cNvPr>
+          <p:cNvPicPr>
+            <a:picLocks noChangeAspect="1"/>
+          </p:cNvPicPr>
+          <p:nvPr/>
+        </p:nvPicPr>
+        <p:blipFill>
+          <a:blip r:embed="rId4">
+            <a:extLst>
+              <a:ext uri="{28A0092B-C50C-407E-A947-70E740481C1C}">
+                <a14:useLocalDpi xmlns:a14="http://schemas.microsoft.com/office/drawing/2010/main" val="0"/>
+              </a:ext>
+            </a:extLst>
+          </a:blip>
+          <a:stretch>
+            <a:fillRect/>
+          </a:stretch>
+        </p:blipFill>
+        <p:spPr>
+          <a:xfrm>
+            <a:off x="2139950" y="4800600"/>
+            <a:ext cx="4864100" cy="1371600"/>
+          </a:xfrm>
+          <a:prstGeom prst="rect">
+            <a:avLst/>
+          </a:prstGeom>
+        </p:spPr>
+      </p:pic>
+    </p:spTree>
+    <p:extLst>
+      <p:ext uri="{BB962C8B-B14F-4D97-AF65-F5344CB8AC3E}">
+        <p14:creationId xmlns:p14="http://schemas.microsoft.com/office/powerpoint/2010/main" val="3723379260"/>
+      </p:ext>
+    </p:extLst>
+  </p:cSld>
+  <p:clrMapOvr>
+    <a:masterClrMapping/>
+  </p:clrMapOvr>
+  <p:transition spd="med">
+    <p:fade/>
+  </p:transition>
+  <p:timing>
+    <p:tnLst>
+      <p:par>
+        <p:cTn id="1" dur="indefinite" restart="never" nodeType="tmRoot"/>
+      </p:par>
+    </p:tnLst>
+  </p:timing>
+</p:sld>
+</file>
+
+<file path=ppt/slides/slide11.xml><?xml version="1.0" encoding="utf-8"?>
+<p:sld xmlns:a="http://schemas.openxmlformats.org/drawingml/2006/main" xmlns:r="http://schemas.openxmlformats.org/officeDocument/2006/relationships" xmlns:p="http://schemas.openxmlformats.org/presentationml/2006/main">
+  <p:cSld>
+    <p:spTree>
+      <p:nvGrpSpPr>
+        <p:cNvPr id="1" name=""/>
+        <p:cNvGrpSpPr/>
+        <p:nvPr/>
+      </p:nvGrpSpPr>
+      <p:grpSpPr>
+        <a:xfrm>
+          <a:off x="0" y="0"/>
+          <a:ext cx="0" cy="0"/>
+          <a:chOff x="0" y="0"/>
+          <a:chExt cx="0" cy="0"/>
+        </a:xfrm>
+      </p:grpSpPr>
+      <p:sp>
+        <p:nvSpPr>
+          <p:cNvPr id="2" name="Title 1"/>
+          <p:cNvSpPr>
+            <a:spLocks noGrp="1"/>
+          </p:cNvSpPr>
+          <p:nvPr>
+            <p:ph type="title"/>
+          </p:nvPr>
+        </p:nvSpPr>
         <p:spPr>
           <a:xfrm>
             <a:off x="685800" y="682625"/>
@@ -10304,7 +10768,7 @@
           </p:nvPr>
         </p:nvPicPr>
         <p:blipFill>
-          <a:blip r:embed="rId2">
+          <a:blip r:embed="rId3">
             <a:extLst>
               <a:ext uri="{28A0092B-C50C-407E-A947-70E740481C1C}">
                 <a14:useLocalDpi xmlns:a14="http://schemas.microsoft.com/office/drawing/2010/main" val="0"/>
@@ -10328,20 +10792,20 @@
   <p:clrMapOvr>
     <a:masterClrMapping/>
   </p:clrMapOvr>
-  <p:transition xmlns:p14="http://schemas.microsoft.com/office/powerpoint/2010/main" spd="med">
+  <p:transition spd="med">
     <p:fade/>
   </p:transition>
   <p:timing>
     <p:tnLst>
       <p:par>
-        <p:cTn xmlns:p14="http://schemas.microsoft.com/office/powerpoint/2010/main" id="1" dur="indefinite" restart="never" nodeType="tmRoot"/>
+        <p:cTn id="1" dur="indefinite" restart="never" nodeType="tmRoot"/>
       </p:par>
     </p:tnLst>
   </p:timing>
 </p:sld>
 </file>
 
-<file path=ppt/slides/slide11.xml><?xml version="1.0" encoding="utf-8"?>
+<file path=ppt/slides/slide12.xml><?xml version="1.0" encoding="utf-8"?>
 <p:sld xmlns:a="http://schemas.openxmlformats.org/drawingml/2006/main" xmlns:r="http://schemas.openxmlformats.org/officeDocument/2006/relationships" xmlns:p="http://schemas.openxmlformats.org/presentationml/2006/main">
   <p:cSld>
     <p:spTree>
@@ -10464,13 +10928,13 @@
   <p:clrMapOvr>
     <a:masterClrMapping/>
   </p:clrMapOvr>
-  <p:transition xmlns:p14="http://schemas.microsoft.com/office/powerpoint/2010/main" spd="med">
+  <p:transition spd="med">
     <p:fade/>
   </p:transition>
 </p:sld>
 </file>
 
-<file path=ppt/slides/slide12.xml><?xml version="1.0" encoding="utf-8"?>
+<file path=ppt/slides/slide13.xml><?xml version="1.0" encoding="utf-8"?>
 <p:sld xmlns:a="http://schemas.openxmlformats.org/drawingml/2006/main" xmlns:r="http://schemas.openxmlformats.org/officeDocument/2006/relationships" xmlns:p="http://schemas.openxmlformats.org/presentationml/2006/main">
   <p:cSld>
     <p:spTree>
@@ -10537,7 +11001,6 @@
               <a:rPr lang="en-US" dirty="0" smtClean="0"/>
               <a:t>No dependencies</a:t>
             </a:r>
-            <a:endParaRPr lang="en-US" dirty="0" smtClean="0"/>
           </a:p>
           <a:p>
             <a:pPr lvl="1"/>
@@ -10552,7 +11015,6 @@
               <a:rPr lang="en-US" dirty="0" smtClean="0"/>
               <a:t>Good docs &amp; examples</a:t>
             </a:r>
-            <a:endParaRPr lang="en-US" dirty="0" smtClean="0"/>
           </a:p>
           <a:p>
             <a:pPr lvl="1"/>
@@ -10571,11 +11033,9 @@
             <a:endParaRPr lang="en-US" dirty="0" smtClean="0"/>
           </a:p>
           <a:p>
-            <a:pPr lvl="1"/>
-            <a:endParaRPr lang="en-US" dirty="0"/>
-          </a:p>
-          <a:p>
-            <a:pPr lvl="1"/>
+            <a:pPr marL="283464" lvl="1" indent="0">
+              <a:buNone/>
+            </a:pPr>
             <a:endParaRPr lang="en-US" dirty="0" smtClean="0"/>
           </a:p>
           <a:p>
@@ -10590,7 +11050,6 @@
               <a:rPr lang="en-US" dirty="0" smtClean="0"/>
               <a:t>No routes/history</a:t>
             </a:r>
-            <a:endParaRPr lang="en-US" dirty="0" smtClean="0"/>
           </a:p>
           <a:p>
             <a:pPr lvl="1"/>
@@ -10598,7 +11057,6 @@
               <a:rPr lang="en-US" dirty="0" smtClean="0"/>
               <a:t>HTML can become bloated with bindings</a:t>
             </a:r>
-            <a:endParaRPr lang="en-US" dirty="0" smtClean="0"/>
           </a:p>
           <a:p>
             <a:pPr lvl="1"/>
@@ -10648,20 +11106,20 @@
   <p:clrMapOvr>
     <a:masterClrMapping/>
   </p:clrMapOvr>
-  <p:transition xmlns:p14="http://schemas.microsoft.com/office/powerpoint/2010/main" spd="med">
+  <p:transition spd="med">
     <p:fade/>
   </p:transition>
   <p:timing>
     <p:tnLst>
       <p:par>
-        <p:cTn xmlns:p14="http://schemas.microsoft.com/office/powerpoint/2010/main" id="1" dur="indefinite" restart="never" nodeType="tmRoot"/>
+        <p:cTn id="1" dur="indefinite" restart="never" nodeType="tmRoot"/>
       </p:par>
     </p:tnLst>
   </p:timing>
 </p:sld>
 </file>
 
-<file path=ppt/slides/slide13.xml><?xml version="1.0" encoding="utf-8"?>
+<file path=ppt/slides/slide14.xml><?xml version="1.0" encoding="utf-8"?>
 <p:sld xmlns:a="http://schemas.openxmlformats.org/drawingml/2006/main" xmlns:r="http://schemas.openxmlformats.org/officeDocument/2006/relationships" xmlns:p="http://schemas.openxmlformats.org/presentationml/2006/main">
   <p:cSld>
     <p:spTree>
@@ -10721,20 +11179,20 @@
   <p:clrMapOvr>
     <a:masterClrMapping/>
   </p:clrMapOvr>
-  <p:transition xmlns:p14="http://schemas.microsoft.com/office/powerpoint/2010/main" spd="med">
+  <p:transition spd="med">
     <p:fade/>
   </p:transition>
   <p:timing>
     <p:tnLst>
       <p:par>
-        <p:cTn xmlns:p14="http://schemas.microsoft.com/office/powerpoint/2010/main" id="1" dur="indefinite" restart="never" nodeType="tmRoot"/>
+        <p:cTn id="1" dur="indefinite" restart="never" nodeType="tmRoot"/>
       </p:par>
     </p:tnLst>
   </p:timing>
 </p:sld>
 </file>
 
-<file path=ppt/slides/slide14.xml><?xml version="1.0" encoding="utf-8"?>
+<file path=ppt/slides/slide15.xml><?xml version="1.0" encoding="utf-8"?>
 <p:sld xmlns:a="http://schemas.openxmlformats.org/drawingml/2006/main" xmlns:r="http://schemas.openxmlformats.org/officeDocument/2006/relationships" xmlns:p="http://schemas.openxmlformats.org/presentationml/2006/main">
   <p:cSld>
     <p:spTree>
@@ -11009,11 +11467,7 @@
             </a:pPr>
             <a:r>
               <a:rPr lang="en-US" dirty="0" smtClean="0"/>
-              <a:t>Matt </a:t>
-            </a:r>
-            <a:r>
-              <a:rPr lang="en-US" dirty="0" smtClean="0"/>
-              <a:t>Driscoll (@</a:t>
+              <a:t>Matt Driscoll (@</a:t>
             </a:r>
             <a:r>
               <a:rPr lang="en-US" dirty="0" err="1" smtClean="0"/>
@@ -11126,7 +11580,6 @@
               <a:rPr lang="en-US" sz="2000" b="1" dirty="0" smtClean="0"/>
               <a:t> – Offering ID: 394</a:t>
             </a:r>
-            <a:endParaRPr lang="en-US" sz="2000" b="1" dirty="0" smtClean="0"/>
           </a:p>
         </p:txBody>
       </p:sp>
@@ -11140,13 +11593,13 @@
   <p:clrMapOvr>
     <a:masterClrMapping/>
   </p:clrMapOvr>
-  <p:transition xmlns:p14="http://schemas.microsoft.com/office/powerpoint/2010/main" spd="med">
+  <p:transition spd="med">
     <p:fade/>
   </p:transition>
   <p:timing>
     <p:tnLst>
       <p:par>
-        <p:cTn xmlns:p14="http://schemas.microsoft.com/office/powerpoint/2010/main" id="1" dur="indefinite" restart="never" nodeType="tmRoot"/>
+        <p:cTn id="1" dur="indefinite" restart="never" nodeType="tmRoot"/>
       </p:par>
     </p:tnLst>
   </p:timing>
@@ -11361,13 +11814,13 @@
   <p:clrMapOvr>
     <a:masterClrMapping/>
   </p:clrMapOvr>
-  <p:transition xmlns:p14="http://schemas.microsoft.com/office/powerpoint/2010/main" spd="med">
+  <p:transition spd="med">
     <p:fade/>
   </p:transition>
   <p:timing>
     <p:tnLst>
       <p:par>
-        <p:cTn xmlns:p14="http://schemas.microsoft.com/office/powerpoint/2010/main" id="1" dur="indefinite" restart="never" nodeType="tmRoot"/>
+        <p:cTn id="1" dur="indefinite" restart="never" nodeType="tmRoot"/>
       </p:par>
     </p:tnLst>
   </p:timing>
@@ -11455,6 +11908,36 @@
           </a:p>
         </p:txBody>
       </p:sp>
+      <p:pic>
+        <p:nvPicPr>
+          <p:cNvPr id="3" name="Picture 2"/>
+          <p:cNvPicPr>
+            <a:picLocks noChangeAspect="1"/>
+          </p:cNvPicPr>
+          <p:nvPr/>
+        </p:nvPicPr>
+        <p:blipFill>
+          <a:blip r:embed="rId3">
+            <a:extLst>
+              <a:ext uri="{28A0092B-C50C-407E-A947-70E740481C1C}">
+                <a14:useLocalDpi xmlns:a14="http://schemas.microsoft.com/office/drawing/2010/main" val="0"/>
+              </a:ext>
+            </a:extLst>
+          </a:blip>
+          <a:stretch>
+            <a:fillRect/>
+          </a:stretch>
+        </p:blipFill>
+        <p:spPr>
+          <a:xfrm>
+            <a:off x="6096000" y="3524250"/>
+            <a:ext cx="3048000" cy="3333750"/>
+          </a:xfrm>
+          <a:prstGeom prst="rect">
+            <a:avLst/>
+          </a:prstGeom>
+        </p:spPr>
+      </p:pic>
     </p:spTree>
     <p:extLst>
       <p:ext uri="{BB962C8B-B14F-4D97-AF65-F5344CB8AC3E}">
@@ -11465,13 +11948,13 @@
   <p:clrMapOvr>
     <a:masterClrMapping/>
   </p:clrMapOvr>
-  <p:transition xmlns:p14="http://schemas.microsoft.com/office/powerpoint/2010/main" spd="med">
+  <p:transition spd="med">
     <p:fade/>
   </p:transition>
   <p:timing>
     <p:tnLst>
       <p:par>
-        <p:cTn xmlns:p14="http://schemas.microsoft.com/office/powerpoint/2010/main" id="1" dur="indefinite" restart="never" nodeType="tmRoot"/>
+        <p:cTn id="1" dur="indefinite" restart="never" nodeType="tmRoot"/>
       </p:par>
     </p:tnLst>
   </p:timing>
@@ -11520,7 +12003,9 @@
       </p:sp>
       <p:pic>
         <p:nvPicPr>
-          <p:cNvPr id="3" name="Content Placeholder 2" descr="app.png"/>
+          <p:cNvPr id="3" name="Content Placeholder 2" descr="app.png">
+            <a:hlinkClick r:id="rId3"/>
+          </p:cNvPr>
           <p:cNvPicPr>
             <a:picLocks noGrp="1" noChangeAspect="1"/>
           </p:cNvPicPr>
@@ -11529,7 +12014,7 @@
           </p:nvPr>
         </p:nvPicPr>
         <p:blipFill>
-          <a:blip r:embed="rId3">
+          <a:blip r:embed="rId4">
             <a:extLst>
               <a:ext uri="{28A0092B-C50C-407E-A947-70E740481C1C}">
                 <a14:useLocalDpi xmlns:a14="http://schemas.microsoft.com/office/drawing/2010/main" val="0"/>
@@ -11553,13 +12038,13 @@
   <p:clrMapOvr>
     <a:masterClrMapping/>
   </p:clrMapOvr>
-  <p:transition xmlns:p14="http://schemas.microsoft.com/office/powerpoint/2010/main" spd="med">
+  <p:transition spd="med">
     <p:fade/>
   </p:transition>
   <p:timing>
     <p:tnLst>
       <p:par>
-        <p:cTn xmlns:p14="http://schemas.microsoft.com/office/powerpoint/2010/main" id="1" dur="indefinite" restart="never" nodeType="tmRoot"/>
+        <p:cTn id="1" dur="indefinite" restart="never" nodeType="tmRoot"/>
       </p:par>
     </p:tnLst>
   </p:timing>
@@ -11637,13 +12122,13 @@
   <p:clrMapOvr>
     <a:masterClrMapping/>
   </p:clrMapOvr>
-  <p:transition xmlns:p14="http://schemas.microsoft.com/office/powerpoint/2010/main" spd="med">
+  <p:transition spd="med">
     <p:fade/>
   </p:transition>
   <p:timing>
     <p:tnLst>
       <p:par>
-        <p:cTn xmlns:p14="http://schemas.microsoft.com/office/powerpoint/2010/main" id="1" dur="indefinite" restart="never" nodeType="tmRoot"/>
+        <p:cTn id="1" dur="indefinite" restart="never" nodeType="tmRoot"/>
       </p:par>
     </p:tnLst>
   </p:timing>
@@ -11701,7 +12186,7 @@
           </p:nvPr>
         </p:nvPicPr>
         <p:blipFill>
-          <a:blip r:embed="rId2">
+          <a:blip r:embed="rId3">
             <a:extLst>
               <a:ext uri="{28A0092B-C50C-407E-A947-70E740481C1C}">
                 <a14:useLocalDpi xmlns:a14="http://schemas.microsoft.com/office/drawing/2010/main" val="0"/>
@@ -11725,7 +12210,7 @@
   <p:clrMapOvr>
     <a:masterClrMapping/>
   </p:clrMapOvr>
-  <p:transition xmlns:p14="http://schemas.microsoft.com/office/powerpoint/2010/main" spd="med">
+  <p:transition spd="med">
     <p:fade/>
   </p:transition>
 </p:sld>
@@ -11868,7 +12353,7 @@
   <p:clrMapOvr>
     <a:masterClrMapping/>
   </p:clrMapOvr>
-  <p:transition xmlns:p14="http://schemas.microsoft.com/office/powerpoint/2010/main" spd="med">
+  <p:transition spd="med">
     <p:fade/>
   </p:transition>
 </p:sld>
@@ -11955,7 +12440,6 @@
               <a:rPr lang="en-US" dirty="0" smtClean="0"/>
               <a:t>Routers / History</a:t>
             </a:r>
-            <a:endParaRPr lang="en-US" dirty="0" smtClean="0"/>
           </a:p>
           <a:p>
             <a:pPr lvl="1"/>
@@ -11963,7 +12447,6 @@
               <a:rPr lang="en-US" dirty="0" smtClean="0"/>
               <a:t>Underscore Helper Functions</a:t>
             </a:r>
-            <a:endParaRPr lang="en-US" dirty="0" smtClean="0"/>
           </a:p>
           <a:p>
             <a:pPr lvl="1"/>
@@ -11978,11 +12461,9 @@
             <a:endParaRPr lang="en-US" dirty="0" smtClean="0"/>
           </a:p>
           <a:p>
-            <a:pPr lvl="1"/>
-            <a:endParaRPr lang="en-US" dirty="0"/>
-          </a:p>
-          <a:p>
-            <a:pPr lvl="1"/>
+            <a:pPr marL="283464" lvl="1" indent="0">
+              <a:buNone/>
+            </a:pPr>
             <a:endParaRPr lang="en-US" dirty="0" smtClean="0"/>
           </a:p>
           <a:p>
@@ -12011,7 +12492,6 @@
               <a:rPr lang="en-US" dirty="0" smtClean="0"/>
               <a:t>_</a:t>
             </a:r>
-            <a:endParaRPr lang="en-US" dirty="0" smtClean="0"/>
           </a:p>
           <a:p>
             <a:pPr lvl="1"/>
@@ -12061,13 +12541,13 @@
   <p:clrMapOvr>
     <a:masterClrMapping/>
   </p:clrMapOvr>
-  <p:transition xmlns:p14="http://schemas.microsoft.com/office/powerpoint/2010/main" spd="med">
+  <p:transition spd="med">
     <p:fade/>
   </p:transition>
   <p:timing>
     <p:tnLst>
       <p:par>
-        <p:cTn xmlns:p14="http://schemas.microsoft.com/office/powerpoint/2010/main" id="1" dur="indefinite" restart="never" nodeType="tmRoot"/>
+        <p:cTn id="1" dur="indefinite" restart="never" nodeType="tmRoot"/>
       </p:par>
     </p:tnLst>
   </p:timing>
@@ -12106,13 +12586,17 @@
           <a:bodyPr/>
           <a:lstStyle/>
           <a:p>
-            <a:endParaRPr lang="en-US"/>
-          </a:p>
-        </p:txBody>
-      </p:sp>
-      <p:sp>
-        <p:nvSpPr>
-          <p:cNvPr id="5" name="Content Placeholder 4"/>
+            <a:r>
+              <a:rPr lang="en-US" dirty="0" smtClean="0"/>
+              <a:t>Angular.js</a:t>
+            </a:r>
+            <a:endParaRPr lang="en-US" dirty="0"/>
+          </a:p>
+        </p:txBody>
+      </p:sp>
+      <p:sp>
+        <p:nvSpPr>
+          <p:cNvPr id="3" name="Content Placeholder 2"/>
           <p:cNvSpPr>
             <a:spLocks noGrp="1"/>
           </p:cNvSpPr>
@@ -12120,174 +12604,85 @@
             <p:ph sz="quarter" idx="10"/>
           </p:nvPr>
         </p:nvSpPr>
-        <p:spPr>
-          <a:xfrm>
-            <a:off x="914402" y="1320800"/>
-            <a:ext cx="7315200" cy="3429000"/>
-          </a:xfrm>
-        </p:spPr>
-        <p:txBody>
-          <a:bodyPr numCol="2"/>
+        <p:spPr/>
+        <p:txBody>
+          <a:bodyPr/>
           <a:lstStyle/>
           <a:p>
-            <a:r>
-              <a:rPr lang="en-US" dirty="0" smtClean="0"/>
-              <a:t>Pros</a:t>
-            </a:r>
-          </a:p>
-          <a:p>
-            <a:pPr lvl="1"/>
-            <a:r>
-              <a:rPr lang="en-US" dirty="0" smtClean="0"/>
-              <a:t>Docs/Tutorials</a:t>
-            </a:r>
-          </a:p>
-          <a:p>
-            <a:pPr lvl="1"/>
-            <a:r>
-              <a:rPr lang="en-US" dirty="0" smtClean="0"/>
-              <a:t>Built-in AJAX / JSONP</a:t>
-            </a:r>
-          </a:p>
-          <a:p>
-            <a:pPr lvl="1"/>
-            <a:r>
-              <a:rPr lang="en-US" dirty="0" smtClean="0"/>
-              <a:t>Magic</a:t>
-            </a:r>
-          </a:p>
-          <a:p>
-            <a:pPr lvl="1"/>
-            <a:r>
-              <a:rPr lang="en-US" dirty="0" smtClean="0"/>
-              <a:t>Google</a:t>
-            </a:r>
-          </a:p>
-          <a:p>
-            <a:pPr lvl="1"/>
-            <a:endParaRPr lang="en-US" dirty="0" smtClean="0"/>
-          </a:p>
-          <a:p>
-            <a:pPr lvl="1"/>
             <a:endParaRPr lang="en-US" dirty="0"/>
           </a:p>
-          <a:p>
-            <a:pPr lvl="1"/>
-            <a:endParaRPr lang="en-US" dirty="0" smtClean="0"/>
-          </a:p>
-          <a:p>
-            <a:pPr lvl="1"/>
-            <a:endParaRPr lang="en-US" dirty="0"/>
-          </a:p>
-          <a:p>
-            <a:pPr lvl="1"/>
-            <a:endParaRPr lang="en-US" dirty="0" smtClean="0"/>
-          </a:p>
-          <a:p>
-            <a:r>
-              <a:rPr lang="en-US" dirty="0" smtClean="0"/>
-              <a:t>Cons</a:t>
-            </a:r>
-          </a:p>
-          <a:p>
-            <a:pPr lvl="1"/>
-            <a:r>
-              <a:rPr lang="en-US" dirty="0" smtClean="0"/>
-              <a:t>Fuzzy MVC </a:t>
-            </a:r>
-            <a:r>
-              <a:rPr lang="en-US" dirty="0" err="1" smtClean="0"/>
-              <a:t>implementaiton</a:t>
-            </a:r>
-            <a:endParaRPr lang="en-US" dirty="0" smtClean="0"/>
-          </a:p>
-          <a:p>
-            <a:pPr lvl="1"/>
-            <a:r>
-              <a:rPr lang="en-US" dirty="0" smtClean="0"/>
-              <a:t>Non-standard markup (</a:t>
-            </a:r>
-            <a:r>
-              <a:rPr lang="en-US" dirty="0" err="1" smtClean="0"/>
-              <a:t>ng</a:t>
-            </a:r>
-            <a:r>
-              <a:rPr lang="en-US" dirty="0" smtClean="0"/>
-              <a:t>-*)</a:t>
-            </a:r>
-          </a:p>
-          <a:p>
-            <a:pPr lvl="1"/>
-            <a:r>
-              <a:rPr lang="en-US" dirty="0" smtClean="0"/>
-              <a:t>Magic</a:t>
-            </a:r>
-          </a:p>
-          <a:p>
-            <a:pPr lvl="1"/>
-            <a:r>
-              <a:rPr lang="en-US" dirty="0" smtClean="0"/>
-              <a:t>Google</a:t>
-            </a:r>
-          </a:p>
-          <a:p>
-            <a:pPr lvl="1"/>
-            <a:endParaRPr lang="en-US" dirty="0"/>
-          </a:p>
-        </p:txBody>
-      </p:sp>
-      <p:pic>
-        <p:nvPicPr>
-          <p:cNvPr id="7" name="Picture 6" descr="AngularJS-large.png">
-            <a:hlinkClick r:id="rId3"/>
-          </p:cNvPr>
-          <p:cNvPicPr>
-            <a:picLocks noChangeAspect="1"/>
-          </p:cNvPicPr>
-          <p:nvPr/>
-        </p:nvPicPr>
-        <p:blipFill>
-          <a:blip r:embed="rId4">
-            <a:extLst>
-              <a:ext uri="{28A0092B-C50C-407E-A947-70E740481C1C}">
-                <a14:useLocalDpi xmlns:a14="http://schemas.microsoft.com/office/drawing/2010/main" val="0"/>
-              </a:ext>
-            </a:extLst>
-          </a:blip>
-          <a:stretch>
-            <a:fillRect/>
-          </a:stretch>
-        </p:blipFill>
-        <p:spPr>
-          <a:xfrm>
-            <a:off x="2139950" y="4800600"/>
-            <a:ext cx="4864100" cy="1371600"/>
-          </a:xfrm>
-          <a:prstGeom prst="rect">
-            <a:avLst/>
-          </a:prstGeom>
-        </p:spPr>
-      </p:pic>
+        </p:txBody>
+      </p:sp>
+      <p:graphicFrame>
+        <p:nvGraphicFramePr>
+          <p:cNvPr id="5" name="Object 4"/>
+          <p:cNvGraphicFramePr>
+            <a:graphicFrameLocks noChangeAspect="1"/>
+          </p:cNvGraphicFramePr>
+          <p:nvPr>
+            <p:extLst>
+              <p:ext uri="{D42A27DB-BD31-4B8C-83A1-F6EECF244321}">
+                <p14:modId xmlns:p14="http://schemas.microsoft.com/office/powerpoint/2010/main" val="2739160878"/>
+              </p:ext>
+            </p:extLst>
+          </p:nvPr>
+        </p:nvGraphicFramePr>
+        <p:xfrm>
+          <a:off x="2263014" y="1828800"/>
+          <a:ext cx="4405462" cy="3429000"/>
+        </p:xfrm>
+        <a:graphic>
+          <a:graphicData uri="http://schemas.openxmlformats.org/presentationml/2006/ole">
+            <mc:AlternateContent xmlns:mc="http://schemas.openxmlformats.org/markup-compatibility/2006">
+              <mc:Choice xmlns:v="urn:schemas-microsoft-com:vml" Requires="v">
+                <p:oleObj spid="_x0000_s1027" name="Image" r:id="rId3" imgW="12888720" imgH="10031400" progId="Photoshop.Image.13">
+                  <p:embed/>
+                </p:oleObj>
+              </mc:Choice>
+              <mc:Fallback>
+                <p:oleObj name="Image" r:id="rId3" imgW="12888720" imgH="10031400" progId="Photoshop.Image.13">
+                  <p:embed/>
+                  <p:pic>
+                    <p:nvPicPr>
+                      <p:cNvPr id="0" name=""/>
+                      <p:cNvPicPr/>
+                      <p:nvPr/>
+                    </p:nvPicPr>
+                    <p:blipFill>
+                      <a:blip r:embed="rId4"/>
+                      <a:stretch>
+                        <a:fillRect/>
+                      </a:stretch>
+                    </p:blipFill>
+                    <p:spPr>
+                      <a:xfrm>
+                        <a:off x="2263014" y="1828800"/>
+                        <a:ext cx="4405462" cy="3429000"/>
+                      </a:xfrm>
+                      <a:prstGeom prst="rect">
+                        <a:avLst/>
+                      </a:prstGeom>
+                    </p:spPr>
+                  </p:pic>
+                </p:oleObj>
+              </mc:Fallback>
+            </mc:AlternateContent>
+          </a:graphicData>
+        </a:graphic>
+      </p:graphicFrame>
     </p:spTree>
     <p:extLst>
       <p:ext uri="{BB962C8B-B14F-4D97-AF65-F5344CB8AC3E}">
-        <p14:creationId xmlns:p14="http://schemas.microsoft.com/office/powerpoint/2010/main" val="3723379260"/>
+        <p14:creationId xmlns:p14="http://schemas.microsoft.com/office/powerpoint/2010/main" val="2761304588"/>
       </p:ext>
     </p:extLst>
   </p:cSld>
   <p:clrMapOvr>
     <a:masterClrMapping/>
   </p:clrMapOvr>
-  <p:transition xmlns:p14="http://schemas.microsoft.com/office/powerpoint/2010/main" spd="med">
+  <p:transition spd="med">
     <p:fade/>
   </p:transition>
-  <p:timing>
-    <p:tnLst>
-      <p:par>
-        <p:cTn xmlns:p14="http://schemas.microsoft.com/office/powerpoint/2010/main" id="1" dur="indefinite" restart="never" nodeType="tmRoot"/>
-      </p:par>
-    </p:tnLst>
-  </p:timing>
 </p:sld>
 </file>
 
@@ -13218,15 +13613,6 @@
 </file>
 
 <file path=customXml/item1.xml><?xml version="1.0" encoding="utf-8"?>
-<?mso-contentType ?>
-<FormTemplates xmlns="http://schemas.microsoft.com/sharepoint/v3/contenttype/forms">
-  <Display>DocumentLibraryForm</Display>
-  <Edit>DocumentLibraryForm</Edit>
-  <New>DocumentLibraryForm</New>
-</FormTemplates>
-</file>
-
-<file path=customXml/item2.xml><?xml version="1.0" encoding="utf-8"?>
 <ct:contentTypeSchema xmlns:ct="http://schemas.microsoft.com/office/2006/metadata/contentType" xmlns:ma="http://schemas.microsoft.com/office/2006/metadata/properties/metaAttributes" ct:_="" ma:_="" ma:contentTypeName="Document" ma:contentTypeID="0x0101007ACEDCC1796C5046AD2614E8CD10690B" ma:contentTypeVersion="" ma:contentTypeDescription="Create a new document." ma:contentTypeScope="" ma:versionID="7a0b9409e5b6c9f27887523c45edc985">
   <xsd:schema xmlns:xsd="http://www.w3.org/2001/XMLSchema" xmlns:xs="http://www.w3.org/2001/XMLSchema" xmlns:p="http://schemas.microsoft.com/office/2006/metadata/properties" xmlns:ns1="http://schemas.microsoft.com/sharepoint/v3" xmlns:ns2="747695CA-BE95-49F2-97F6-28EF370A5422" targetNamespace="http://schemas.microsoft.com/office/2006/metadata/properties" ma:root="true" ma:fieldsID="d5cd47e85bc1547036c33c7dbad77043" ns1:_="" ns2:_="">
     <xsd:import namespace="http://schemas.microsoft.com/sharepoint/v3"/>
@@ -13689,6 +14075,15 @@
 </ct:contentTypeSchema>
 </file>
 
+<file path=customXml/item2.xml><?xml version="1.0" encoding="utf-8"?>
+<?mso-contentType ?>
+<FormTemplates xmlns="http://schemas.microsoft.com/sharepoint/v3/contenttype/forms">
+  <Display>DocumentLibraryForm</Display>
+  <Edit>DocumentLibraryForm</Edit>
+  <New>DocumentLibraryForm</New>
+</FormTemplates>
+</file>
+
 <file path=customXml/item3.xml><?xml version="1.0" encoding="utf-8"?>
 <p:properties xmlns:p="http://schemas.microsoft.com/office/2006/metadata/properties" xmlns:xsi="http://www.w3.org/2001/XMLSchema-instance" xmlns:pc="http://schemas.microsoft.com/office/infopath/2007/PartnerControls">
   <documentManagement>
@@ -13705,14 +14100,6 @@
 </file>
 
 <file path=customXml/itemProps1.xml><?xml version="1.0" encoding="utf-8"?>
-<ds:datastoreItem xmlns:ds="http://schemas.openxmlformats.org/officeDocument/2006/customXml" ds:itemID="{89805D6C-B8DC-404E-9641-F8CAEFFAF152}">
-  <ds:schemaRefs>
-    <ds:schemaRef ds:uri="http://schemas.microsoft.com/sharepoint/v3/contenttype/forms"/>
-  </ds:schemaRefs>
-</ds:datastoreItem>
-</file>
-
-<file path=customXml/itemProps2.xml><?xml version="1.0" encoding="utf-8"?>
 <ds:datastoreItem xmlns:ds="http://schemas.openxmlformats.org/officeDocument/2006/customXml" ds:itemID="{DF0BE6BF-E87A-46EF-BDDD-199149C256DE}">
   <ds:schemaRefs>
     <ds:schemaRef ds:uri="http://schemas.microsoft.com/office/2006/metadata/contentType"/>
@@ -13731,6 +14118,14 @@
 </ds:datastoreItem>
 </file>
 
+<file path=customXml/itemProps2.xml><?xml version="1.0" encoding="utf-8"?>
+<ds:datastoreItem xmlns:ds="http://schemas.openxmlformats.org/officeDocument/2006/customXml" ds:itemID="{89805D6C-B8DC-404E-9641-F8CAEFFAF152}">
+  <ds:schemaRefs>
+    <ds:schemaRef ds:uri="http://schemas.microsoft.com/sharepoint/v3/contenttype/forms"/>
+  </ds:schemaRefs>
+</ds:datastoreItem>
+</file>
+
 <file path=customXml/itemProps3.xml><?xml version="1.0" encoding="utf-8"?>
 <ds:datastoreItem xmlns:ds="http://schemas.openxmlformats.org/officeDocument/2006/customXml" ds:itemID="{D4A1F543-0560-4885-97B7-BFA7C1FD3A41}">
   <ds:schemaRefs>

--- a/Working with Application Frameworks and ArcGIS API for JavaScript.pptx
+++ b/Working with Application Frameworks and ArcGIS API for JavaScript.pptx
@@ -1137,11 +1137,7 @@
           <a:p>
             <a:r>
               <a:rPr lang="en-US" dirty="0" smtClean="0"/>
-              <a:t>Separation </a:t>
-            </a:r>
-            <a:r>
-              <a:rPr lang="en-US" dirty="0" smtClean="0"/>
-              <a:t>of concerns:  your JS shouldn’t be directly updating your DOM. Modularize</a:t>
+              <a:t>Separation of concerns:  your JS shouldn’t be directly updating your DOM. Modularize</a:t>
             </a:r>
             <a:r>
               <a:rPr lang="en-US" baseline="0" dirty="0" smtClean="0"/>
@@ -1154,13 +1150,8 @@
           <a:p>
             <a:r>
               <a:rPr lang="en-US" baseline="0" dirty="0" smtClean="0"/>
-              <a:t>DRY:  don’t repeat yourself:  do things in one place, easier to maintain your code, less error prone</a:t>
-            </a:r>
-            <a:r>
-              <a:rPr lang="en-US" baseline="0" dirty="0" smtClean="0"/>
-              <a:t>. Let framework handle events and routing.</a:t>
-            </a:r>
-            <a:endParaRPr lang="en-US" baseline="0" dirty="0" smtClean="0"/>
+              <a:t>DRY:  don’t repeat yourself:  do things in one place, easier to maintain your code, less error prone. Let framework handle events and routing.</a:t>
+            </a:r>
           </a:p>
           <a:p>
             <a:endParaRPr lang="en-US" baseline="0" dirty="0" smtClean="0"/>
@@ -1177,11 +1168,7 @@
           <a:p>
             <a:r>
               <a:rPr lang="en-US" baseline="0" dirty="0" smtClean="0"/>
-              <a:t>Fun:  write less boilerplate/scaffolding, focus on doing tasks unique to your app. Creating/disconnecting </a:t>
-            </a:r>
-            <a:r>
-              <a:rPr lang="en-US" baseline="0" dirty="0" smtClean="0"/>
-              <a:t>events</a:t>
+              <a:t>Fun:  write less boilerplate/scaffolding, focus on doing tasks unique to your app. Creating/disconnecting events</a:t>
             </a:r>
           </a:p>
           <a:p>
@@ -1210,7 +1197,6 @@
               <a:rPr lang="en-US" baseline="0" dirty="0" smtClean="0"/>
               <a:t>Can have multiple people working on different things like models and views and they wont be editing the same file in some cases.</a:t>
             </a:r>
-            <a:endParaRPr lang="en-US" baseline="0" dirty="0" smtClean="0"/>
           </a:p>
         </p:txBody>
       </p:sp>
@@ -1301,13 +1287,8 @@
             </a:r>
             <a:r>
               <a:rPr lang="en-US" baseline="0" dirty="0" smtClean="0"/>
-              <a:t> a couple of years ago with a previous release of the ArcGIS API for JavaScript. All JS API + Dojo. No MVC… manually manipulating DOM, concatenating strings…got the job done, and many, many apps are built this way, but there are tons of places for improvement</a:t>
-            </a:r>
-            <a:r>
-              <a:rPr lang="en-US" baseline="0" dirty="0" smtClean="0"/>
-              <a:t>.</a:t>
-            </a:r>
-            <a:endParaRPr lang="en-US" baseline="0" dirty="0" smtClean="0"/>
+              <a:t> a couple of years ago with a previous release of the ArcGIS API for JavaScript. All JS API + Dojo. No MVC… manually manipulating DOM, concatenating strings…got the job done, and many, many apps are built this way, but there are tons of places for improvement.</a:t>
+            </a:r>
           </a:p>
         </p:txBody>
       </p:sp>
@@ -1631,11 +1612,7 @@
           <a:p>
             <a:r>
               <a:rPr lang="en-US" baseline="0" dirty="0" smtClean="0"/>
-              <a:t>	- Views are backed by models and can update </a:t>
-            </a:r>
-            <a:r>
-              <a:rPr lang="en-US" baseline="0" dirty="0" smtClean="0"/>
-              <a:t>HTML and </a:t>
+              <a:t>	- Views are backed by models and can update HTML and </a:t>
             </a:r>
             <a:r>
               <a:rPr lang="en-US" baseline="0" dirty="0" err="1" smtClean="0"/>
@@ -1643,11 +1620,7 @@
             </a:r>
             <a:r>
               <a:rPr lang="en-US" baseline="0" dirty="0" smtClean="0"/>
-              <a:t> nodes when </a:t>
-            </a:r>
-            <a:r>
-              <a:rPr lang="en-US" baseline="0" dirty="0" smtClean="0"/>
-              <a:t>the model changes</a:t>
+              <a:t> nodes when the model changes</a:t>
             </a:r>
           </a:p>
           <a:p>
@@ -1701,11 +1674,7 @@
           <a:p>
             <a:r>
               <a:rPr lang="en-US" baseline="0" dirty="0" smtClean="0"/>
-              <a:t>	- Listen to multiple </a:t>
-            </a:r>
-            <a:r>
-              <a:rPr lang="en-US" baseline="0" dirty="0" smtClean="0"/>
-              <a:t>models</a:t>
+              <a:t>	- Listen to multiple models</a:t>
             </a:r>
           </a:p>
           <a:p>
@@ -10393,7 +10362,7 @@
           <a:noFill/>
           <a:extLst>
             <a:ext uri="{909E8E84-426E-40dd-AFC4-6F175D3DCCD1}">
-              <a14:hiddenFill xmlns:a14="http://schemas.microsoft.com/office/drawing/2010/main" xmlns="">
+              <a14:hiddenFill xmlns="" xmlns:a14="http://schemas.microsoft.com/office/drawing/2010/main">
                 <a:solidFill>
                   <a:srgbClr val="FFFFFF"/>
                 </a:solidFill>
@@ -10469,6 +10438,45 @@
             <a:r>
               <a:rPr lang="en-US" dirty="0" smtClean="0"/>
               <a:t>)</a:t>
+            </a:r>
+            <a:endParaRPr lang="en-US" dirty="0"/>
+          </a:p>
+        </p:txBody>
+      </p:sp>
+      <p:sp>
+        <p:nvSpPr>
+          <p:cNvPr id="5" name="Rectangle 4"/>
+          <p:cNvSpPr/>
+          <p:nvPr/>
+        </p:nvSpPr>
+        <p:spPr>
+          <a:xfrm>
+            <a:off x="76350" y="6374033"/>
+            <a:ext cx="4315605" cy="369332"/>
+          </a:xfrm>
+          <a:prstGeom prst="rect">
+            <a:avLst/>
+          </a:prstGeom>
+          <a:solidFill>
+            <a:schemeClr val="tx1">
+              <a:alpha val="60000"/>
+            </a:schemeClr>
+          </a:solidFill>
+        </p:spPr>
+        <p:txBody>
+          <a:bodyPr wrap="none">
+            <a:spAutoFit/>
+          </a:bodyPr>
+          <a:lstStyle/>
+          <a:p>
+            <a:r>
+              <a:rPr lang="en-US" b="1" dirty="0">
+                <a:solidFill>
+                  <a:srgbClr val="000000"/>
+                </a:solidFill>
+                <a:latin typeface="Verdana" panose="020B0604030504040204" pitchFamily="34" charset="0"/>
+              </a:rPr>
+              <a:t>http://tinyurl.com/arcgismvcjs</a:t>
             </a:r>
             <a:endParaRPr lang="en-US" dirty="0"/>
           </a:p>
@@ -11583,6 +11591,40 @@
           </a:p>
         </p:txBody>
       </p:sp>
+      <p:sp>
+        <p:nvSpPr>
+          <p:cNvPr id="3" name="Rectangle 2"/>
+          <p:cNvSpPr/>
+          <p:nvPr/>
+        </p:nvSpPr>
+        <p:spPr>
+          <a:xfrm>
+            <a:off x="2544647" y="6106569"/>
+            <a:ext cx="4315605" cy="369332"/>
+          </a:xfrm>
+          <a:prstGeom prst="rect">
+            <a:avLst/>
+          </a:prstGeom>
+        </p:spPr>
+        <p:txBody>
+          <a:bodyPr wrap="none">
+            <a:spAutoFit/>
+          </a:bodyPr>
+          <a:lstStyle/>
+          <a:p>
+            <a:r>
+              <a:rPr lang="en-US" b="1" dirty="0">
+                <a:solidFill>
+                  <a:srgbClr val="000000"/>
+                </a:solidFill>
+                <a:latin typeface="Verdana" panose="020B0604030504040204" pitchFamily="34" charset="0"/>
+              </a:rPr>
+              <a:t>http://tinyurl.com/arcgismvcjs</a:t>
+            </a:r>
+            <a:endParaRPr lang="en-US" dirty="0"/>
+          </a:p>
+        </p:txBody>
+      </p:sp>
     </p:spTree>
     <p:extLst>
       <p:ext uri="{BB962C8B-B14F-4D97-AF65-F5344CB8AC3E}">
@@ -12635,7 +12677,7 @@
           <a:graphicData uri="http://schemas.openxmlformats.org/presentationml/2006/ole">
             <mc:AlternateContent xmlns:mc="http://schemas.openxmlformats.org/markup-compatibility/2006">
               <mc:Choice xmlns:v="urn:schemas-microsoft-com:vml" Requires="v">
-                <p:oleObj spid="_x0000_s1027" name="Image" r:id="rId3" imgW="12888720" imgH="10031400" progId="Photoshop.Image.13">
+                <p:oleObj spid="_x0000_s1029" name="Image" r:id="rId3" imgW="12888720" imgH="10031400" progId="Photoshop.Image.13">
                   <p:embed/>
                 </p:oleObj>
               </mc:Choice>
@@ -13613,6 +13655,15 @@
 </file>
 
 <file path=customXml/item1.xml><?xml version="1.0" encoding="utf-8"?>
+<?mso-contentType ?>
+<FormTemplates xmlns="http://schemas.microsoft.com/sharepoint/v3/contenttype/forms">
+  <Display>DocumentLibraryForm</Display>
+  <Edit>DocumentLibraryForm</Edit>
+  <New>DocumentLibraryForm</New>
+</FormTemplates>
+</file>
+
+<file path=customXml/item2.xml><?xml version="1.0" encoding="utf-8"?>
 <ct:contentTypeSchema xmlns:ct="http://schemas.microsoft.com/office/2006/metadata/contentType" xmlns:ma="http://schemas.microsoft.com/office/2006/metadata/properties/metaAttributes" ct:_="" ma:_="" ma:contentTypeName="Document" ma:contentTypeID="0x0101007ACEDCC1796C5046AD2614E8CD10690B" ma:contentTypeVersion="" ma:contentTypeDescription="Create a new document." ma:contentTypeScope="" ma:versionID="7a0b9409e5b6c9f27887523c45edc985">
   <xsd:schema xmlns:xsd="http://www.w3.org/2001/XMLSchema" xmlns:xs="http://www.w3.org/2001/XMLSchema" xmlns:p="http://schemas.microsoft.com/office/2006/metadata/properties" xmlns:ns1="http://schemas.microsoft.com/sharepoint/v3" xmlns:ns2="747695CA-BE95-49F2-97F6-28EF370A5422" targetNamespace="http://schemas.microsoft.com/office/2006/metadata/properties" ma:root="true" ma:fieldsID="d5cd47e85bc1547036c33c7dbad77043" ns1:_="" ns2:_="">
     <xsd:import namespace="http://schemas.microsoft.com/sharepoint/v3"/>
@@ -14075,15 +14126,6 @@
 </ct:contentTypeSchema>
 </file>
 
-<file path=customXml/item2.xml><?xml version="1.0" encoding="utf-8"?>
-<?mso-contentType ?>
-<FormTemplates xmlns="http://schemas.microsoft.com/sharepoint/v3/contenttype/forms">
-  <Display>DocumentLibraryForm</Display>
-  <Edit>DocumentLibraryForm</Edit>
-  <New>DocumentLibraryForm</New>
-</FormTemplates>
-</file>
-
 <file path=customXml/item3.xml><?xml version="1.0" encoding="utf-8"?>
 <p:properties xmlns:p="http://schemas.microsoft.com/office/2006/metadata/properties" xmlns:xsi="http://www.w3.org/2001/XMLSchema-instance" xmlns:pc="http://schemas.microsoft.com/office/infopath/2007/PartnerControls">
   <documentManagement>
@@ -14100,6 +14142,14 @@
 </file>
 
 <file path=customXml/itemProps1.xml><?xml version="1.0" encoding="utf-8"?>
+<ds:datastoreItem xmlns:ds="http://schemas.openxmlformats.org/officeDocument/2006/customXml" ds:itemID="{89805D6C-B8DC-404E-9641-F8CAEFFAF152}">
+  <ds:schemaRefs>
+    <ds:schemaRef ds:uri="http://schemas.microsoft.com/sharepoint/v3/contenttype/forms"/>
+  </ds:schemaRefs>
+</ds:datastoreItem>
+</file>
+
+<file path=customXml/itemProps2.xml><?xml version="1.0" encoding="utf-8"?>
 <ds:datastoreItem xmlns:ds="http://schemas.openxmlformats.org/officeDocument/2006/customXml" ds:itemID="{DF0BE6BF-E87A-46EF-BDDD-199149C256DE}">
   <ds:schemaRefs>
     <ds:schemaRef ds:uri="http://schemas.microsoft.com/office/2006/metadata/contentType"/>
@@ -14118,14 +14168,6 @@
 </ds:datastoreItem>
 </file>
 
-<file path=customXml/itemProps2.xml><?xml version="1.0" encoding="utf-8"?>
-<ds:datastoreItem xmlns:ds="http://schemas.openxmlformats.org/officeDocument/2006/customXml" ds:itemID="{89805D6C-B8DC-404E-9641-F8CAEFFAF152}">
-  <ds:schemaRefs>
-    <ds:schemaRef ds:uri="http://schemas.microsoft.com/sharepoint/v3/contenttype/forms"/>
-  </ds:schemaRefs>
-</ds:datastoreItem>
-</file>
-
 <file path=customXml/itemProps3.xml><?xml version="1.0" encoding="utf-8"?>
 <ds:datastoreItem xmlns:ds="http://schemas.openxmlformats.org/officeDocument/2006/customXml" ds:itemID="{D4A1F543-0560-4885-97B7-BFA7C1FD3A41}">
   <ds:schemaRefs>

--- a/Working with Application Frameworks and ArcGIS API for JavaScript.pptx
+++ b/Working with Application Frameworks and ArcGIS API for JavaScript.pptx
@@ -238,7 +238,7 @@
             <a:fld id="{5498D241-0AB7-BC44-80E8-F0A20AF46E9E}" type="datetimeFigureOut">
               <a:rPr lang="en-US" smtClean="0"/>
               <a:pPr/>
-              <a:t>3/22/2013</a:t>
+              <a:t>3/23/2013</a:t>
             </a:fld>
             <a:endParaRPr lang="en-US" dirty="0"/>
           </a:p>
@@ -799,6 +799,103 @@
           <a:p>
             <a:r>
               <a:rPr lang="en-US" dirty="0" smtClean="0"/>
+              <a:t>Knockout is a little different as it doesn’t really have a controller.</a:t>
+            </a:r>
+            <a:r>
+              <a:rPr lang="en-US" baseline="0" dirty="0" smtClean="0"/>
+              <a:t> It has view </a:t>
+            </a:r>
+            <a:r>
+              <a:rPr lang="en-US" baseline="0" smtClean="0"/>
+              <a:t>models instead.</a:t>
+            </a:r>
+            <a:endParaRPr lang="en-US"/>
+          </a:p>
+        </p:txBody>
+      </p:sp>
+      <p:sp>
+        <p:nvSpPr>
+          <p:cNvPr id="4" name="Slide Number Placeholder 3"/>
+          <p:cNvSpPr>
+            <a:spLocks noGrp="1"/>
+          </p:cNvSpPr>
+          <p:nvPr>
+            <p:ph type="sldNum" sz="quarter" idx="10"/>
+          </p:nvPr>
+        </p:nvSpPr>
+        <p:spPr/>
+        <p:txBody>
+          <a:bodyPr/>
+          <a:lstStyle/>
+          <a:p>
+            <a:fld id="{3E7143C0-4F23-B545-9533-520B5A87CA1E}" type="slidenum">
+              <a:rPr lang="en-US" smtClean="0"/>
+              <a:pPr/>
+              <a:t>12</a:t>
+            </a:fld>
+            <a:endParaRPr lang="en-US" dirty="0"/>
+          </a:p>
+        </p:txBody>
+      </p:sp>
+    </p:spTree>
+    <p:extLst>
+      <p:ext uri="{BB962C8B-B14F-4D97-AF65-F5344CB8AC3E}">
+        <p14:creationId xmlns:p14="http://schemas.microsoft.com/office/powerpoint/2010/main" val="2172009026"/>
+      </p:ext>
+    </p:extLst>
+  </p:cSld>
+  <p:clrMapOvr>
+    <a:masterClrMapping/>
+  </p:clrMapOvr>
+</p:notes>
+</file>
+
+<file path=ppt/notesSlides/notesSlide12.xml><?xml version="1.0" encoding="utf-8"?>
+<p:notes xmlns:a="http://schemas.openxmlformats.org/drawingml/2006/main" xmlns:r="http://schemas.openxmlformats.org/officeDocument/2006/relationships" xmlns:p="http://schemas.openxmlformats.org/presentationml/2006/main">
+  <p:cSld>
+    <p:spTree>
+      <p:nvGrpSpPr>
+        <p:cNvPr id="1" name=""/>
+        <p:cNvGrpSpPr/>
+        <p:nvPr/>
+      </p:nvGrpSpPr>
+      <p:grpSpPr>
+        <a:xfrm>
+          <a:off x="0" y="0"/>
+          <a:ext cx="0" cy="0"/>
+          <a:chOff x="0" y="0"/>
+          <a:chExt cx="0" cy="0"/>
+        </a:xfrm>
+      </p:grpSpPr>
+      <p:sp>
+        <p:nvSpPr>
+          <p:cNvPr id="2" name="Slide Image Placeholder 1"/>
+          <p:cNvSpPr>
+            <a:spLocks noGrp="1" noRot="1" noChangeAspect="1"/>
+          </p:cNvSpPr>
+          <p:nvPr>
+            <p:ph type="sldImg"/>
+          </p:nvPr>
+        </p:nvSpPr>
+        <p:spPr/>
+      </p:sp>
+      <p:sp>
+        <p:nvSpPr>
+          <p:cNvPr id="3" name="Notes Placeholder 2"/>
+          <p:cNvSpPr>
+            <a:spLocks noGrp="1"/>
+          </p:cNvSpPr>
+          <p:nvPr>
+            <p:ph type="body" idx="1"/>
+          </p:nvPr>
+        </p:nvSpPr>
+        <p:spPr/>
+        <p:txBody>
+          <a:bodyPr/>
+          <a:lstStyle/>
+          <a:p>
+            <a:r>
+              <a:rPr lang="en-US" dirty="0" smtClean="0"/>
               <a:t>Make sure Dojo</a:t>
             </a:r>
             <a:r>
@@ -856,7 +953,7 @@
 </p:notes>
 </file>
 
-<file path=ppt/notesSlides/notesSlide12.xml><?xml version="1.0" encoding="utf-8"?>
+<file path=ppt/notesSlides/notesSlide13.xml><?xml version="1.0" encoding="utf-8"?>
 <p:notes xmlns:a="http://schemas.openxmlformats.org/drawingml/2006/main" xmlns:r="http://schemas.openxmlformats.org/officeDocument/2006/relationships" xmlns:p="http://schemas.openxmlformats.org/presentationml/2006/main">
   <p:cSld>
     <p:spTree>
@@ -10897,7 +10994,7 @@
       <p:pic>
         <p:nvPicPr>
           <p:cNvPr id="4" name="Picture 3" descr="ko-logo.png">
-            <a:hlinkClick r:id="rId2"/>
+            <a:hlinkClick r:id="rId3"/>
           </p:cNvPr>
           <p:cNvPicPr>
             <a:picLocks noChangeAspect="1"/>
@@ -10905,7 +11002,7 @@
           <p:nvPr/>
         </p:nvPicPr>
         <p:blipFill>
-          <a:blip r:embed="rId3">
+          <a:blip r:embed="rId4">
             <a:extLst>
               <a:ext uri="{28A0092B-C50C-407E-A947-70E740481C1C}">
                 <a14:useLocalDpi xmlns:a14="http://schemas.microsoft.com/office/drawing/2010/main" val="0"/>
@@ -12677,7 +12774,7 @@
           <a:graphicData uri="http://schemas.openxmlformats.org/presentationml/2006/ole">
             <mc:AlternateContent xmlns:mc="http://schemas.openxmlformats.org/markup-compatibility/2006">
               <mc:Choice xmlns:v="urn:schemas-microsoft-com:vml" Requires="v">
-                <p:oleObj spid="_x0000_s1029" name="Image" r:id="rId3" imgW="12888720" imgH="10031400" progId="Photoshop.Image.13">
+                <p:oleObj spid="_x0000_s1035" name="Image" r:id="rId3" imgW="12888720" imgH="10031400" progId="Photoshop.Image.13">
                   <p:embed/>
                 </p:oleObj>
               </mc:Choice>

--- a/Working with Application Frameworks and ArcGIS API for JavaScript.pptx
+++ b/Working with Application Frameworks and ArcGIS API for JavaScript.pptx
@@ -124,7 +124,7 @@
   </p:defaultTextStyle>
   <p:extLst>
     <p:ext uri="{EFAFB233-063F-42B5-8137-9DF3F51BA10A}">
-      <p15:sldGuideLst xmlns:p15="http://schemas.microsoft.com/office/powerpoint/2012/main">
+      <p15:sldGuideLst xmlns:p15="http://schemas.microsoft.com/office/powerpoint/2012/main" xmlns="">
         <p15:guide id="1" orient="horz" pos="430">
           <p15:clr>
             <a:srgbClr val="A4A3A4"/>
@@ -238,7 +238,7 @@
             <a:fld id="{5498D241-0AB7-BC44-80E8-F0A20AF46E9E}" type="datetimeFigureOut">
               <a:rPr lang="en-US" smtClean="0"/>
               <a:pPr/>
-              <a:t>3/22/2013</a:t>
+              <a:t>3/25/13</a:t>
             </a:fld>
             <a:endParaRPr lang="en-US" dirty="0"/>
           </a:p>
@@ -799,6 +799,140 @@
           <a:p>
             <a:r>
               <a:rPr lang="en-US" dirty="0" smtClean="0"/>
+              <a:t>Knockout has a combo of views and models</a:t>
+            </a:r>
+            <a:r>
+              <a:rPr lang="en-US" baseline="0" dirty="0" smtClean="0"/>
+              <a:t> in a single object.</a:t>
+            </a:r>
+          </a:p>
+          <a:p>
+            <a:endParaRPr lang="en-US" baseline="0" dirty="0" smtClean="0"/>
+          </a:p>
+          <a:p>
+            <a:r>
+              <a:rPr lang="en-US" baseline="0" dirty="0" smtClean="0"/>
+              <a:t>It has “observables” which you set what properties on your object or model you’d like the framework to keep track of and when it changes it updates the view or does other functions as you can assign.</a:t>
+            </a:r>
+          </a:p>
+          <a:p>
+            <a:endParaRPr lang="en-US" baseline="0" dirty="0" smtClean="0"/>
+          </a:p>
+          <a:p>
+            <a:r>
+              <a:rPr lang="en-US" baseline="0" dirty="0" smtClean="0"/>
+              <a:t>It has bindings, where you set in HTML using a HTML5 data attribute named data-bind=“your binding”.</a:t>
+            </a:r>
+          </a:p>
+          <a:p>
+            <a:r>
+              <a:rPr lang="en-US" baseline="0" dirty="0" smtClean="0"/>
+              <a:t>It basically sets up your events for that </a:t>
+            </a:r>
+            <a:r>
+              <a:rPr lang="en-US" baseline="0" dirty="0" err="1" smtClean="0"/>
+              <a:t>dom</a:t>
+            </a:r>
+            <a:r>
+              <a:rPr lang="en-US" baseline="0" dirty="0" smtClean="0"/>
+              <a:t> element and makes it really easy to set up and modify events for your app.</a:t>
+            </a:r>
+          </a:p>
+          <a:p>
+            <a:endParaRPr lang="en-US" baseline="0" dirty="0" smtClean="0"/>
+          </a:p>
+          <a:p>
+            <a:r>
+              <a:rPr lang="en-US" baseline="0" dirty="0" smtClean="0"/>
+              <a:t>And it has template rendering so that you’re not just concatenating strings to write HTML within JS.</a:t>
+            </a:r>
+            <a:endParaRPr lang="en-US" dirty="0"/>
+          </a:p>
+        </p:txBody>
+      </p:sp>
+      <p:sp>
+        <p:nvSpPr>
+          <p:cNvPr id="4" name="Slide Number Placeholder 3"/>
+          <p:cNvSpPr>
+            <a:spLocks noGrp="1"/>
+          </p:cNvSpPr>
+          <p:nvPr>
+            <p:ph type="sldNum" sz="quarter" idx="10"/>
+          </p:nvPr>
+        </p:nvSpPr>
+        <p:spPr/>
+        <p:txBody>
+          <a:bodyPr/>
+          <a:lstStyle/>
+          <a:p>
+            <a:fld id="{3E7143C0-4F23-B545-9533-520B5A87CA1E}" type="slidenum">
+              <a:rPr lang="en-US" smtClean="0"/>
+              <a:pPr/>
+              <a:t>12</a:t>
+            </a:fld>
+            <a:endParaRPr lang="en-US" dirty="0"/>
+          </a:p>
+        </p:txBody>
+      </p:sp>
+    </p:spTree>
+    <p:extLst>
+      <p:ext uri="{BB962C8B-B14F-4D97-AF65-F5344CB8AC3E}">
+        <p14:creationId xmlns:p14="http://schemas.microsoft.com/office/powerpoint/2010/main" val="1925441660"/>
+      </p:ext>
+    </p:extLst>
+  </p:cSld>
+  <p:clrMapOvr>
+    <a:masterClrMapping/>
+  </p:clrMapOvr>
+</p:notes>
+</file>
+
+<file path=ppt/notesSlides/notesSlide12.xml><?xml version="1.0" encoding="utf-8"?>
+<p:notes xmlns:a="http://schemas.openxmlformats.org/drawingml/2006/main" xmlns:r="http://schemas.openxmlformats.org/officeDocument/2006/relationships" xmlns:p="http://schemas.openxmlformats.org/presentationml/2006/main">
+  <p:cSld>
+    <p:spTree>
+      <p:nvGrpSpPr>
+        <p:cNvPr id="1" name=""/>
+        <p:cNvGrpSpPr/>
+        <p:nvPr/>
+      </p:nvGrpSpPr>
+      <p:grpSpPr>
+        <a:xfrm>
+          <a:off x="0" y="0"/>
+          <a:ext cx="0" cy="0"/>
+          <a:chOff x="0" y="0"/>
+          <a:chExt cx="0" cy="0"/>
+        </a:xfrm>
+      </p:grpSpPr>
+      <p:sp>
+        <p:nvSpPr>
+          <p:cNvPr id="2" name="Slide Image Placeholder 1"/>
+          <p:cNvSpPr>
+            <a:spLocks noGrp="1" noRot="1" noChangeAspect="1"/>
+          </p:cNvSpPr>
+          <p:nvPr>
+            <p:ph type="sldImg"/>
+          </p:nvPr>
+        </p:nvSpPr>
+        <p:spPr/>
+      </p:sp>
+      <p:sp>
+        <p:nvSpPr>
+          <p:cNvPr id="3" name="Notes Placeholder 2"/>
+          <p:cNvSpPr>
+            <a:spLocks noGrp="1"/>
+          </p:cNvSpPr>
+          <p:nvPr>
+            <p:ph type="body" idx="1"/>
+          </p:nvPr>
+        </p:nvSpPr>
+        <p:spPr/>
+        <p:txBody>
+          <a:bodyPr/>
+          <a:lstStyle/>
+          <a:p>
+            <a:r>
+              <a:rPr lang="en-US" dirty="0" smtClean="0"/>
               <a:t>Make sure Dojo</a:t>
             </a:r>
             <a:r>
@@ -856,7 +990,7 @@
 </p:notes>
 </file>
 
-<file path=ppt/notesSlides/notesSlide12.xml><?xml version="1.0" encoding="utf-8"?>
+<file path=ppt/notesSlides/notesSlide13.xml><?xml version="1.0" encoding="utf-8"?>
 <p:notes xmlns:a="http://schemas.openxmlformats.org/drawingml/2006/main" xmlns:r="http://schemas.openxmlformats.org/officeDocument/2006/relationships" xmlns:p="http://schemas.openxmlformats.org/presentationml/2006/main">
   <p:cSld>
     <p:spTree>
@@ -987,11 +1121,24 @@
           <a:p>
             <a:r>
               <a:rPr lang="en-US" dirty="0" smtClean="0"/>
+              <a:t>Matt:</a:t>
+            </a:r>
+          </a:p>
+          <a:p>
+            <a:endParaRPr lang="en-US" dirty="0" smtClean="0"/>
+          </a:p>
+          <a:p>
+            <a:r>
+              <a:rPr lang="en-US" dirty="0" smtClean="0"/>
               <a:t>Briefly</a:t>
             </a:r>
             <a:r>
               <a:rPr lang="en-US" baseline="0" dirty="0" smtClean="0"/>
-              <a:t> intro MVC:  models are your data, views are representations of models and controllers handle your logic as well as communication between models and views.</a:t>
+              <a:t> </a:t>
+            </a:r>
+            <a:r>
+              <a:rPr lang="en-US" baseline="0" dirty="0" smtClean="0"/>
+              <a:t>intro MVC:  models are your data, views are representations of models and controllers handle your logic as well as communication between models and views.</a:t>
             </a:r>
           </a:p>
           <a:p>
@@ -1000,16 +1147,15 @@
           <a:p>
             <a:r>
               <a:rPr lang="en-US" baseline="0" dirty="0" smtClean="0"/>
-              <a:t>MVC is about separating out your app. Controllers manipulate models, models manipulate views and views render data.</a:t>
-            </a:r>
-          </a:p>
-          <a:p>
-            <a:endParaRPr lang="en-US" baseline="0" dirty="0" smtClean="0"/>
-          </a:p>
-          <a:p>
+              <a:t>MVC is about separating out your </a:t>
+            </a:r>
             <a:r>
               <a:rPr lang="en-US" baseline="0" dirty="0" smtClean="0"/>
-              <a:t>-Matt talk about MVC.</a:t>
+              <a:t>app by functionality and purpose. </a:t>
+            </a:r>
+            <a:r>
+              <a:rPr lang="en-US" baseline="0" dirty="0" smtClean="0"/>
+              <a:t>Controllers manipulate models, models manipulate views and views render data.</a:t>
             </a:r>
           </a:p>
           <a:p>
@@ -1168,7 +1314,15 @@
           <a:p>
             <a:r>
               <a:rPr lang="en-US" baseline="0" dirty="0" smtClean="0"/>
-              <a:t>Fun:  write less boilerplate/scaffolding, focus on doing tasks unique to your app. Creating/disconnecting events</a:t>
+              <a:t>Fun:  write less boilerplate/scaffolding, focus on doing tasks unique to your app. </a:t>
+            </a:r>
+            <a:r>
+              <a:rPr lang="en-US" baseline="0" dirty="0" smtClean="0"/>
+              <a:t>Not having to Creating</a:t>
+            </a:r>
+            <a:r>
+              <a:rPr lang="en-US" baseline="0" dirty="0" smtClean="0"/>
+              <a:t>/disconnecting events</a:t>
             </a:r>
           </a:p>
           <a:p>
@@ -2382,13 +2536,13 @@
   <p:clrMapOvr>
     <a:masterClrMapping/>
   </p:clrMapOvr>
-  <p:transition spd="med">
+  <p:transition xmlns:p14="http://schemas.microsoft.com/office/powerpoint/2010/main" spd="med">
     <p:fade/>
   </p:transition>
   <p:timing>
     <p:tnLst>
       <p:par>
-        <p:cTn id="1" dur="indefinite" restart="never" nodeType="tmRoot"/>
+        <p:cTn xmlns:p14="http://schemas.microsoft.com/office/powerpoint/2010/main" id="1" dur="indefinite" restart="never" nodeType="tmRoot"/>
       </p:par>
     </p:tnLst>
   </p:timing>
@@ -3126,13 +3280,13 @@
   <p:clrMapOvr>
     <a:masterClrMapping/>
   </p:clrMapOvr>
-  <p:transition spd="med">
+  <p:transition xmlns:p14="http://schemas.microsoft.com/office/powerpoint/2010/main" spd="med">
     <p:fade/>
   </p:transition>
   <p:timing>
     <p:tnLst>
       <p:par>
-        <p:cTn id="1" dur="indefinite" restart="never" nodeType="tmRoot"/>
+        <p:cTn xmlns:p14="http://schemas.microsoft.com/office/powerpoint/2010/main" id="1" dur="indefinite" restart="never" nodeType="tmRoot"/>
       </p:par>
     </p:tnLst>
   </p:timing>
@@ -3220,13 +3374,13 @@
   <p:clrMapOvr>
     <a:overrideClrMapping bg1="dk1" tx1="lt1" bg2="dk2" tx2="lt2" accent1="accent1" accent2="accent2" accent3="accent3" accent4="accent4" accent5="accent5" accent6="accent6" hlink="hlink" folHlink="folHlink"/>
   </p:clrMapOvr>
-  <p:transition spd="med">
+  <p:transition xmlns:p14="http://schemas.microsoft.com/office/powerpoint/2010/main" spd="med">
     <p:fade/>
   </p:transition>
   <p:timing>
     <p:tnLst>
       <p:par>
-        <p:cTn id="1" dur="indefinite" restart="never" nodeType="tmRoot"/>
+        <p:cTn xmlns:p14="http://schemas.microsoft.com/office/powerpoint/2010/main" id="1" dur="indefinite" restart="never" nodeType="tmRoot"/>
       </p:par>
     </p:tnLst>
   </p:timing>
@@ -3578,13 +3732,13 @@
   <p:clrMapOvr>
     <a:masterClrMapping/>
   </p:clrMapOvr>
-  <p:transition spd="med">
+  <p:transition xmlns:p14="http://schemas.microsoft.com/office/powerpoint/2010/main" spd="med">
     <p:fade/>
   </p:transition>
   <p:timing>
     <p:tnLst>
       <p:par>
-        <p:cTn id="1" dur="indefinite" restart="never" nodeType="tmRoot"/>
+        <p:cTn xmlns:p14="http://schemas.microsoft.com/office/powerpoint/2010/main" id="1" dur="indefinite" restart="never" nodeType="tmRoot"/>
       </p:par>
     </p:tnLst>
   </p:timing>
@@ -3724,13 +3878,13 @@
   <p:clrMapOvr>
     <a:masterClrMapping/>
   </p:clrMapOvr>
-  <p:transition spd="med">
+  <p:transition xmlns:p14="http://schemas.microsoft.com/office/powerpoint/2010/main" spd="med">
     <p:fade/>
   </p:transition>
   <p:timing>
     <p:tnLst>
       <p:par>
-        <p:cTn id="1" dur="indefinite" restart="never" nodeType="tmRoot"/>
+        <p:cTn xmlns:p14="http://schemas.microsoft.com/office/powerpoint/2010/main" id="1" dur="indefinite" restart="never" nodeType="tmRoot"/>
       </p:par>
     </p:tnLst>
   </p:timing>
@@ -3869,13 +4023,13 @@
   <p:clrMapOvr>
     <a:masterClrMapping/>
   </p:clrMapOvr>
-  <p:transition spd="med">
+  <p:transition xmlns:p14="http://schemas.microsoft.com/office/powerpoint/2010/main" spd="med">
     <p:fade/>
   </p:transition>
   <p:timing>
     <p:tnLst>
       <p:par>
-        <p:cTn id="1" dur="indefinite" restart="never" nodeType="tmRoot"/>
+        <p:cTn xmlns:p14="http://schemas.microsoft.com/office/powerpoint/2010/main" id="1" dur="indefinite" restart="never" nodeType="tmRoot"/>
       </p:par>
     </p:tnLst>
   </p:timing>
@@ -4093,13 +4247,13 @@
   <p:clrMapOvr>
     <a:masterClrMapping/>
   </p:clrMapOvr>
-  <p:transition spd="med">
+  <p:transition xmlns:p14="http://schemas.microsoft.com/office/powerpoint/2010/main" spd="med">
     <p:fade/>
   </p:transition>
   <p:timing>
     <p:tnLst>
       <p:par>
-        <p:cTn id="1" dur="indefinite" restart="never" nodeType="tmRoot"/>
+        <p:cTn xmlns:p14="http://schemas.microsoft.com/office/powerpoint/2010/main" id="1" dur="indefinite" restart="never" nodeType="tmRoot"/>
       </p:par>
     </p:tnLst>
   </p:timing>
@@ -4243,13 +4397,13 @@
   <p:clrMapOvr>
     <a:masterClrMapping/>
   </p:clrMapOvr>
-  <p:transition spd="med">
+  <p:transition xmlns:p14="http://schemas.microsoft.com/office/powerpoint/2010/main" spd="med">
     <p:fade/>
   </p:transition>
   <p:timing>
     <p:tnLst>
       <p:par>
-        <p:cTn id="1" dur="indefinite" restart="never" nodeType="tmRoot"/>
+        <p:cTn xmlns:p14="http://schemas.microsoft.com/office/powerpoint/2010/main" id="1" dur="indefinite" restart="never" nodeType="tmRoot"/>
       </p:par>
     </p:tnLst>
   </p:timing>
@@ -4328,13 +4482,13 @@
   <p:clrMapOvr>
     <a:masterClrMapping/>
   </p:clrMapOvr>
-  <p:transition spd="med">
+  <p:transition xmlns:p14="http://schemas.microsoft.com/office/powerpoint/2010/main" spd="med">
     <p:fade/>
   </p:transition>
   <p:timing>
     <p:tnLst>
       <p:par>
-        <p:cTn id="1" dur="indefinite" restart="never" nodeType="tmRoot"/>
+        <p:cTn xmlns:p14="http://schemas.microsoft.com/office/powerpoint/2010/main" id="1" dur="indefinite" restart="never" nodeType="tmRoot"/>
       </p:par>
     </p:tnLst>
   </p:timing>
@@ -4418,13 +4572,13 @@
   <p:clrMapOvr>
     <a:masterClrMapping/>
   </p:clrMapOvr>
-  <p:transition spd="med">
+  <p:transition xmlns:p14="http://schemas.microsoft.com/office/powerpoint/2010/main" spd="med">
     <p:fade/>
   </p:transition>
   <p:timing>
     <p:tnLst>
       <p:par>
-        <p:cTn id="1" dur="indefinite" restart="never" nodeType="tmRoot"/>
+        <p:cTn xmlns:p14="http://schemas.microsoft.com/office/powerpoint/2010/main" id="1" dur="indefinite" restart="never" nodeType="tmRoot"/>
       </p:par>
     </p:tnLst>
   </p:timing>
@@ -4662,13 +4816,13 @@
   <p:clrMapOvr>
     <a:masterClrMapping/>
   </p:clrMapOvr>
-  <p:transition spd="med">
+  <p:transition xmlns:p14="http://schemas.microsoft.com/office/powerpoint/2010/main" spd="med">
     <p:fade/>
   </p:transition>
   <p:timing>
     <p:tnLst>
       <p:par>
-        <p:cTn id="1" dur="indefinite" restart="never" nodeType="tmRoot"/>
+        <p:cTn xmlns:p14="http://schemas.microsoft.com/office/powerpoint/2010/main" id="1" dur="indefinite" restart="never" nodeType="tmRoot"/>
       </p:par>
     </p:tnLst>
   </p:timing>
@@ -4762,13 +4916,13 @@
   <p:clrMapOvr>
     <a:masterClrMapping/>
   </p:clrMapOvr>
-  <p:transition spd="med">
+  <p:transition xmlns:p14="http://schemas.microsoft.com/office/powerpoint/2010/main" spd="med">
     <p:fade/>
   </p:transition>
   <p:timing>
     <p:tnLst>
       <p:par>
-        <p:cTn id="1" dur="indefinite" restart="never" nodeType="tmRoot"/>
+        <p:cTn xmlns:p14="http://schemas.microsoft.com/office/powerpoint/2010/main" id="1" dur="indefinite" restart="never" nodeType="tmRoot"/>
       </p:par>
     </p:tnLst>
   </p:timing>
@@ -4867,13 +5021,13 @@
   <p:clrMapOvr>
     <a:masterClrMapping/>
   </p:clrMapOvr>
-  <p:transition spd="med">
+  <p:transition xmlns:p14="http://schemas.microsoft.com/office/powerpoint/2010/main" spd="med">
     <p:fade/>
   </p:transition>
   <p:timing>
     <p:tnLst>
       <p:par>
-        <p:cTn id="1" dur="indefinite" restart="never" nodeType="tmRoot"/>
+        <p:cTn xmlns:p14="http://schemas.microsoft.com/office/powerpoint/2010/main" id="1" dur="indefinite" restart="never" nodeType="tmRoot"/>
       </p:par>
     </p:tnLst>
   </p:timing>
@@ -5037,13 +5191,13 @@
   <p:clrMapOvr>
     <a:masterClrMapping/>
   </p:clrMapOvr>
-  <p:transition spd="med">
+  <p:transition xmlns:p14="http://schemas.microsoft.com/office/powerpoint/2010/main" spd="med">
     <p:fade/>
   </p:transition>
   <p:timing>
     <p:tnLst>
       <p:par>
-        <p:cTn id="1" dur="indefinite" restart="never" nodeType="tmRoot"/>
+        <p:cTn xmlns:p14="http://schemas.microsoft.com/office/powerpoint/2010/main" id="1" dur="indefinite" restart="never" nodeType="tmRoot"/>
       </p:par>
     </p:tnLst>
   </p:timing>
@@ -5254,13 +5408,13 @@
   <p:clrMapOvr>
     <a:masterClrMapping/>
   </p:clrMapOvr>
-  <p:transition spd="med">
+  <p:transition xmlns:p14="http://schemas.microsoft.com/office/powerpoint/2010/main" spd="med">
     <p:fade/>
   </p:transition>
   <p:timing>
     <p:tnLst>
       <p:par>
-        <p:cTn id="1" dur="indefinite" restart="never" nodeType="tmRoot"/>
+        <p:cTn xmlns:p14="http://schemas.microsoft.com/office/powerpoint/2010/main" id="1" dur="indefinite" restart="never" nodeType="tmRoot"/>
       </p:par>
     </p:tnLst>
   </p:timing>
@@ -5544,13 +5698,13 @@
   <p:clrMapOvr>
     <a:masterClrMapping/>
   </p:clrMapOvr>
-  <p:transition spd="med">
+  <p:transition xmlns:p14="http://schemas.microsoft.com/office/powerpoint/2010/main" spd="med">
     <p:fade/>
   </p:transition>
   <p:timing>
     <p:tnLst>
       <p:par>
-        <p:cTn id="1" dur="indefinite" restart="never" nodeType="tmRoot"/>
+        <p:cTn xmlns:p14="http://schemas.microsoft.com/office/powerpoint/2010/main" id="1" dur="indefinite" restart="never" nodeType="tmRoot"/>
       </p:par>
     </p:tnLst>
   </p:timing>
@@ -5607,13 +5761,13 @@
   <p:clrMapOvr>
     <a:masterClrMapping/>
   </p:clrMapOvr>
-  <p:transition spd="med">
+  <p:transition xmlns:p14="http://schemas.microsoft.com/office/powerpoint/2010/main" spd="med">
     <p:fade/>
   </p:transition>
   <p:timing>
     <p:tnLst>
       <p:par>
-        <p:cTn id="1" dur="indefinite" restart="never" nodeType="tmRoot"/>
+        <p:cTn xmlns:p14="http://schemas.microsoft.com/office/powerpoint/2010/main" id="1" dur="indefinite" restart="never" nodeType="tmRoot"/>
       </p:par>
     </p:tnLst>
   </p:timing>
@@ -5674,13 +5828,13 @@
   <p:clrMapOvr>
     <a:masterClrMapping/>
   </p:clrMapOvr>
-  <p:transition spd="med">
+  <p:transition xmlns:p14="http://schemas.microsoft.com/office/powerpoint/2010/main" spd="med">
     <p:fade/>
   </p:transition>
   <p:timing>
     <p:tnLst>
       <p:par>
-        <p:cTn id="1" dur="indefinite" restart="never" nodeType="tmRoot"/>
+        <p:cTn xmlns:p14="http://schemas.microsoft.com/office/powerpoint/2010/main" id="1" dur="indefinite" restart="never" nodeType="tmRoot"/>
       </p:par>
     </p:tnLst>
   </p:timing>
@@ -5714,13 +5868,13 @@
   <p:clrMapOvr>
     <a:masterClrMapping/>
   </p:clrMapOvr>
-  <p:transition spd="med">
+  <p:transition xmlns:p14="http://schemas.microsoft.com/office/powerpoint/2010/main" spd="med">
     <p:fade/>
   </p:transition>
   <p:timing>
     <p:tnLst>
       <p:par>
-        <p:cTn id="1" dur="indefinite" restart="never" nodeType="tmRoot"/>
+        <p:cTn xmlns:p14="http://schemas.microsoft.com/office/powerpoint/2010/main" id="1" dur="indefinite" restart="never" nodeType="tmRoot"/>
       </p:par>
     </p:tnLst>
   </p:timing>
@@ -6090,13 +6244,13 @@
   <p:clrMapOvr>
     <a:masterClrMapping/>
   </p:clrMapOvr>
-  <p:transition spd="med">
+  <p:transition xmlns:p14="http://schemas.microsoft.com/office/powerpoint/2010/main" spd="med">
     <p:fade/>
   </p:transition>
   <p:timing>
     <p:tnLst>
       <p:par>
-        <p:cTn id="1" dur="indefinite" restart="never" nodeType="tmRoot"/>
+        <p:cTn xmlns:p14="http://schemas.microsoft.com/office/powerpoint/2010/main" id="1" dur="indefinite" restart="never" nodeType="tmRoot"/>
       </p:par>
     </p:tnLst>
   </p:timing>
@@ -6621,13 +6775,13 @@
   <p:clrMapOvr>
     <a:masterClrMapping/>
   </p:clrMapOvr>
-  <p:transition spd="med">
+  <p:transition xmlns:p14="http://schemas.microsoft.com/office/powerpoint/2010/main" spd="med">
     <p:fade/>
   </p:transition>
   <p:timing>
     <p:tnLst>
       <p:par>
-        <p:cTn id="1" dur="indefinite" restart="never" nodeType="tmRoot"/>
+        <p:cTn xmlns:p14="http://schemas.microsoft.com/office/powerpoint/2010/main" id="1" dur="indefinite" restart="never" nodeType="tmRoot"/>
       </p:par>
     </p:tnLst>
   </p:timing>
@@ -6715,13 +6869,13 @@
   <p:clrMapOvr>
     <a:overrideClrMapping bg1="dk1" tx1="lt1" bg2="dk2" tx2="lt2" accent1="accent1" accent2="accent2" accent3="accent3" accent4="accent4" accent5="accent5" accent6="accent6" hlink="hlink" folHlink="folHlink"/>
   </p:clrMapOvr>
-  <p:transition spd="med">
+  <p:transition xmlns:p14="http://schemas.microsoft.com/office/powerpoint/2010/main" spd="med">
     <p:fade/>
   </p:transition>
   <p:timing>
     <p:tnLst>
       <p:par>
-        <p:cTn id="1" dur="indefinite" restart="never" nodeType="tmRoot"/>
+        <p:cTn xmlns:p14="http://schemas.microsoft.com/office/powerpoint/2010/main" id="1" dur="indefinite" restart="never" nodeType="tmRoot"/>
       </p:par>
     </p:tnLst>
   </p:timing>
@@ -6883,13 +7037,13 @@
   <p:clrMapOvr>
     <a:masterClrMapping/>
   </p:clrMapOvr>
-  <p:transition spd="med">
+  <p:transition xmlns:p14="http://schemas.microsoft.com/office/powerpoint/2010/main" spd="med">
     <p:fade/>
   </p:transition>
   <p:timing>
     <p:tnLst>
       <p:par>
-        <p:cTn id="1" dur="indefinite" restart="never" nodeType="tmRoot"/>
+        <p:cTn xmlns:p14="http://schemas.microsoft.com/office/powerpoint/2010/main" id="1" dur="indefinite" restart="never" nodeType="tmRoot"/>
       </p:par>
     </p:tnLst>
   </p:timing>
@@ -7241,13 +7395,13 @@
   <p:clrMapOvr>
     <a:masterClrMapping/>
   </p:clrMapOvr>
-  <p:transition spd="med">
+  <p:transition xmlns:p14="http://schemas.microsoft.com/office/powerpoint/2010/main" spd="med">
     <p:fade/>
   </p:transition>
   <p:timing>
     <p:tnLst>
       <p:par>
-        <p:cTn id="1" dur="indefinite" restart="never" nodeType="tmRoot"/>
+        <p:cTn xmlns:p14="http://schemas.microsoft.com/office/powerpoint/2010/main" id="1" dur="indefinite" restart="never" nodeType="tmRoot"/>
       </p:par>
     </p:tnLst>
   </p:timing>
@@ -7384,13 +7538,13 @@
   <p:clrMapOvr>
     <a:masterClrMapping/>
   </p:clrMapOvr>
-  <p:transition spd="med">
+  <p:transition xmlns:p14="http://schemas.microsoft.com/office/powerpoint/2010/main" spd="med">
     <p:fade/>
   </p:transition>
   <p:timing>
     <p:tnLst>
       <p:par>
-        <p:cTn id="1" dur="indefinite" restart="never" nodeType="tmRoot"/>
+        <p:cTn xmlns:p14="http://schemas.microsoft.com/office/powerpoint/2010/main" id="1" dur="indefinite" restart="never" nodeType="tmRoot"/>
       </p:par>
     </p:tnLst>
   </p:timing>
@@ -7526,13 +7680,13 @@
   <p:clrMapOvr>
     <a:masterClrMapping/>
   </p:clrMapOvr>
-  <p:transition spd="med">
+  <p:transition xmlns:p14="http://schemas.microsoft.com/office/powerpoint/2010/main" spd="med">
     <p:fade/>
   </p:transition>
   <p:timing>
     <p:tnLst>
       <p:par>
-        <p:cTn id="1" dur="indefinite" restart="never" nodeType="tmRoot"/>
+        <p:cTn xmlns:p14="http://schemas.microsoft.com/office/powerpoint/2010/main" id="1" dur="indefinite" restart="never" nodeType="tmRoot"/>
       </p:par>
     </p:tnLst>
   </p:timing>
@@ -7750,13 +7904,13 @@
   <p:clrMapOvr>
     <a:masterClrMapping/>
   </p:clrMapOvr>
-  <p:transition spd="med">
+  <p:transition xmlns:p14="http://schemas.microsoft.com/office/powerpoint/2010/main" spd="med">
     <p:fade/>
   </p:transition>
   <p:timing>
     <p:tnLst>
       <p:par>
-        <p:cTn id="1" dur="indefinite" restart="never" nodeType="tmRoot"/>
+        <p:cTn xmlns:p14="http://schemas.microsoft.com/office/powerpoint/2010/main" id="1" dur="indefinite" restart="never" nodeType="tmRoot"/>
       </p:par>
     </p:tnLst>
   </p:timing>
@@ -7900,13 +8054,13 @@
   <p:clrMapOvr>
     <a:masterClrMapping/>
   </p:clrMapOvr>
-  <p:transition spd="med">
+  <p:transition xmlns:p14="http://schemas.microsoft.com/office/powerpoint/2010/main" spd="med">
     <p:fade/>
   </p:transition>
   <p:timing>
     <p:tnLst>
       <p:par>
-        <p:cTn id="1" dur="indefinite" restart="never" nodeType="tmRoot"/>
+        <p:cTn xmlns:p14="http://schemas.microsoft.com/office/powerpoint/2010/main" id="1" dur="indefinite" restart="never" nodeType="tmRoot"/>
       </p:par>
     </p:tnLst>
   </p:timing>
@@ -7988,13 +8142,13 @@
   <p:clrMapOvr>
     <a:masterClrMapping/>
   </p:clrMapOvr>
-  <p:transition spd="med">
+  <p:transition xmlns:p14="http://schemas.microsoft.com/office/powerpoint/2010/main" spd="med">
     <p:fade/>
   </p:transition>
   <p:timing>
     <p:tnLst>
       <p:par>
-        <p:cTn id="1" dur="indefinite" restart="never" nodeType="tmRoot"/>
+        <p:cTn xmlns:p14="http://schemas.microsoft.com/office/powerpoint/2010/main" id="1" dur="indefinite" restart="never" nodeType="tmRoot"/>
       </p:par>
     </p:tnLst>
   </p:timing>
@@ -8058,13 +8212,13 @@
   <p:clrMapOvr>
     <a:masterClrMapping/>
   </p:clrMapOvr>
-  <p:transition spd="med">
+  <p:transition xmlns:p14="http://schemas.microsoft.com/office/powerpoint/2010/main" spd="med">
     <p:fade/>
   </p:transition>
   <p:timing>
     <p:tnLst>
       <p:par>
-        <p:cTn id="1" dur="indefinite" restart="never" nodeType="tmRoot"/>
+        <p:cTn xmlns:p14="http://schemas.microsoft.com/office/powerpoint/2010/main" id="1" dur="indefinite" restart="never" nodeType="tmRoot"/>
       </p:par>
     </p:tnLst>
   </p:timing>
@@ -8270,13 +8424,13 @@
   <p:clrMapOvr>
     <a:masterClrMapping/>
   </p:clrMapOvr>
-  <p:transition spd="med">
+  <p:transition xmlns:p14="http://schemas.microsoft.com/office/powerpoint/2010/main" spd="med">
     <p:fade/>
   </p:transition>
   <p:timing>
     <p:tnLst>
       <p:par>
-        <p:cTn id="1" dur="indefinite" restart="never" nodeType="tmRoot"/>
+        <p:cTn xmlns:p14="http://schemas.microsoft.com/office/powerpoint/2010/main" id="1" dur="indefinite" restart="never" nodeType="tmRoot"/>
       </p:par>
     </p:tnLst>
   </p:timing>
@@ -8555,13 +8709,13 @@
   <p:clrMapOvr>
     <a:masterClrMapping/>
   </p:clrMapOvr>
-  <p:transition spd="med">
+  <p:transition xmlns:p14="http://schemas.microsoft.com/office/powerpoint/2010/main" spd="med">
     <p:fade/>
   </p:transition>
   <p:timing>
     <p:tnLst>
       <p:par>
-        <p:cTn id="1" dur="indefinite" restart="never" nodeType="tmRoot"/>
+        <p:cTn xmlns:p14="http://schemas.microsoft.com/office/powerpoint/2010/main" id="1" dur="indefinite" restart="never" nodeType="tmRoot"/>
       </p:par>
     </p:tnLst>
   </p:timing>
@@ -8613,13 +8767,13 @@
   <p:clrMapOvr>
     <a:masterClrMapping/>
   </p:clrMapOvr>
-  <p:transition spd="med">
+  <p:transition xmlns:p14="http://schemas.microsoft.com/office/powerpoint/2010/main" spd="med">
     <p:fade/>
   </p:transition>
   <p:timing>
     <p:tnLst>
       <p:par>
-        <p:cTn id="1" dur="indefinite" restart="never" nodeType="tmRoot"/>
+        <p:cTn xmlns:p14="http://schemas.microsoft.com/office/powerpoint/2010/main" id="1" dur="indefinite" restart="never" nodeType="tmRoot"/>
       </p:par>
     </p:tnLst>
   </p:timing>
@@ -8675,13 +8829,13 @@
   <p:clrMapOvr>
     <a:masterClrMapping/>
   </p:clrMapOvr>
-  <p:transition spd="med">
+  <p:transition xmlns:p14="http://schemas.microsoft.com/office/powerpoint/2010/main" spd="med">
     <p:fade/>
   </p:transition>
   <p:timing>
     <p:tnLst>
       <p:par>
-        <p:cTn id="1" dur="indefinite" restart="never" nodeType="tmRoot"/>
+        <p:cTn xmlns:p14="http://schemas.microsoft.com/office/powerpoint/2010/main" id="1" dur="indefinite" restart="never" nodeType="tmRoot"/>
       </p:par>
     </p:tnLst>
   </p:timing>
@@ -8710,13 +8864,13 @@
   <p:clrMapOvr>
     <a:masterClrMapping/>
   </p:clrMapOvr>
-  <p:transition spd="med">
+  <p:transition xmlns:p14="http://schemas.microsoft.com/office/powerpoint/2010/main" spd="med">
     <p:fade/>
   </p:transition>
   <p:timing>
     <p:tnLst>
       <p:par>
-        <p:cTn id="1" dur="indefinite" restart="never" nodeType="tmRoot"/>
+        <p:cTn xmlns:p14="http://schemas.microsoft.com/office/powerpoint/2010/main" id="1" dur="indefinite" restart="never" nodeType="tmRoot"/>
       </p:par>
     </p:tnLst>
   </p:timing>
@@ -9299,13 +9453,13 @@
   <p:clrMapOvr>
     <a:masterClrMapping/>
   </p:clrMapOvr>
-  <p:transition spd="med">
+  <p:transition xmlns:p14="http://schemas.microsoft.com/office/powerpoint/2010/main" spd="med">
     <p:fade/>
   </p:transition>
   <p:timing>
     <p:tnLst>
       <p:par>
-        <p:cTn id="1" dur="indefinite" restart="never" nodeType="tmRoot"/>
+        <p:cTn xmlns:p14="http://schemas.microsoft.com/office/powerpoint/2010/main" id="1" dur="indefinite" restart="never" nodeType="tmRoot"/>
       </p:par>
     </p:tnLst>
   </p:timing>
@@ -9454,13 +9608,13 @@
     <p:sldLayoutId id="2147486410" r:id="rId17"/>
     <p:sldLayoutId id="2147486411" r:id="rId18"/>
   </p:sldLayoutIdLst>
-  <p:transition spd="med">
+  <p:transition xmlns:p14="http://schemas.microsoft.com/office/powerpoint/2010/main" spd="med">
     <p:fade/>
   </p:transition>
   <p:timing>
     <p:tnLst>
       <p:par>
-        <p:cTn id="1" dur="indefinite" restart="never" nodeType="tmRoot"/>
+        <p:cTn xmlns:p14="http://schemas.microsoft.com/office/powerpoint/2010/main" id="1" dur="indefinite" restart="never" nodeType="tmRoot"/>
       </p:par>
     </p:tnLst>
   </p:timing>
@@ -9960,13 +10114,13 @@
     <p:sldLayoutId id="2147486429" r:id="rId17"/>
     <p:sldLayoutId id="2147486430" r:id="rId18"/>
   </p:sldLayoutIdLst>
-  <p:transition spd="med">
+  <p:transition xmlns:p14="http://schemas.microsoft.com/office/powerpoint/2010/main" spd="med">
     <p:fade/>
   </p:transition>
   <p:timing>
     <p:tnLst>
       <p:par>
-        <p:cTn id="1" dur="indefinite" restart="never" nodeType="tmRoot"/>
+        <p:cTn xmlns:p14="http://schemas.microsoft.com/office/powerpoint/2010/main" id="1" dur="indefinite" restart="never" nodeType="tmRoot"/>
       </p:par>
     </p:tnLst>
   </p:timing>
@@ -10362,7 +10516,7 @@
           <a:noFill/>
           <a:extLst>
             <a:ext uri="{909E8E84-426E-40dd-AFC4-6F175D3DCCD1}">
-              <a14:hiddenFill xmlns="" xmlns:a14="http://schemas.microsoft.com/office/drawing/2010/main">
+              <a14:hiddenFill xmlns:a14="http://schemas.microsoft.com/office/drawing/2010/main">
                 <a:solidFill>
                   <a:srgbClr val="FFFFFF"/>
                 </a:solidFill>
@@ -10492,13 +10646,13 @@
   <p:clrMapOvr>
     <a:masterClrMapping/>
   </p:clrMapOvr>
-  <p:transition spd="med">
+  <p:transition xmlns:p14="http://schemas.microsoft.com/office/powerpoint/2010/main" spd="med">
     <p:fade/>
   </p:transition>
   <p:timing>
     <p:tnLst>
       <p:par>
-        <p:cTn id="1" dur="indefinite" restart="never" nodeType="tmRoot"/>
+        <p:cTn xmlns:p14="http://schemas.microsoft.com/office/powerpoint/2010/main" id="1" dur="indefinite" restart="never" nodeType="tmRoot"/>
       </p:par>
     </p:tnLst>
   </p:timing>
@@ -10707,13 +10861,13 @@
   <p:clrMapOvr>
     <a:masterClrMapping/>
   </p:clrMapOvr>
-  <p:transition spd="med">
+  <p:transition xmlns:p14="http://schemas.microsoft.com/office/powerpoint/2010/main" spd="med">
     <p:fade/>
   </p:transition>
   <p:timing>
     <p:tnLst>
       <p:par>
-        <p:cTn id="1" dur="indefinite" restart="never" nodeType="tmRoot"/>
+        <p:cTn xmlns:p14="http://schemas.microsoft.com/office/powerpoint/2010/main" id="1" dur="indefinite" restart="never" nodeType="tmRoot"/>
       </p:par>
     </p:tnLst>
   </p:timing>
@@ -10800,13 +10954,13 @@
   <p:clrMapOvr>
     <a:masterClrMapping/>
   </p:clrMapOvr>
-  <p:transition spd="med">
+  <p:transition xmlns:p14="http://schemas.microsoft.com/office/powerpoint/2010/main" spd="med">
     <p:fade/>
   </p:transition>
   <p:timing>
     <p:tnLst>
       <p:par>
-        <p:cTn id="1" dur="indefinite" restart="never" nodeType="tmRoot"/>
+        <p:cTn xmlns:p14="http://schemas.microsoft.com/office/powerpoint/2010/main" id="1" dur="indefinite" restart="never" nodeType="tmRoot"/>
       </p:par>
     </p:tnLst>
   </p:timing>
@@ -10897,7 +11051,7 @@
       <p:pic>
         <p:nvPicPr>
           <p:cNvPr id="4" name="Picture 3" descr="ko-logo.png">
-            <a:hlinkClick r:id="rId2"/>
+            <a:hlinkClick r:id="rId3"/>
           </p:cNvPr>
           <p:cNvPicPr>
             <a:picLocks noChangeAspect="1"/>
@@ -10905,7 +11059,7 @@
           <p:nvPr/>
         </p:nvPicPr>
         <p:blipFill>
-          <a:blip r:embed="rId3">
+          <a:blip r:embed="rId4">
             <a:extLst>
               <a:ext uri="{28A0092B-C50C-407E-A947-70E740481C1C}">
                 <a14:useLocalDpi xmlns:a14="http://schemas.microsoft.com/office/drawing/2010/main" val="0"/>
@@ -10936,7 +11090,7 @@
   <p:clrMapOvr>
     <a:masterClrMapping/>
   </p:clrMapOvr>
-  <p:transition spd="med">
+  <p:transition xmlns:p14="http://schemas.microsoft.com/office/powerpoint/2010/main" spd="med">
     <p:fade/>
   </p:transition>
 </p:sld>
@@ -11114,13 +11268,13 @@
   <p:clrMapOvr>
     <a:masterClrMapping/>
   </p:clrMapOvr>
-  <p:transition spd="med">
+  <p:transition xmlns:p14="http://schemas.microsoft.com/office/powerpoint/2010/main" spd="med">
     <p:fade/>
   </p:transition>
   <p:timing>
     <p:tnLst>
       <p:par>
-        <p:cTn id="1" dur="indefinite" restart="never" nodeType="tmRoot"/>
+        <p:cTn xmlns:p14="http://schemas.microsoft.com/office/powerpoint/2010/main" id="1" dur="indefinite" restart="never" nodeType="tmRoot"/>
       </p:par>
     </p:tnLst>
   </p:timing>
@@ -11187,13 +11341,13 @@
   <p:clrMapOvr>
     <a:masterClrMapping/>
   </p:clrMapOvr>
-  <p:transition spd="med">
+  <p:transition xmlns:p14="http://schemas.microsoft.com/office/powerpoint/2010/main" spd="med">
     <p:fade/>
   </p:transition>
   <p:timing>
     <p:tnLst>
       <p:par>
-        <p:cTn id="1" dur="indefinite" restart="never" nodeType="tmRoot"/>
+        <p:cTn xmlns:p14="http://schemas.microsoft.com/office/powerpoint/2010/main" id="1" dur="indefinite" restart="never" nodeType="tmRoot"/>
       </p:par>
     </p:tnLst>
   </p:timing>
@@ -11635,13 +11789,13 @@
   <p:clrMapOvr>
     <a:masterClrMapping/>
   </p:clrMapOvr>
-  <p:transition spd="med">
+  <p:transition xmlns:p14="http://schemas.microsoft.com/office/powerpoint/2010/main" spd="med">
     <p:fade/>
   </p:transition>
   <p:timing>
     <p:tnLst>
       <p:par>
-        <p:cTn id="1" dur="indefinite" restart="never" nodeType="tmRoot"/>
+        <p:cTn xmlns:p14="http://schemas.microsoft.com/office/powerpoint/2010/main" id="1" dur="indefinite" restart="never" nodeType="tmRoot"/>
       </p:par>
     </p:tnLst>
   </p:timing>
@@ -11856,13 +12010,13 @@
   <p:clrMapOvr>
     <a:masterClrMapping/>
   </p:clrMapOvr>
-  <p:transition spd="med">
+  <p:transition xmlns:p14="http://schemas.microsoft.com/office/powerpoint/2010/main" spd="med">
     <p:fade/>
   </p:transition>
   <p:timing>
     <p:tnLst>
       <p:par>
-        <p:cTn id="1" dur="indefinite" restart="never" nodeType="tmRoot"/>
+        <p:cTn xmlns:p14="http://schemas.microsoft.com/office/powerpoint/2010/main" id="1" dur="indefinite" restart="never" nodeType="tmRoot"/>
       </p:par>
     </p:tnLst>
   </p:timing>
@@ -11990,13 +12144,13 @@
   <p:clrMapOvr>
     <a:masterClrMapping/>
   </p:clrMapOvr>
-  <p:transition spd="med">
+  <p:transition xmlns:p14="http://schemas.microsoft.com/office/powerpoint/2010/main" spd="med">
     <p:fade/>
   </p:transition>
   <p:timing>
     <p:tnLst>
       <p:par>
-        <p:cTn id="1" dur="indefinite" restart="never" nodeType="tmRoot"/>
+        <p:cTn xmlns:p14="http://schemas.microsoft.com/office/powerpoint/2010/main" id="1" dur="indefinite" restart="never" nodeType="tmRoot"/>
       </p:par>
     </p:tnLst>
   </p:timing>
@@ -12080,13 +12234,13 @@
   <p:clrMapOvr>
     <a:masterClrMapping/>
   </p:clrMapOvr>
-  <p:transition spd="med">
+  <p:transition xmlns:p14="http://schemas.microsoft.com/office/powerpoint/2010/main" spd="med">
     <p:fade/>
   </p:transition>
   <p:timing>
     <p:tnLst>
       <p:par>
-        <p:cTn id="1" dur="indefinite" restart="never" nodeType="tmRoot"/>
+        <p:cTn xmlns:p14="http://schemas.microsoft.com/office/powerpoint/2010/main" id="1" dur="indefinite" restart="never" nodeType="tmRoot"/>
       </p:par>
     </p:tnLst>
   </p:timing>
@@ -12164,13 +12318,13 @@
   <p:clrMapOvr>
     <a:masterClrMapping/>
   </p:clrMapOvr>
-  <p:transition spd="med">
+  <p:transition xmlns:p14="http://schemas.microsoft.com/office/powerpoint/2010/main" spd="med">
     <p:fade/>
   </p:transition>
   <p:timing>
     <p:tnLst>
       <p:par>
-        <p:cTn id="1" dur="indefinite" restart="never" nodeType="tmRoot"/>
+        <p:cTn xmlns:p14="http://schemas.microsoft.com/office/powerpoint/2010/main" id="1" dur="indefinite" restart="never" nodeType="tmRoot"/>
       </p:par>
     </p:tnLst>
   </p:timing>
@@ -12252,7 +12406,7 @@
   <p:clrMapOvr>
     <a:masterClrMapping/>
   </p:clrMapOvr>
-  <p:transition spd="med">
+  <p:transition xmlns:p14="http://schemas.microsoft.com/office/powerpoint/2010/main" spd="med">
     <p:fade/>
   </p:transition>
 </p:sld>
@@ -12395,7 +12549,7 @@
   <p:clrMapOvr>
     <a:masterClrMapping/>
   </p:clrMapOvr>
-  <p:transition spd="med">
+  <p:transition xmlns:p14="http://schemas.microsoft.com/office/powerpoint/2010/main" spd="med">
     <p:fade/>
   </p:transition>
 </p:sld>
@@ -12583,13 +12737,13 @@
   <p:clrMapOvr>
     <a:masterClrMapping/>
   </p:clrMapOvr>
-  <p:transition spd="med">
+  <p:transition xmlns:p14="http://schemas.microsoft.com/office/powerpoint/2010/main" spd="med">
     <p:fade/>
   </p:transition>
   <p:timing>
     <p:tnLst>
       <p:par>
-        <p:cTn id="1" dur="indefinite" restart="never" nodeType="tmRoot"/>
+        <p:cTn xmlns:p14="http://schemas.microsoft.com/office/powerpoint/2010/main" id="1" dur="indefinite" restart="never" nodeType="tmRoot"/>
       </p:par>
     </p:tnLst>
   </p:timing>
@@ -12677,7 +12831,7 @@
           <a:graphicData uri="http://schemas.openxmlformats.org/presentationml/2006/ole">
             <mc:AlternateContent xmlns:mc="http://schemas.openxmlformats.org/markup-compatibility/2006">
               <mc:Choice xmlns:v="urn:schemas-microsoft-com:vml" Requires="v">
-                <p:oleObj spid="_x0000_s1029" name="Image" r:id="rId3" imgW="12888720" imgH="10031400" progId="Photoshop.Image.13">
+                <p:oleObj spid="_x0000_s1050" name="Image" r:id="rId3" imgW="12888720" imgH="10031400" progId="Photoshop.Image.13">
                   <p:embed/>
                 </p:oleObj>
               </mc:Choice>
@@ -12722,7 +12876,7 @@
   <p:clrMapOvr>
     <a:masterClrMapping/>
   </p:clrMapOvr>
-  <p:transition spd="med">
+  <p:transition xmlns:p14="http://schemas.microsoft.com/office/powerpoint/2010/main" spd="med">
     <p:fade/>
   </p:transition>
 </p:sld>

--- a/Working with Application Frameworks and ArcGIS API for JavaScript.pptx
+++ b/Working with Application Frameworks and ArcGIS API for JavaScript.pptx
@@ -124,7 +124,7 @@
   </p:defaultTextStyle>
   <p:extLst>
     <p:ext uri="{EFAFB233-063F-42B5-8137-9DF3F51BA10A}">
-      <p15:sldGuideLst xmlns:p15="http://schemas.microsoft.com/office/powerpoint/2012/main" xmlns="">
+      <p15:sldGuideLst xmlns="" xmlns:p15="http://schemas.microsoft.com/office/powerpoint/2012/main">
         <p15:guide id="1" orient="horz" pos="430">
           <p15:clr>
             <a:srgbClr val="A4A3A4"/>
@@ -803,8 +803,17 @@
             </a:r>
             <a:r>
               <a:rPr lang="en-US" baseline="0" dirty="0" smtClean="0"/>
-              <a:t> in a single object.</a:t>
-            </a:r>
+              <a:t> in a single object</a:t>
+            </a:r>
+            <a:r>
+              <a:rPr lang="en-US" baseline="0" dirty="0" smtClean="0"/>
+              <a:t>. Model view view </a:t>
+            </a:r>
+            <a:r>
+              <a:rPr lang="en-US" baseline="0" smtClean="0"/>
+              <a:t>model pattern.</a:t>
+            </a:r>
+            <a:endParaRPr lang="en-US" baseline="0" dirty="0" smtClean="0"/>
           </a:p>
           <a:p>
             <a:endParaRPr lang="en-US" baseline="0" dirty="0" smtClean="0"/>
@@ -1134,28 +1143,16 @@
             </a:r>
             <a:r>
               <a:rPr lang="en-US" baseline="0" dirty="0" smtClean="0"/>
-              <a:t> </a:t>
-            </a:r>
+              <a:t> intro MVC:  models are your data, views are representations of models and controllers handle your logic as well as communication between models and views.</a:t>
+            </a:r>
+          </a:p>
+          <a:p>
+            <a:endParaRPr lang="en-US" baseline="0" dirty="0" smtClean="0"/>
+          </a:p>
+          <a:p>
             <a:r>
               <a:rPr lang="en-US" baseline="0" dirty="0" smtClean="0"/>
-              <a:t>intro MVC:  models are your data, views are representations of models and controllers handle your logic as well as communication between models and views.</a:t>
-            </a:r>
-          </a:p>
-          <a:p>
-            <a:endParaRPr lang="en-US" baseline="0" dirty="0" smtClean="0"/>
-          </a:p>
-          <a:p>
-            <a:r>
-              <a:rPr lang="en-US" baseline="0" dirty="0" smtClean="0"/>
-              <a:t>MVC is about separating out your </a:t>
-            </a:r>
-            <a:r>
-              <a:rPr lang="en-US" baseline="0" dirty="0" smtClean="0"/>
-              <a:t>app by functionality and purpose. </a:t>
-            </a:r>
-            <a:r>
-              <a:rPr lang="en-US" baseline="0" dirty="0" smtClean="0"/>
-              <a:t>Controllers manipulate models, models manipulate views and views render data.</a:t>
+              <a:t>MVC is about separating out your app by functionality and purpose. Controllers manipulate models, models manipulate views and views render data.</a:t>
             </a:r>
           </a:p>
           <a:p>
@@ -1314,15 +1311,7 @@
           <a:p>
             <a:r>
               <a:rPr lang="en-US" baseline="0" dirty="0" smtClean="0"/>
-              <a:t>Fun:  write less boilerplate/scaffolding, focus on doing tasks unique to your app. </a:t>
-            </a:r>
-            <a:r>
-              <a:rPr lang="en-US" baseline="0" dirty="0" smtClean="0"/>
-              <a:t>Not having to Creating</a:t>
-            </a:r>
-            <a:r>
-              <a:rPr lang="en-US" baseline="0" dirty="0" smtClean="0"/>
-              <a:t>/disconnecting events</a:t>
+              <a:t>Fun:  write less boilerplate/scaffolding, focus on doing tasks unique to your app. Not having to Creating/disconnecting events</a:t>
             </a:r>
           </a:p>
           <a:p>
@@ -11024,8 +11013,13 @@
           <a:p>
             <a:r>
               <a:rPr lang="en-US" dirty="0" smtClean="0"/>
-              <a:t>View-Models</a:t>
-            </a:r>
+              <a:t>View-</a:t>
+            </a:r>
+            <a:r>
+              <a:rPr lang="en-US" dirty="0" smtClean="0"/>
+              <a:t>Models (MVVM Pattern)</a:t>
+            </a:r>
+            <a:endParaRPr lang="en-US" dirty="0" smtClean="0"/>
           </a:p>
           <a:p>
             <a:r>
@@ -12831,7 +12825,7 @@
           <a:graphicData uri="http://schemas.openxmlformats.org/presentationml/2006/ole">
             <mc:AlternateContent xmlns:mc="http://schemas.openxmlformats.org/markup-compatibility/2006">
               <mc:Choice xmlns:v="urn:schemas-microsoft-com:vml" Requires="v">
-                <p:oleObj spid="_x0000_s1050" name="Image" r:id="rId3" imgW="12888720" imgH="10031400" progId="Photoshop.Image.13">
+                <p:oleObj spid="_x0000_s1053" name="Image" r:id="rId3" imgW="12888720" imgH="10031400" progId="Photoshop.Image.13">
                   <p:embed/>
                 </p:oleObj>
               </mc:Choice>

--- a/Working with Application Frameworks and ArcGIS API for JavaScript.pptx
+++ b/Working with Application Frameworks and ArcGIS API for JavaScript.pptx
@@ -124,7 +124,7 @@
   </p:defaultTextStyle>
   <p:extLst>
     <p:ext uri="{EFAFB233-063F-42B5-8137-9DF3F51BA10A}">
-      <p15:sldGuideLst xmlns="" xmlns:p15="http://schemas.microsoft.com/office/powerpoint/2012/main">
+      <p15:sldGuideLst xmlns:p15="http://schemas.microsoft.com/office/powerpoint/2012/main" xmlns="">
         <p15:guide id="1" orient="horz" pos="430">
           <p15:clr>
             <a:srgbClr val="A4A3A4"/>
@@ -238,7 +238,7 @@
             <a:fld id="{5498D241-0AB7-BC44-80E8-F0A20AF46E9E}" type="datetimeFigureOut">
               <a:rPr lang="en-US" smtClean="0"/>
               <a:pPr/>
-              <a:t>3/25/13</a:t>
+              <a:t>3/28/13</a:t>
             </a:fld>
             <a:endParaRPr lang="en-US" dirty="0"/>
           </a:p>
@@ -803,11 +803,7 @@
             </a:r>
             <a:r>
               <a:rPr lang="en-US" baseline="0" dirty="0" smtClean="0"/>
-              <a:t> in a single object</a:t>
-            </a:r>
-            <a:r>
-              <a:rPr lang="en-US" baseline="0" dirty="0" smtClean="0"/>
-              <a:t>. Model view view </a:t>
+              <a:t> in a single object. Model view view </a:t>
             </a:r>
             <a:r>
               <a:rPr lang="en-US" baseline="0" smtClean="0"/>
@@ -1311,7 +1307,21 @@
           <a:p>
             <a:r>
               <a:rPr lang="en-US" baseline="0" dirty="0" smtClean="0"/>
-              <a:t>Fun:  write less boilerplate/scaffolding, focus on doing tasks unique to your app. Not having to Creating/disconnecting events</a:t>
+              <a:t>Fun:  write less boilerplate/scaffolding, focus on doing tasks unique to your app. </a:t>
+            </a:r>
+            <a:endParaRPr lang="en-US" baseline="0" dirty="0" smtClean="0"/>
+          </a:p>
+          <a:p>
+            <a:endParaRPr lang="en-US" baseline="0" dirty="0" smtClean="0"/>
+          </a:p>
+          <a:p>
+            <a:r>
+              <a:rPr lang="en-US" baseline="0" dirty="0" smtClean="0"/>
+              <a:t>Not </a:t>
+            </a:r>
+            <a:r>
+              <a:rPr lang="en-US" baseline="0" dirty="0" smtClean="0"/>
+              <a:t>having to Creating/disconnecting events</a:t>
             </a:r>
           </a:p>
           <a:p>
@@ -10594,7 +10604,7 @@
         </p:nvSpPr>
         <p:spPr>
           <a:xfrm>
-            <a:off x="76350" y="6374033"/>
+            <a:off x="369427" y="5970119"/>
             <a:ext cx="4315605" cy="369332"/>
           </a:xfrm>
           <a:prstGeom prst="rect">
@@ -11013,13 +11023,8 @@
           <a:p>
             <a:r>
               <a:rPr lang="en-US" dirty="0" smtClean="0"/>
-              <a:t>View-</a:t>
-            </a:r>
-            <a:r>
-              <a:rPr lang="en-US" dirty="0" smtClean="0"/>
-              <a:t>Models (MVVM Pattern)</a:t>
-            </a:r>
-            <a:endParaRPr lang="en-US" dirty="0" smtClean="0"/>
+              <a:t>View-Models (MVVM Pattern)</a:t>
+            </a:r>
           </a:p>
           <a:p>
             <a:r>
@@ -11683,29 +11688,12 @@
               </a:lnSpc>
             </a:pPr>
             <a:r>
-              <a:rPr lang="en-US" sz="2000" b="1" dirty="0" smtClean="0"/>
-              <a:t>Tuesday, March 26</a:t>
-            </a:r>
-            <a:r>
-              <a:rPr lang="en-US" sz="2000" b="1" baseline="30000" dirty="0" smtClean="0"/>
-              <a:t>th</a:t>
-            </a:r>
-            <a:r>
-              <a:rPr lang="en-US" sz="2000" b="1" dirty="0"/>
-              <a:t> – </a:t>
-            </a:r>
-            <a:r>
-              <a:rPr lang="en-US" sz="2000" b="1" dirty="0" smtClean="0"/>
-              <a:t>Offering </a:t>
-            </a:r>
-            <a:r>
-              <a:rPr lang="en-US" sz="2000" b="1" dirty="0"/>
-              <a:t>ID: </a:t>
-            </a:r>
-            <a:r>
-              <a:rPr lang="en-US" sz="2000" b="1" dirty="0" smtClean="0"/>
-              <a:t>216</a:t>
-            </a:r>
+              <a:rPr lang="en-US" sz="2000" b="1" dirty="0" smtClean="0">
+                <a:hlinkClick r:id="rId2"/>
+              </a:rPr>
+              <a:t>http://esriurl.com/survey</a:t>
+            </a:r>
+            <a:endParaRPr lang="en-US" sz="2000" b="1" dirty="0" smtClean="0"/>
           </a:p>
           <a:p>
             <a:pPr algn="ctr" eaLnBrk="0" hangingPunct="0">
@@ -11726,7 +11714,11 @@
             </a:pPr>
             <a:r>
               <a:rPr lang="en-US" sz="2000" b="1" dirty="0" smtClean="0"/>
-              <a:t>Thursday, March 28</a:t>
+              <a:t>Thursday</a:t>
+            </a:r>
+            <a:r>
+              <a:rPr lang="en-US" sz="2000" b="1" dirty="0" smtClean="0"/>
+              <a:t>, March 28</a:t>
             </a:r>
             <a:r>
               <a:rPr lang="en-US" sz="2000" b="1" baseline="30000" dirty="0" smtClean="0"/>
@@ -11741,18 +11733,23 @@
       </p:sp>
       <p:sp>
         <p:nvSpPr>
-          <p:cNvPr id="3" name="Rectangle 2"/>
+          <p:cNvPr id="6" name="Rectangle 5"/>
           <p:cNvSpPr/>
           <p:nvPr/>
         </p:nvSpPr>
         <p:spPr>
           <a:xfrm>
-            <a:off x="2544647" y="6106569"/>
+            <a:off x="2362350" y="1828990"/>
             <a:ext cx="4315605" cy="369332"/>
           </a:xfrm>
           <a:prstGeom prst="rect">
             <a:avLst/>
           </a:prstGeom>
+          <a:solidFill>
+            <a:schemeClr val="tx1">
+              <a:alpha val="60000"/>
+            </a:schemeClr>
+          </a:solidFill>
         </p:spPr>
         <p:txBody>
           <a:bodyPr wrap="none">
@@ -12825,7 +12822,7 @@
           <a:graphicData uri="http://schemas.openxmlformats.org/presentationml/2006/ole">
             <mc:AlternateContent xmlns:mc="http://schemas.openxmlformats.org/markup-compatibility/2006">
               <mc:Choice xmlns:v="urn:schemas-microsoft-com:vml" Requires="v">
-                <p:oleObj spid="_x0000_s1053" name="Image" r:id="rId3" imgW="12888720" imgH="10031400" progId="Photoshop.Image.13">
+                <p:oleObj spid="_x0000_s1062" name="Image" r:id="rId3" imgW="12888720" imgH="10031400" progId="Photoshop.Image.13">
                   <p:embed/>
                 </p:oleObj>
               </mc:Choice>
